--- a/Project_Document/Presentation Library_Management_System.pptx
+++ b/Project_Document/Presentation Library_Management_System.pptx
@@ -2,7 +2,7 @@
 <file path=ppt/presentation.xml><?xml version="1.0" encoding="utf-8"?>
 <p:presentation xmlns:a="http://schemas.openxmlformats.org/drawingml/2006/main" xmlns:r="http://schemas.openxmlformats.org/officeDocument/2006/relationships" xmlns:p="http://schemas.openxmlformats.org/presentationml/2006/main">
   <p:sldMasterIdLst>
-    <p:sldMasterId id="2147483835" r:id="rId1"/>
+    <p:sldMasterId id="2147483648" r:id="rId1"/>
   </p:sldMasterIdLst>
   <p:notesMasterIdLst>
     <p:notesMasterId r:id="rId8"/>
@@ -115,36 +115,6 @@
       </a:defRPr>
     </a:lvl9pPr>
   </p:defaultTextStyle>
-  <p:extLst>
-    <p:ext uri="{EFAFB233-063F-42B5-8137-9DF3F51BA10A}">
-      <p15:sldGuideLst xmlns:p15="http://schemas.microsoft.com/office/powerpoint/2012/main">
-        <p15:guide id="1" pos="3839">
-          <p15:clr>
-            <a:srgbClr val="A4A3A4"/>
-          </p15:clr>
-        </p15:guide>
-        <p15:guide id="2" orient="horz" pos="2160">
-          <p15:clr>
-            <a:srgbClr val="A4A3A4"/>
-          </p15:clr>
-        </p15:guide>
-      </p15:sldGuideLst>
-    </p:ext>
-    <p:ext uri="{2D200454-40CA-4A62-9FC3-DE9A4176ACB9}">
-      <p15:notesGuideLst xmlns:p15="http://schemas.microsoft.com/office/powerpoint/2012/main">
-        <p15:guide id="1" orient="horz" pos="2880">
-          <p15:clr>
-            <a:srgbClr val="A4A3A4"/>
-          </p15:clr>
-        </p15:guide>
-        <p15:guide id="2" pos="2160">
-          <p15:clr>
-            <a:srgbClr val="A4A3A4"/>
-          </p15:clr>
-        </p15:guide>
-      </p15:notesGuideLst>
-    </p:ext>
-  </p:extLst>
 </p:presentation>
 </file>
 
@@ -1204,10 +1174,24 @@
         </dgm:presLayoutVars>
       </dgm:prSet>
       <dgm:spPr/>
+      <dgm:t>
+        <a:bodyPr/>
+        <a:lstStyle/>
+        <a:p>
+          <a:endParaRPr lang="en-US"/>
+        </a:p>
+      </dgm:t>
     </dgm:pt>
     <dgm:pt modelId="{7A12B315-EA92-4E8C-914E-FCF8B923D9BA}" type="pres">
       <dgm:prSet presAssocID="{477D14C5-CED9-4CFC-B338-DFB0C8090B9F}" presName="circ1" presStyleLbl="vennNode1" presStyleIdx="0" presStyleCnt="3"/>
       <dgm:spPr/>
+      <dgm:t>
+        <a:bodyPr/>
+        <a:lstStyle/>
+        <a:p>
+          <a:endParaRPr lang="en-US"/>
+        </a:p>
+      </dgm:t>
     </dgm:pt>
     <dgm:pt modelId="{1114C5CF-9DB7-4B7A-9D02-B353869E5D38}" type="pres">
       <dgm:prSet presAssocID="{477D14C5-CED9-4CFC-B338-DFB0C8090B9F}" presName="circ1Tx" presStyleLbl="revTx" presStyleIdx="0" presStyleCnt="0">
@@ -1218,10 +1202,24 @@
         </dgm:presLayoutVars>
       </dgm:prSet>
       <dgm:spPr/>
+      <dgm:t>
+        <a:bodyPr/>
+        <a:lstStyle/>
+        <a:p>
+          <a:endParaRPr lang="en-US"/>
+        </a:p>
+      </dgm:t>
     </dgm:pt>
     <dgm:pt modelId="{3469E5A2-93C2-49EF-825C-26E5802651A1}" type="pres">
       <dgm:prSet presAssocID="{3C67E77D-62FA-499D-B5E6-E79A091C5267}" presName="circ2" presStyleLbl="vennNode1" presStyleIdx="1" presStyleCnt="3"/>
       <dgm:spPr/>
+      <dgm:t>
+        <a:bodyPr/>
+        <a:lstStyle/>
+        <a:p>
+          <a:endParaRPr lang="en-US"/>
+        </a:p>
+      </dgm:t>
     </dgm:pt>
     <dgm:pt modelId="{EB02C228-AFBE-4EA8-ADAD-5E115CB980C7}" type="pres">
       <dgm:prSet presAssocID="{3C67E77D-62FA-499D-B5E6-E79A091C5267}" presName="circ2Tx" presStyleLbl="revTx" presStyleIdx="0" presStyleCnt="0">
@@ -1232,10 +1230,24 @@
         </dgm:presLayoutVars>
       </dgm:prSet>
       <dgm:spPr/>
+      <dgm:t>
+        <a:bodyPr/>
+        <a:lstStyle/>
+        <a:p>
+          <a:endParaRPr lang="en-US"/>
+        </a:p>
+      </dgm:t>
     </dgm:pt>
     <dgm:pt modelId="{2B11D8EC-23D3-4EEE-B141-81E29A0B04B6}" type="pres">
       <dgm:prSet presAssocID="{CC6B7442-0B72-4EF2-9F13-1325B51AFF9F}" presName="circ3" presStyleLbl="vennNode1" presStyleIdx="2" presStyleCnt="3"/>
       <dgm:spPr/>
+      <dgm:t>
+        <a:bodyPr/>
+        <a:lstStyle/>
+        <a:p>
+          <a:endParaRPr lang="en-US"/>
+        </a:p>
+      </dgm:t>
     </dgm:pt>
     <dgm:pt modelId="{99560A19-63A4-4F58-BF54-93D1A84B1A1C}" type="pres">
       <dgm:prSet presAssocID="{CC6B7442-0B72-4EF2-9F13-1325B51AFF9F}" presName="circ3Tx" presStyleLbl="revTx" presStyleIdx="0" presStyleCnt="0">
@@ -1246,19 +1258,26 @@
         </dgm:presLayoutVars>
       </dgm:prSet>
       <dgm:spPr/>
+      <dgm:t>
+        <a:bodyPr/>
+        <a:lstStyle/>
+        <a:p>
+          <a:endParaRPr lang="en-US"/>
+        </a:p>
+      </dgm:t>
     </dgm:pt>
   </dgm:ptLst>
   <dgm:cxnLst>
+    <dgm:cxn modelId="{32AA6160-4426-4C4D-93AE-E2F474E37AD9}" srcId="{90119837-5B71-4D44-BB01-DB0B084933C8}" destId="{3C67E77D-62FA-499D-B5E6-E79A091C5267}" srcOrd="1" destOrd="0" parTransId="{5337D229-E330-4525-B0FA-14EC5A80604A}" sibTransId="{C056AC5D-B04E-4376-A1CB-3EAB7BE5AF5B}"/>
+    <dgm:cxn modelId="{98BEF9E1-8D57-4A22-93E0-87299CF8A4AD}" type="presOf" srcId="{CC6B7442-0B72-4EF2-9F13-1325B51AFF9F}" destId="{2B11D8EC-23D3-4EEE-B141-81E29A0B04B6}" srcOrd="0" destOrd="0" presId="urn:microsoft.com/office/officeart/2005/8/layout/venn1"/>
+    <dgm:cxn modelId="{72EC0D90-B3C0-40C5-979A-2051A1711AC2}" type="presOf" srcId="{477D14C5-CED9-4CFC-B338-DFB0C8090B9F}" destId="{7A12B315-EA92-4E8C-914E-FCF8B923D9BA}" srcOrd="0" destOrd="0" presId="urn:microsoft.com/office/officeart/2005/8/layout/venn1"/>
+    <dgm:cxn modelId="{8314FB70-092A-47FB-83E3-C595090DBA48}" type="presOf" srcId="{477D14C5-CED9-4CFC-B338-DFB0C8090B9F}" destId="{1114C5CF-9DB7-4B7A-9D02-B353869E5D38}" srcOrd="1" destOrd="0" presId="urn:microsoft.com/office/officeart/2005/8/layout/venn1"/>
     <dgm:cxn modelId="{7D461F02-AB37-447A-AC6B-D31C4D2EC6A9}" srcId="{90119837-5B71-4D44-BB01-DB0B084933C8}" destId="{477D14C5-CED9-4CFC-B338-DFB0C8090B9F}" srcOrd="0" destOrd="0" parTransId="{92DFCBC7-BC14-4697-8ECD-BF0D5B1EDA3B}" sibTransId="{87E3C0DB-7BEE-424E-8E11-B838D238D595}"/>
     <dgm:cxn modelId="{25C8D00E-7E96-4A36-A375-D219ADDEF7E1}" type="presOf" srcId="{90119837-5B71-4D44-BB01-DB0B084933C8}" destId="{E16D65B4-494C-45C0-82F5-A63E581063CB}" srcOrd="0" destOrd="0" presId="urn:microsoft.com/office/officeart/2005/8/layout/venn1"/>
-    <dgm:cxn modelId="{32AA6160-4426-4C4D-93AE-E2F474E37AD9}" srcId="{90119837-5B71-4D44-BB01-DB0B084933C8}" destId="{3C67E77D-62FA-499D-B5E6-E79A091C5267}" srcOrd="1" destOrd="0" parTransId="{5337D229-E330-4525-B0FA-14EC5A80604A}" sibTransId="{C056AC5D-B04E-4376-A1CB-3EAB7BE5AF5B}"/>
+    <dgm:cxn modelId="{2F29C697-80C6-4535-BD23-A3D8AD090463}" type="presOf" srcId="{3C67E77D-62FA-499D-B5E6-E79A091C5267}" destId="{3469E5A2-93C2-49EF-825C-26E5802651A1}" srcOrd="0" destOrd="0" presId="urn:microsoft.com/office/officeart/2005/8/layout/venn1"/>
     <dgm:cxn modelId="{6A7A996A-CD4C-4228-8B30-C5D8E8EDF64D}" type="presOf" srcId="{3C67E77D-62FA-499D-B5E6-E79A091C5267}" destId="{EB02C228-AFBE-4EA8-ADAD-5E115CB980C7}" srcOrd="1" destOrd="0" presId="urn:microsoft.com/office/officeart/2005/8/layout/venn1"/>
+    <dgm:cxn modelId="{54CA38E1-8678-4786-A265-770FD25C3115}" type="presOf" srcId="{CC6B7442-0B72-4EF2-9F13-1325B51AFF9F}" destId="{99560A19-63A4-4F58-BF54-93D1A84B1A1C}" srcOrd="1" destOrd="0" presId="urn:microsoft.com/office/officeart/2005/8/layout/venn1"/>
     <dgm:cxn modelId="{102D6D4D-90C9-40F4-A001-35DCC329B127}" srcId="{90119837-5B71-4D44-BB01-DB0B084933C8}" destId="{CC6B7442-0B72-4EF2-9F13-1325B51AFF9F}" srcOrd="2" destOrd="0" parTransId="{E3D139E0-5DC2-4F8E-9F8F-B3F0EBCD4689}" sibTransId="{FF80E1BA-0D6F-4EE8-9640-892A5897DBCD}"/>
-    <dgm:cxn modelId="{8314FB70-092A-47FB-83E3-C595090DBA48}" type="presOf" srcId="{477D14C5-CED9-4CFC-B338-DFB0C8090B9F}" destId="{1114C5CF-9DB7-4B7A-9D02-B353869E5D38}" srcOrd="1" destOrd="0" presId="urn:microsoft.com/office/officeart/2005/8/layout/venn1"/>
-    <dgm:cxn modelId="{72EC0D90-B3C0-40C5-979A-2051A1711AC2}" type="presOf" srcId="{477D14C5-CED9-4CFC-B338-DFB0C8090B9F}" destId="{7A12B315-EA92-4E8C-914E-FCF8B923D9BA}" srcOrd="0" destOrd="0" presId="urn:microsoft.com/office/officeart/2005/8/layout/venn1"/>
-    <dgm:cxn modelId="{2F29C697-80C6-4535-BD23-A3D8AD090463}" type="presOf" srcId="{3C67E77D-62FA-499D-B5E6-E79A091C5267}" destId="{3469E5A2-93C2-49EF-825C-26E5802651A1}" srcOrd="0" destOrd="0" presId="urn:microsoft.com/office/officeart/2005/8/layout/venn1"/>
-    <dgm:cxn modelId="{54CA38E1-8678-4786-A265-770FD25C3115}" type="presOf" srcId="{CC6B7442-0B72-4EF2-9F13-1325B51AFF9F}" destId="{99560A19-63A4-4F58-BF54-93D1A84B1A1C}" srcOrd="1" destOrd="0" presId="urn:microsoft.com/office/officeart/2005/8/layout/venn1"/>
-    <dgm:cxn modelId="{98BEF9E1-8D57-4A22-93E0-87299CF8A4AD}" type="presOf" srcId="{CC6B7442-0B72-4EF2-9F13-1325B51AFF9F}" destId="{2B11D8EC-23D3-4EEE-B141-81E29A0B04B6}" srcOrd="0" destOrd="0" presId="urn:microsoft.com/office/officeart/2005/8/layout/venn1"/>
     <dgm:cxn modelId="{44472F79-9B0F-4D76-8B36-0088629008C0}" type="presParOf" srcId="{E16D65B4-494C-45C0-82F5-A63E581063CB}" destId="{7A12B315-EA92-4E8C-914E-FCF8B923D9BA}" srcOrd="0" destOrd="0" presId="urn:microsoft.com/office/officeart/2005/8/layout/venn1"/>
     <dgm:cxn modelId="{EED42847-ACC7-4B5B-B7A1-8F60C94743CB}" type="presParOf" srcId="{E16D65B4-494C-45C0-82F5-A63E581063CB}" destId="{1114C5CF-9DB7-4B7A-9D02-B353869E5D38}" srcOrd="1" destOrd="0" presId="urn:microsoft.com/office/officeart/2005/8/layout/venn1"/>
     <dgm:cxn modelId="{EA084191-AAFD-4120-8E5D-065F61D9C184}" type="presParOf" srcId="{E16D65B4-494C-45C0-82F5-A63E581063CB}" destId="{3469E5A2-93C2-49EF-825C-26E5802651A1}" srcOrd="2" destOrd="0" presId="urn:microsoft.com/office/officeart/2005/8/layout/venn1"/>
@@ -1270,71 +1289,49 @@
   <dgm:whole/>
   <dgm:extLst>
     <a:ext uri="http://schemas.microsoft.com/office/drawing/2008/diagram">
-      <dsp:dataModelExt xmlns:dsp="http://schemas.microsoft.com/office/drawing/2008/diagram" relId="rId6" minVer="http://schemas.openxmlformats.org/drawingml/2006/diagram"/>
+      <dsp:dataModelExt xmlns:dsp="http://schemas.microsoft.com/office/drawing/2008/diagram" xmlns="" relId="rId5" minVer="http://schemas.openxmlformats.org/drawingml/2006/diagram"/>
     </a:ext>
   </dgm:extLst>
 </dgm:dataModel>
 </file>
 
 <file path=ppt/diagrams/drawing1.xml><?xml version="1.0" encoding="utf-8"?>
-<dsp:drawing xmlns:dgm="http://schemas.openxmlformats.org/drawingml/2006/diagram" xmlns:dsp="http://schemas.microsoft.com/office/drawing/2008/diagram" xmlns:a="http://schemas.openxmlformats.org/drawingml/2006/main">
+<dsp:drawing xmlns:dgm="http://schemas.openxmlformats.org/drawingml/2006/diagram" xmlns:dsp="http://schemas.microsoft.com/office/drawing/2008/diagram" xmlns:a="http://schemas.openxmlformats.org/drawingml/2006/main" xmlns:r="http://schemas.openxmlformats.org/officeDocument/2006/relationships">
   <dsp:spTree>
     <dsp:nvGrpSpPr>
-      <dsp:cNvPr id="0" name=""/>
+      <dsp:cNvPr id="2" name="Group 1"/>
       <dsp:cNvGrpSpPr/>
     </dsp:nvGrpSpPr>
-    <dsp:grpSpPr/>
+    <dsp:grpSpPr>
+      <a:xfrm>
+        <a:off x="0" y="0"/>
+        <a:ext cx="4267200" cy="4267200"/>
+        <a:chOff x="0" y="0"/>
+        <a:chExt cx="4267200" cy="4267200"/>
+      </a:xfrm>
+    </dsp:grpSpPr>
     <dsp:sp modelId="{7A12B315-EA92-4E8C-914E-FCF8B923D9BA}">
       <dsp:nvSpPr>
-        <dsp:cNvPr id="0" name=""/>
+        <dsp:cNvPr id="3" name="Oval 2"/>
         <dsp:cNvSpPr/>
       </dsp:nvSpPr>
       <dsp:spPr bwMode="white">
         <a:xfrm>
-          <a:off x="929639" y="53339"/>
+          <a:off x="929640" y="53340"/>
           <a:ext cx="2560320" cy="2560320"/>
         </a:xfrm>
         <a:prstGeom prst="ellipse">
           <a:avLst/>
         </a:prstGeom>
-        <a:gradFill rotWithShape="0">
-          <a:gsLst>
-            <a:gs pos="0">
-              <a:schemeClr val="accent2">
-                <a:alpha val="50000"/>
-                <a:hueOff val="0"/>
-                <a:satOff val="0"/>
-                <a:lumOff val="0"/>
-                <a:alphaOff val="0"/>
-                <a:tint val="98000"/>
-                <a:lumMod val="114000"/>
-              </a:schemeClr>
-            </a:gs>
-            <a:gs pos="100000">
-              <a:schemeClr val="accent2">
-                <a:alpha val="50000"/>
-                <a:hueOff val="0"/>
-                <a:satOff val="0"/>
-                <a:lumOff val="0"/>
-                <a:alphaOff val="0"/>
-                <a:shade val="90000"/>
-                <a:lumMod val="84000"/>
-              </a:schemeClr>
-            </a:gs>
-          </a:gsLst>
-          <a:lin ang="5400000" scaled="0"/>
-        </a:gradFill>
-        <a:ln>
-          <a:noFill/>
-        </a:ln>
-        <a:effectLst/>
       </dsp:spPr>
       <dsp:style>
         <a:lnRef idx="0">
-          <a:scrgbClr r="0" g="0" b="0"/>
+          <a:schemeClr val="lt1"/>
         </a:lnRef>
         <a:fillRef idx="3">
-          <a:scrgbClr r="0" g="0" b="0"/>
+          <a:schemeClr val="accent2">
+            <a:alpha val="50000"/>
+          </a:schemeClr>
         </a:fillRef>
         <a:effectRef idx="0">
           <a:scrgbClr r="0" g="0" b="0"/>
@@ -1344,14 +1341,40 @@
         </a:fontRef>
       </dsp:style>
       <dsp:txBody>
-        <a:bodyPr spcFirstLastPara="0" vert="horz" wrap="square" lIns="0" tIns="0" rIns="0" bIns="0" numCol="1" spcCol="1270" anchor="ctr" anchorCtr="0">
-          <a:noAutofit/>
-        </a:bodyPr>
-        <a:lstStyle/>
+        <a:bodyPr lIns="0" tIns="0" rIns="0" bIns="0" anchor="ctr"/>
+        <a:lstStyle>
+          <a:lvl1pPr algn="ctr">
+            <a:defRPr sz="2400"/>
+          </a:lvl1pPr>
+          <a:lvl2pPr marL="171450" indent="-171450" algn="ctr">
+            <a:defRPr sz="1800"/>
+          </a:lvl2pPr>
+          <a:lvl3pPr marL="342900" indent="-171450" algn="ctr">
+            <a:defRPr sz="1800"/>
+          </a:lvl3pPr>
+          <a:lvl4pPr marL="514350" indent="-171450" algn="ctr">
+            <a:defRPr sz="1800"/>
+          </a:lvl4pPr>
+          <a:lvl5pPr marL="685800" indent="-171450" algn="ctr">
+            <a:defRPr sz="1800"/>
+          </a:lvl5pPr>
+          <a:lvl6pPr marL="857250" indent="-171450" algn="ctr">
+            <a:defRPr sz="1800"/>
+          </a:lvl6pPr>
+          <a:lvl7pPr marL="1028700" indent="-171450" algn="ctr">
+            <a:defRPr sz="1800"/>
+          </a:lvl7pPr>
+          <a:lvl8pPr marL="1200150" indent="-171450" algn="ctr">
+            <a:defRPr sz="1800"/>
+          </a:lvl8pPr>
+          <a:lvl9pPr marL="1371600" indent="-171450" algn="ctr">
+            <a:defRPr sz="1800"/>
+          </a:lvl9pPr>
+        </a:lstStyle>
         <a:p>
-          <a:pPr marL="0" lvl="0" indent="0" algn="ctr" defTabSz="1066800">
+          <a:pPr lvl="0">
             <a:lnSpc>
-              <a:spcPct val="90000"/>
+              <a:spcPct val="100000"/>
             </a:lnSpc>
             <a:spcBef>
               <a:spcPct val="0"/>
@@ -1359,70 +1382,49 @@
             <a:spcAft>
               <a:spcPct val="35000"/>
             </a:spcAft>
-            <a:buNone/>
           </a:pPr>
           <a:r>
-            <a:rPr lang="en-US" sz="2400" kern="1200" dirty="0"/>
+            <a:rPr lang="en-US" dirty="0">
+              <a:solidFill>
+                <a:schemeClr val="tx1"/>
+              </a:solidFill>
+            </a:rPr>
             <a:t>Front-end </a:t>
           </a:r>
+          <a:endParaRPr>
+            <a:solidFill>
+              <a:schemeClr val="tx1"/>
+            </a:solidFill>
+          </a:endParaRPr>
         </a:p>
       </dsp:txBody>
       <dsp:txXfrm>
-        <a:off x="1271015" y="501395"/>
-        <a:ext cx="1877568" cy="1152144"/>
+        <a:off x="929640" y="53340"/>
+        <a:ext cx="2560320" cy="2560320"/>
       </dsp:txXfrm>
     </dsp:sp>
     <dsp:sp modelId="{3469E5A2-93C2-49EF-825C-26E5802651A1}">
       <dsp:nvSpPr>
-        <dsp:cNvPr id="0" name=""/>
+        <dsp:cNvPr id="4" name="Oval 3"/>
         <dsp:cNvSpPr/>
       </dsp:nvSpPr>
       <dsp:spPr bwMode="white">
         <a:xfrm>
-          <a:off x="1853488" y="1653540"/>
+          <a:off x="1853489" y="1653540"/>
           <a:ext cx="2560320" cy="2560320"/>
         </a:xfrm>
         <a:prstGeom prst="ellipse">
           <a:avLst/>
         </a:prstGeom>
-        <a:gradFill rotWithShape="0">
-          <a:gsLst>
-            <a:gs pos="0">
-              <a:schemeClr val="accent3">
-                <a:alpha val="50000"/>
-                <a:hueOff val="0"/>
-                <a:satOff val="0"/>
-                <a:lumOff val="0"/>
-                <a:alphaOff val="0"/>
-                <a:tint val="98000"/>
-                <a:lumMod val="114000"/>
-              </a:schemeClr>
-            </a:gs>
-            <a:gs pos="100000">
-              <a:schemeClr val="accent3">
-                <a:alpha val="50000"/>
-                <a:hueOff val="0"/>
-                <a:satOff val="0"/>
-                <a:lumOff val="0"/>
-                <a:alphaOff val="0"/>
-                <a:shade val="90000"/>
-                <a:lumMod val="84000"/>
-              </a:schemeClr>
-            </a:gs>
-          </a:gsLst>
-          <a:lin ang="5400000" scaled="0"/>
-        </a:gradFill>
-        <a:ln>
-          <a:noFill/>
-        </a:ln>
-        <a:effectLst/>
       </dsp:spPr>
       <dsp:style>
         <a:lnRef idx="0">
-          <a:scrgbClr r="0" g="0" b="0"/>
+          <a:schemeClr val="lt1"/>
         </a:lnRef>
         <a:fillRef idx="3">
-          <a:scrgbClr r="0" g="0" b="0"/>
+          <a:schemeClr val="accent3">
+            <a:alpha val="50000"/>
+          </a:schemeClr>
         </a:fillRef>
         <a:effectRef idx="0">
           <a:scrgbClr r="0" g="0" b="0"/>
@@ -1432,14 +1434,40 @@
         </a:fontRef>
       </dsp:style>
       <dsp:txBody>
-        <a:bodyPr spcFirstLastPara="0" vert="horz" wrap="square" lIns="0" tIns="0" rIns="0" bIns="0" numCol="1" spcCol="1270" anchor="ctr" anchorCtr="0">
-          <a:noAutofit/>
-        </a:bodyPr>
-        <a:lstStyle/>
+        <a:bodyPr lIns="0" tIns="0" rIns="0" bIns="0" anchor="ctr"/>
+        <a:lstStyle>
+          <a:lvl1pPr algn="ctr">
+            <a:defRPr sz="2400"/>
+          </a:lvl1pPr>
+          <a:lvl2pPr marL="171450" indent="-171450" algn="ctr">
+            <a:defRPr sz="1800"/>
+          </a:lvl2pPr>
+          <a:lvl3pPr marL="342900" indent="-171450" algn="ctr">
+            <a:defRPr sz="1800"/>
+          </a:lvl3pPr>
+          <a:lvl4pPr marL="514350" indent="-171450" algn="ctr">
+            <a:defRPr sz="1800"/>
+          </a:lvl4pPr>
+          <a:lvl5pPr marL="685800" indent="-171450" algn="ctr">
+            <a:defRPr sz="1800"/>
+          </a:lvl5pPr>
+          <a:lvl6pPr marL="857250" indent="-171450" algn="ctr">
+            <a:defRPr sz="1800"/>
+          </a:lvl6pPr>
+          <a:lvl7pPr marL="1028700" indent="-171450" algn="ctr">
+            <a:defRPr sz="1800"/>
+          </a:lvl7pPr>
+          <a:lvl8pPr marL="1200150" indent="-171450" algn="ctr">
+            <a:defRPr sz="1800"/>
+          </a:lvl8pPr>
+          <a:lvl9pPr marL="1371600" indent="-171450" algn="ctr">
+            <a:defRPr sz="1800"/>
+          </a:lvl9pPr>
+        </a:lstStyle>
         <a:p>
-          <a:pPr marL="0" lvl="0" indent="0" algn="ctr" defTabSz="1066800">
+          <a:pPr lvl="0">
             <a:lnSpc>
-              <a:spcPct val="90000"/>
+              <a:spcPct val="100000"/>
             </a:lnSpc>
             <a:spcBef>
               <a:spcPct val="0"/>
@@ -1447,22 +1475,30 @@
             <a:spcAft>
               <a:spcPct val="35000"/>
             </a:spcAft>
-            <a:buNone/>
           </a:pPr>
           <a:r>
-            <a:rPr lang="en-US" sz="2400" kern="1200" dirty="0"/>
+            <a:rPr lang="en-US" dirty="0">
+              <a:solidFill>
+                <a:schemeClr val="tx1"/>
+              </a:solidFill>
+            </a:rPr>
             <a:t>Back-end</a:t>
           </a:r>
+          <a:endParaRPr>
+            <a:solidFill>
+              <a:schemeClr val="tx1"/>
+            </a:solidFill>
+          </a:endParaRPr>
         </a:p>
       </dsp:txBody>
       <dsp:txXfrm>
-        <a:off x="2636520" y="2314955"/>
-        <a:ext cx="1536192" cy="1408176"/>
+        <a:off x="1853489" y="1653540"/>
+        <a:ext cx="2560320" cy="2560320"/>
       </dsp:txXfrm>
     </dsp:sp>
     <dsp:sp modelId="{2B11D8EC-23D3-4EEE-B141-81E29A0B04B6}">
       <dsp:nvSpPr>
-        <dsp:cNvPr id="0" name=""/>
+        <dsp:cNvPr id="5" name="Oval 4"/>
         <dsp:cNvSpPr/>
       </dsp:nvSpPr>
       <dsp:spPr bwMode="white">
@@ -1473,44 +1509,15 @@
         <a:prstGeom prst="ellipse">
           <a:avLst/>
         </a:prstGeom>
-        <a:gradFill rotWithShape="0">
-          <a:gsLst>
-            <a:gs pos="0">
-              <a:schemeClr val="accent4">
-                <a:alpha val="50000"/>
-                <a:hueOff val="0"/>
-                <a:satOff val="0"/>
-                <a:lumOff val="0"/>
-                <a:alphaOff val="0"/>
-                <a:tint val="98000"/>
-                <a:lumMod val="114000"/>
-              </a:schemeClr>
-            </a:gs>
-            <a:gs pos="100000">
-              <a:schemeClr val="accent4">
-                <a:alpha val="50000"/>
-                <a:hueOff val="0"/>
-                <a:satOff val="0"/>
-                <a:lumOff val="0"/>
-                <a:alphaOff val="0"/>
-                <a:shade val="90000"/>
-                <a:lumMod val="84000"/>
-              </a:schemeClr>
-            </a:gs>
-          </a:gsLst>
-          <a:lin ang="5400000" scaled="0"/>
-        </a:gradFill>
-        <a:ln>
-          <a:noFill/>
-        </a:ln>
-        <a:effectLst/>
       </dsp:spPr>
       <dsp:style>
         <a:lnRef idx="0">
-          <a:scrgbClr r="0" g="0" b="0"/>
+          <a:schemeClr val="lt1"/>
         </a:lnRef>
         <a:fillRef idx="3">
-          <a:scrgbClr r="0" g="0" b="0"/>
+          <a:schemeClr val="accent4">
+            <a:alpha val="50000"/>
+          </a:schemeClr>
         </a:fillRef>
         <a:effectRef idx="0">
           <a:scrgbClr r="0" g="0" b="0"/>
@@ -1520,14 +1527,40 @@
         </a:fontRef>
       </dsp:style>
       <dsp:txBody>
-        <a:bodyPr spcFirstLastPara="0" vert="horz" wrap="square" lIns="0" tIns="0" rIns="0" bIns="0" numCol="1" spcCol="1270" anchor="ctr" anchorCtr="0">
-          <a:noAutofit/>
-        </a:bodyPr>
-        <a:lstStyle/>
+        <a:bodyPr lIns="0" tIns="0" rIns="0" bIns="0" anchor="ctr"/>
+        <a:lstStyle>
+          <a:lvl1pPr algn="ctr">
+            <a:defRPr sz="2400"/>
+          </a:lvl1pPr>
+          <a:lvl2pPr marL="171450" indent="-171450" algn="ctr">
+            <a:defRPr sz="1800"/>
+          </a:lvl2pPr>
+          <a:lvl3pPr marL="342900" indent="-171450" algn="ctr">
+            <a:defRPr sz="1800"/>
+          </a:lvl3pPr>
+          <a:lvl4pPr marL="514350" indent="-171450" algn="ctr">
+            <a:defRPr sz="1800"/>
+          </a:lvl4pPr>
+          <a:lvl5pPr marL="685800" indent="-171450" algn="ctr">
+            <a:defRPr sz="1800"/>
+          </a:lvl5pPr>
+          <a:lvl6pPr marL="857250" indent="-171450" algn="ctr">
+            <a:defRPr sz="1800"/>
+          </a:lvl6pPr>
+          <a:lvl7pPr marL="1028700" indent="-171450" algn="ctr">
+            <a:defRPr sz="1800"/>
+          </a:lvl7pPr>
+          <a:lvl8pPr marL="1200150" indent="-171450" algn="ctr">
+            <a:defRPr sz="1800"/>
+          </a:lvl8pPr>
+          <a:lvl9pPr marL="1371600" indent="-171450" algn="ctr">
+            <a:defRPr sz="1800"/>
+          </a:lvl9pPr>
+        </a:lstStyle>
         <a:p>
-          <a:pPr marL="0" lvl="0" indent="0" algn="ctr" defTabSz="1066800">
+          <a:pPr lvl="0">
             <a:lnSpc>
-              <a:spcPct val="90000"/>
+              <a:spcPct val="100000"/>
             </a:lnSpc>
             <a:spcBef>
               <a:spcPct val="0"/>
@@ -1535,17 +1568,25 @@
             <a:spcAft>
               <a:spcPct val="35000"/>
             </a:spcAft>
-            <a:buNone/>
           </a:pPr>
           <a:r>
-            <a:rPr lang="en-US" sz="2400" kern="1200" dirty="0"/>
+            <a:rPr lang="en-US" dirty="0">
+              <a:solidFill>
+                <a:schemeClr val="tx1"/>
+              </a:solidFill>
+            </a:rPr>
             <a:t>Database</a:t>
           </a:r>
+          <a:endParaRPr>
+            <a:solidFill>
+              <a:schemeClr val="tx1"/>
+            </a:solidFill>
+          </a:endParaRPr>
         </a:p>
       </dsp:txBody>
       <dsp:txXfrm>
-        <a:off x="246887" y="2314955"/>
-        <a:ext cx="1536192" cy="1408176"/>
+        <a:off x="5791" y="1653540"/>
+        <a:ext cx="2560320" cy="2560320"/>
       </dsp:txXfrm>
     </dsp:sp>
   </dsp:spTree>
@@ -3543,7 +3584,8 @@
           <a:p>
             <a:fld id="{1C482589-CB2F-4003-801D-095B67490E73}" type="datetimeFigureOut">
               <a:rPr lang="en-US"/>
-              <a:t>3/26/2022</a:t>
+              <a:pPr/>
+              <a:t>3/27/2022</a:t>
             </a:fld>
             <a:endParaRPr lang="en-US"/>
           </a:p>
@@ -3609,6 +3651,7 @@
           <a:p>
             <a:fld id="{34A4844B-5D5D-4D8E-9E71-6B297DF4019B}" type="slidenum">
               <a:rPr/>
+              <a:pPr/>
               <a:t>‹#›</a:t>
             </a:fld>
             <a:endParaRPr/>
@@ -3616,11 +3659,6 @@
         </p:txBody>
       </p:sp>
     </p:spTree>
-    <p:extLst>
-      <p:ext uri="{BB962C8B-B14F-4D97-AF65-F5344CB8AC3E}">
-        <p14:creationId xmlns:p14="http://schemas.microsoft.com/office/powerpoint/2010/main" val="1"/>
-      </p:ext>
-    </p:extLst>
   </p:cSld>
   <p:clrMap bg1="lt1" tx1="dk1" bg2="lt2" tx2="dk2" accent1="accent1" accent2="accent2" accent3="accent3" accent4="accent4" accent5="accent5" accent6="accent6" hlink="hlink" folHlink="folHlink"/>
 </p:handoutMaster>
@@ -3708,7 +3746,8 @@
           <a:p>
             <a:fld id="{2A7D4DBF-746C-4C25-853D-8A1CBE8404F4}" type="datetimeFigureOut">
               <a:rPr lang="en-US"/>
-              <a:t>3/26/2022</a:t>
+              <a:pPr/>
+              <a:t>3/27/2022</a:t>
             </a:fld>
             <a:endParaRPr lang="en-US"/>
           </a:p>
@@ -3861,6 +3900,7 @@
           <a:p>
             <a:fld id="{8DE0FDE7-FE71-46E3-9512-437B13AD5F46}" type="slidenum">
               <a:rPr/>
+              <a:pPr/>
               <a:t>‹#›</a:t>
             </a:fld>
             <a:endParaRPr/>
@@ -4002,7 +4042,7 @@
           <a:bodyPr anchor="b"/>
           <a:lstStyle>
             <a:lvl1pPr>
-              <a:defRPr sz="7198"/>
+              <a:defRPr sz="7200"/>
             </a:lvl1pPr>
           </a:lstStyle>
           <a:p>
@@ -4044,7 +4084,7 @@
                 </a:solidFill>
               </a:defRPr>
             </a:lvl1pPr>
-            <a:lvl2pPr marL="457063" indent="0" algn="ctr">
+            <a:lvl2pPr marL="457200" indent="0" algn="ctr">
               <a:buNone/>
               <a:defRPr>
                 <a:solidFill>
@@ -4054,7 +4094,7 @@
                 </a:solidFill>
               </a:defRPr>
             </a:lvl2pPr>
-            <a:lvl3pPr marL="914126" indent="0" algn="ctr">
+            <a:lvl3pPr marL="914400" indent="0" algn="ctr">
               <a:buNone/>
               <a:defRPr>
                 <a:solidFill>
@@ -4064,7 +4104,7 @@
                 </a:solidFill>
               </a:defRPr>
             </a:lvl3pPr>
-            <a:lvl4pPr marL="1371189" indent="0" algn="ctr">
+            <a:lvl4pPr marL="1370965" indent="0" algn="ctr">
               <a:buNone/>
               <a:defRPr>
                 <a:solidFill>
@@ -4074,7 +4114,7 @@
                 </a:solidFill>
               </a:defRPr>
             </a:lvl4pPr>
-            <a:lvl5pPr marL="1828251" indent="0" algn="ctr">
+            <a:lvl5pPr marL="1828165" indent="0" algn="ctr">
               <a:buNone/>
               <a:defRPr>
                 <a:solidFill>
@@ -4084,7 +4124,7 @@
                 </a:solidFill>
               </a:defRPr>
             </a:lvl5pPr>
-            <a:lvl6pPr marL="2285314" indent="0" algn="ctr">
+            <a:lvl6pPr marL="2285365" indent="0" algn="ctr">
               <a:buNone/>
               <a:defRPr>
                 <a:solidFill>
@@ -4094,7 +4134,7 @@
                 </a:solidFill>
               </a:defRPr>
             </a:lvl6pPr>
-            <a:lvl7pPr marL="2742377" indent="0" algn="ctr">
+            <a:lvl7pPr marL="2742565" indent="0" algn="ctr">
               <a:buNone/>
               <a:defRPr>
                 <a:solidFill>
@@ -4104,7 +4144,7 @@
                 </a:solidFill>
               </a:defRPr>
             </a:lvl7pPr>
-            <a:lvl8pPr marL="3199440" indent="0" algn="ctr">
+            <a:lvl8pPr marL="3199130" indent="0" algn="ctr">
               <a:buNone/>
               <a:defRPr>
                 <a:solidFill>
@@ -4114,7 +4154,7 @@
                 </a:solidFill>
               </a:defRPr>
             </a:lvl8pPr>
-            <a:lvl9pPr marL="3656503" indent="0" algn="ctr">
+            <a:lvl9pPr marL="3656330" indent="0" algn="ctr">
               <a:buNone/>
               <a:defRPr>
                 <a:solidFill>
@@ -4151,7 +4191,8 @@
           <a:p>
             <a:fld id="{4AAD347D-5ACD-4C99-B74B-A9C85AD731AF}" type="datetimeFigureOut">
               <a:rPr lang="en-US" smtClean="0"/>
-              <a:t>3/26/2022</a:t>
+              <a:pPr/>
+              <a:t>3/27/2022</a:t>
             </a:fld>
             <a:endParaRPr lang="en-US" dirty="0"/>
           </a:p>
@@ -4193,6 +4234,7 @@
           <a:p>
             <a:fld id="{D57F1E4F-1CFF-5643-939E-02111984F565}" type="slidenum">
               <a:rPr lang="en-US" smtClean="0"/>
+              <a:pPr/>
               <a:t>‹#›</a:t>
             </a:fld>
             <a:endParaRPr lang="en-US" dirty="0"/>
@@ -4200,22 +4242,17 @@
         </p:txBody>
       </p:sp>
     </p:spTree>
-    <p:extLst>
-      <p:ext uri="{BB962C8B-B14F-4D97-AF65-F5344CB8AC3E}">
-        <p14:creationId xmlns:p14="http://schemas.microsoft.com/office/powerpoint/2010/main" val="1141280650"/>
-      </p:ext>
-    </p:extLst>
   </p:cSld>
   <p:clrMapOvr>
     <a:masterClrMapping/>
   </p:clrMapOvr>
-  <mc:AlternateContent xmlns:mc="http://schemas.openxmlformats.org/markup-compatibility/2006" xmlns:p14="http://schemas.microsoft.com/office/powerpoint/2010/main">
-    <mc:Choice Requires="p14">
+  <mc:AlternateContent xmlns:mc="http://schemas.openxmlformats.org/markup-compatibility/2006">
+    <mc:Choice xmlns:p14="http://schemas.microsoft.com/office/powerpoint/2010/main" xmlns="" Requires="p14">
       <p:transition spd="med" p14:dur="700">
         <p:fade/>
       </p:transition>
     </mc:Choice>
-    <mc:Fallback xmlns="">
+    <mc:Fallback>
       <p:transition spd="med">
         <p:fade/>
       </p:transition>
@@ -4263,7 +4300,7 @@
           </a:bodyPr>
           <a:lstStyle>
             <a:lvl1pPr algn="l">
-              <a:defRPr sz="2399" b="0"/>
+              <a:defRPr sz="2400" b="0"/>
             </a:lvl1pPr>
           </a:lstStyle>
           <a:p>
@@ -4312,35 +4349,35 @@
               <a:buNone/>
               <a:defRPr sz="1600"/>
             </a:lvl1pPr>
-            <a:lvl2pPr marL="457063" indent="0">
+            <a:lvl2pPr marL="457200" indent="0">
               <a:buNone/>
               <a:defRPr sz="1600"/>
             </a:lvl2pPr>
-            <a:lvl3pPr marL="914126" indent="0">
+            <a:lvl3pPr marL="914400" indent="0">
               <a:buNone/>
               <a:defRPr sz="1600"/>
             </a:lvl3pPr>
-            <a:lvl4pPr marL="1371189" indent="0">
+            <a:lvl4pPr marL="1370965" indent="0">
               <a:buNone/>
               <a:defRPr sz="1600"/>
             </a:lvl4pPr>
-            <a:lvl5pPr marL="1828251" indent="0">
+            <a:lvl5pPr marL="1828165" indent="0">
               <a:buNone/>
               <a:defRPr sz="1600"/>
             </a:lvl5pPr>
-            <a:lvl6pPr marL="2285314" indent="0">
+            <a:lvl6pPr marL="2285365" indent="0">
               <a:buNone/>
               <a:defRPr sz="1600"/>
             </a:lvl6pPr>
-            <a:lvl7pPr marL="2742377" indent="0">
+            <a:lvl7pPr marL="2742565" indent="0">
               <a:buNone/>
               <a:defRPr sz="1600"/>
             </a:lvl7pPr>
-            <a:lvl8pPr marL="3199440" indent="0">
+            <a:lvl8pPr marL="3199130" indent="0">
               <a:buNone/>
               <a:defRPr sz="1600"/>
             </a:lvl8pPr>
-            <a:lvl9pPr marL="3656503" indent="0">
+            <a:lvl9pPr marL="3656330" indent="0">
               <a:buNone/>
               <a:defRPr sz="1600"/>
             </a:lvl9pPr>
@@ -4379,35 +4416,35 @@
               <a:buNone/>
               <a:defRPr sz="1200"/>
             </a:lvl1pPr>
-            <a:lvl2pPr marL="457063" indent="0">
+            <a:lvl2pPr marL="457200" indent="0">
               <a:buNone/>
               <a:defRPr sz="1200"/>
             </a:lvl2pPr>
-            <a:lvl3pPr marL="914126" indent="0">
+            <a:lvl3pPr marL="914400" indent="0">
               <a:buNone/>
               <a:defRPr sz="1000"/>
             </a:lvl3pPr>
-            <a:lvl4pPr marL="1371189" indent="0">
+            <a:lvl4pPr marL="1370965" indent="0">
               <a:buNone/>
               <a:defRPr sz="900"/>
             </a:lvl4pPr>
-            <a:lvl5pPr marL="1828251" indent="0">
+            <a:lvl5pPr marL="1828165" indent="0">
               <a:buNone/>
               <a:defRPr sz="900"/>
             </a:lvl5pPr>
-            <a:lvl6pPr marL="2285314" indent="0">
+            <a:lvl6pPr marL="2285365" indent="0">
               <a:buNone/>
               <a:defRPr sz="900"/>
             </a:lvl6pPr>
-            <a:lvl7pPr marL="2742377" indent="0">
+            <a:lvl7pPr marL="2742565" indent="0">
               <a:buNone/>
               <a:defRPr sz="900"/>
             </a:lvl7pPr>
-            <a:lvl8pPr marL="3199440" indent="0">
+            <a:lvl8pPr marL="3199130" indent="0">
               <a:buNone/>
               <a:defRPr sz="900"/>
             </a:lvl8pPr>
-            <a:lvl9pPr marL="3656503" indent="0">
+            <a:lvl9pPr marL="3656330" indent="0">
               <a:buNone/>
               <a:defRPr sz="900"/>
             </a:lvl9pPr>
@@ -4438,7 +4475,8 @@
           <a:p>
             <a:fld id="{881DC1F7-A9E9-4D8B-8C97-C74523B2CF2A}" type="datetimeFigureOut">
               <a:rPr lang="en-US" smtClean="0"/>
-              <a:t>3/26/2022</a:t>
+              <a:pPr/>
+              <a:t>3/27/2022</a:t>
             </a:fld>
             <a:endParaRPr lang="en-US"/>
           </a:p>
@@ -4480,6 +4518,7 @@
           <a:p>
             <a:fld id="{299542E4-2CCF-42F6-9D92-ED568035133D}" type="slidenum">
               <a:rPr lang="en-IN" smtClean="0"/>
+              <a:pPr/>
               <a:t>‹#›</a:t>
             </a:fld>
             <a:endParaRPr lang="en-IN"/>
@@ -4487,15 +4526,22 @@
         </p:txBody>
       </p:sp>
     </p:spTree>
-    <p:extLst>
-      <p:ext uri="{BB962C8B-B14F-4D97-AF65-F5344CB8AC3E}">
-        <p14:creationId xmlns:p14="http://schemas.microsoft.com/office/powerpoint/2010/main" val="920862356"/>
-      </p:ext>
-    </p:extLst>
   </p:cSld>
   <p:clrMapOvr>
     <a:masterClrMapping/>
   </p:clrMapOvr>
+  <mc:AlternateContent xmlns:mc="http://schemas.openxmlformats.org/markup-compatibility/2006">
+    <mc:Choice xmlns:p14="http://schemas.microsoft.com/office/powerpoint/2010/main" xmlns="" Requires="p14">
+      <p:transition spd="med" p14:dur="700">
+        <p:fade/>
+      </p:transition>
+    </mc:Choice>
+    <mc:Fallback>
+      <p:transition spd="med">
+        <p:fade/>
+      </p:transition>
+    </mc:Fallback>
+  </mc:AlternateContent>
 </p:sldLayout>
 </file>
 
@@ -4536,7 +4582,7 @@
           <a:bodyPr/>
           <a:lstStyle>
             <a:lvl1pPr>
-              <a:defRPr sz="4799"/>
+              <a:defRPr sz="4800"/>
             </a:lvl1pPr>
           </a:lstStyle>
           <a:p>
@@ -4571,37 +4617,37 @@
           <a:lstStyle>
             <a:lvl1pPr marL="0" indent="0">
               <a:buNone/>
-              <a:defRPr sz="1799"/>
+              <a:defRPr sz="1800"/>
             </a:lvl1pPr>
-            <a:lvl2pPr marL="457063" indent="0">
+            <a:lvl2pPr marL="457200" indent="0">
               <a:buNone/>
               <a:defRPr sz="1200"/>
             </a:lvl2pPr>
-            <a:lvl3pPr marL="914126" indent="0">
+            <a:lvl3pPr marL="914400" indent="0">
               <a:buNone/>
               <a:defRPr sz="1000"/>
             </a:lvl3pPr>
-            <a:lvl4pPr marL="1371189" indent="0">
+            <a:lvl4pPr marL="1370965" indent="0">
               <a:buNone/>
               <a:defRPr sz="900"/>
             </a:lvl4pPr>
-            <a:lvl5pPr marL="1828251" indent="0">
+            <a:lvl5pPr marL="1828165" indent="0">
               <a:buNone/>
               <a:defRPr sz="900"/>
             </a:lvl5pPr>
-            <a:lvl6pPr marL="2285314" indent="0">
+            <a:lvl6pPr marL="2285365" indent="0">
               <a:buNone/>
               <a:defRPr sz="900"/>
             </a:lvl6pPr>
-            <a:lvl7pPr marL="2742377" indent="0">
+            <a:lvl7pPr marL="2742565" indent="0">
               <a:buNone/>
               <a:defRPr sz="900"/>
             </a:lvl7pPr>
-            <a:lvl8pPr marL="3199440" indent="0">
+            <a:lvl8pPr marL="3199130" indent="0">
               <a:buNone/>
               <a:defRPr sz="900"/>
             </a:lvl8pPr>
-            <a:lvl9pPr marL="3656503" indent="0">
+            <a:lvl9pPr marL="3656330" indent="0">
               <a:buNone/>
               <a:defRPr sz="900"/>
             </a:lvl9pPr>
@@ -4632,7 +4678,8 @@
           <a:p>
             <a:fld id="{881DC1F7-A9E9-4D8B-8C97-C74523B2CF2A}" type="datetimeFigureOut">
               <a:rPr lang="en-US" smtClean="0"/>
-              <a:t>3/26/2022</a:t>
+              <a:pPr/>
+              <a:t>3/27/2022</a:t>
             </a:fld>
             <a:endParaRPr lang="en-US"/>
           </a:p>
@@ -4674,6 +4721,7 @@
           <a:p>
             <a:fld id="{299542E4-2CCF-42F6-9D92-ED568035133D}" type="slidenum">
               <a:rPr lang="en-IN" smtClean="0"/>
+              <a:pPr/>
               <a:t>‹#›</a:t>
             </a:fld>
             <a:endParaRPr lang="en-IN"/>
@@ -4681,15 +4729,22 @@
         </p:txBody>
       </p:sp>
     </p:spTree>
-    <p:extLst>
-      <p:ext uri="{BB962C8B-B14F-4D97-AF65-F5344CB8AC3E}">
-        <p14:creationId xmlns:p14="http://schemas.microsoft.com/office/powerpoint/2010/main" val="1416415103"/>
-      </p:ext>
-    </p:extLst>
   </p:cSld>
   <p:clrMapOvr>
     <a:masterClrMapping/>
   </p:clrMapOvr>
+  <mc:AlternateContent xmlns:mc="http://schemas.openxmlformats.org/markup-compatibility/2006">
+    <mc:Choice xmlns:p14="http://schemas.microsoft.com/office/powerpoint/2010/main" xmlns="" Requires="p14">
+      <p:transition spd="med" p14:dur="700">
+        <p:fade/>
+      </p:transition>
+    </mc:Choice>
+    <mc:Fallback>
+      <p:transition spd="med">
+        <p:fade/>
+      </p:transition>
+    </mc:Fallback>
+  </mc:AlternateContent>
 </p:sldLayout>
 </file>
 
@@ -4730,7 +4785,7 @@
           <a:bodyPr/>
           <a:lstStyle>
             <a:lvl1pPr>
-              <a:defRPr sz="4799"/>
+              <a:defRPr sz="4800"/>
             </a:lvl1pPr>
           </a:lstStyle>
           <a:p>
@@ -4777,35 +4832,35 @@
                 <a:cs typeface="+mj-cs"/>
               </a:defRPr>
             </a:lvl1pPr>
-            <a:lvl2pPr marL="457063" indent="0">
+            <a:lvl2pPr marL="457200" indent="0">
               <a:buNone/>
               <a:defRPr sz="1200"/>
             </a:lvl2pPr>
-            <a:lvl3pPr marL="914126" indent="0">
+            <a:lvl3pPr marL="914400" indent="0">
               <a:buNone/>
               <a:defRPr sz="1000"/>
             </a:lvl3pPr>
-            <a:lvl4pPr marL="1371189" indent="0">
+            <a:lvl4pPr marL="1370965" indent="0">
               <a:buNone/>
               <a:defRPr sz="900"/>
             </a:lvl4pPr>
-            <a:lvl5pPr marL="1828251" indent="0">
+            <a:lvl5pPr marL="1828165" indent="0">
               <a:buNone/>
               <a:defRPr sz="900"/>
             </a:lvl5pPr>
-            <a:lvl6pPr marL="2285314" indent="0">
+            <a:lvl6pPr marL="2285365" indent="0">
               <a:buNone/>
               <a:defRPr sz="900"/>
             </a:lvl6pPr>
-            <a:lvl7pPr marL="2742377" indent="0">
+            <a:lvl7pPr marL="2742565" indent="0">
               <a:buNone/>
               <a:defRPr sz="900"/>
             </a:lvl7pPr>
-            <a:lvl8pPr marL="3199440" indent="0">
+            <a:lvl8pPr marL="3199130" indent="0">
               <a:buNone/>
               <a:defRPr sz="900"/>
             </a:lvl8pPr>
-            <a:lvl9pPr marL="3656503" indent="0">
+            <a:lvl9pPr marL="3656330" indent="0">
               <a:buNone/>
               <a:defRPr sz="900"/>
             </a:lvl9pPr>
@@ -4844,37 +4899,37 @@
           <a:lstStyle>
             <a:lvl1pPr marL="0" indent="0">
               <a:buNone/>
-              <a:defRPr sz="1799"/>
+              <a:defRPr sz="1800"/>
             </a:lvl1pPr>
-            <a:lvl2pPr marL="457063" indent="0">
+            <a:lvl2pPr marL="457200" indent="0">
               <a:buNone/>
               <a:defRPr sz="1200"/>
             </a:lvl2pPr>
-            <a:lvl3pPr marL="914126" indent="0">
+            <a:lvl3pPr marL="914400" indent="0">
               <a:buNone/>
               <a:defRPr sz="1000"/>
             </a:lvl3pPr>
-            <a:lvl4pPr marL="1371189" indent="0">
+            <a:lvl4pPr marL="1370965" indent="0">
               <a:buNone/>
               <a:defRPr sz="900"/>
             </a:lvl4pPr>
-            <a:lvl5pPr marL="1828251" indent="0">
+            <a:lvl5pPr marL="1828165" indent="0">
               <a:buNone/>
               <a:defRPr sz="900"/>
             </a:lvl5pPr>
-            <a:lvl6pPr marL="2285314" indent="0">
+            <a:lvl6pPr marL="2285365" indent="0">
               <a:buNone/>
               <a:defRPr sz="900"/>
             </a:lvl6pPr>
-            <a:lvl7pPr marL="2742377" indent="0">
+            <a:lvl7pPr marL="2742565" indent="0">
               <a:buNone/>
               <a:defRPr sz="900"/>
             </a:lvl7pPr>
-            <a:lvl8pPr marL="3199440" indent="0">
+            <a:lvl8pPr marL="3199130" indent="0">
               <a:buNone/>
               <a:defRPr sz="900"/>
             </a:lvl8pPr>
-            <a:lvl9pPr marL="3656503" indent="0">
+            <a:lvl9pPr marL="3656330" indent="0">
               <a:buNone/>
               <a:defRPr sz="900"/>
             </a:lvl9pPr>
@@ -4905,7 +4960,8 @@
           <a:p>
             <a:fld id="{881DC1F7-A9E9-4D8B-8C97-C74523B2CF2A}" type="datetimeFigureOut">
               <a:rPr lang="en-US" smtClean="0"/>
-              <a:t>3/26/2022</a:t>
+              <a:pPr/>
+              <a:t>3/27/2022</a:t>
             </a:fld>
             <a:endParaRPr lang="en-US"/>
           </a:p>
@@ -4947,6 +5003,7 @@
           <a:p>
             <a:fld id="{299542E4-2CCF-42F6-9D92-ED568035133D}" type="slidenum">
               <a:rPr lang="en-IN" smtClean="0"/>
+              <a:pPr/>
               <a:t>‹#›</a:t>
             </a:fld>
             <a:endParaRPr lang="en-IN"/>
@@ -4985,7 +5042,7 @@
                     <a:lumOff val="60000"/>
                   </a:schemeClr>
                 </a:solidFill>
-                <a:latin typeface="Arial"/>
+                <a:latin typeface="Arial" panose="020B0604020202020204"/>
                 <a:ea typeface="+mj-ea"/>
                 <a:cs typeface="+mj-cs"/>
               </a:defRPr>
@@ -4994,7 +5051,7 @@
           <a:p>
             <a:pPr lvl="0"/>
             <a:r>
-              <a:rPr lang="en-US" sz="12196" dirty="0"/>
+              <a:rPr lang="en-US" sz="12195" dirty="0"/>
               <a:t>“</a:t>
             </a:r>
           </a:p>
@@ -5032,7 +5089,7 @@
                     <a:lumOff val="60000"/>
                   </a:schemeClr>
                 </a:solidFill>
-                <a:latin typeface="Arial"/>
+                <a:latin typeface="Arial" panose="020B0604020202020204"/>
                 <a:ea typeface="+mj-ea"/>
                 <a:cs typeface="+mj-cs"/>
               </a:defRPr>
@@ -5041,22 +5098,29 @@
           <a:p>
             <a:pPr lvl="0"/>
             <a:r>
-              <a:rPr lang="en-US" sz="12196" dirty="0"/>
+              <a:rPr lang="en-US" sz="12195" dirty="0"/>
               <a:t>”</a:t>
             </a:r>
           </a:p>
         </p:txBody>
       </p:sp>
     </p:spTree>
-    <p:extLst>
-      <p:ext uri="{BB962C8B-B14F-4D97-AF65-F5344CB8AC3E}">
-        <p14:creationId xmlns:p14="http://schemas.microsoft.com/office/powerpoint/2010/main" val="1085155766"/>
-      </p:ext>
-    </p:extLst>
   </p:cSld>
   <p:clrMapOvr>
     <a:masterClrMapping/>
   </p:clrMapOvr>
+  <mc:AlternateContent xmlns:mc="http://schemas.openxmlformats.org/markup-compatibility/2006">
+    <mc:Choice xmlns:p14="http://schemas.microsoft.com/office/powerpoint/2010/main" xmlns="" Requires="p14">
+      <p:transition spd="med" p14:dur="700">
+        <p:fade/>
+      </p:transition>
+    </mc:Choice>
+    <mc:Fallback>
+      <p:transition spd="med">
+        <p:fade/>
+      </p:transition>
+    </mc:Fallback>
+  </mc:AlternateContent>
 </p:sldLayout>
 </file>
 
@@ -5097,7 +5161,7 @@
           <a:bodyPr anchor="b"/>
           <a:lstStyle>
             <a:lvl1pPr algn="l">
-              <a:defRPr sz="3999" b="0" cap="none"/>
+              <a:defRPr sz="4000" b="0" cap="none"/>
             </a:lvl1pPr>
           </a:lstStyle>
           <a:p>
@@ -5130,7 +5194,7 @@
           <a:lstStyle>
             <a:lvl1pPr marL="0" indent="0" algn="l">
               <a:buNone/>
-              <a:defRPr sz="1999" cap="none">
+              <a:defRPr sz="2000" cap="none">
                 <a:solidFill>
                   <a:schemeClr val="bg2">
                     <a:lumMod val="40000"/>
@@ -5139,9 +5203,9 @@
                 </a:solidFill>
               </a:defRPr>
             </a:lvl1pPr>
-            <a:lvl2pPr marL="457063" indent="0">
-              <a:buNone/>
-              <a:defRPr sz="1799">
+            <a:lvl2pPr marL="457200" indent="0">
+              <a:buNone/>
+              <a:defRPr sz="1800">
                 <a:solidFill>
                   <a:schemeClr val="tx1">
                     <a:tint val="75000"/>
@@ -5149,7 +5213,7 @@
                 </a:solidFill>
               </a:defRPr>
             </a:lvl2pPr>
-            <a:lvl3pPr marL="914126" indent="0">
+            <a:lvl3pPr marL="914400" indent="0">
               <a:buNone/>
               <a:defRPr sz="1600">
                 <a:solidFill>
@@ -5159,7 +5223,7 @@
                 </a:solidFill>
               </a:defRPr>
             </a:lvl3pPr>
-            <a:lvl4pPr marL="1371189" indent="0">
+            <a:lvl4pPr marL="1370965" indent="0">
               <a:buNone/>
               <a:defRPr sz="1400">
                 <a:solidFill>
@@ -5169,7 +5233,7 @@
                 </a:solidFill>
               </a:defRPr>
             </a:lvl4pPr>
-            <a:lvl5pPr marL="1828251" indent="0">
+            <a:lvl5pPr marL="1828165" indent="0">
               <a:buNone/>
               <a:defRPr sz="1400">
                 <a:solidFill>
@@ -5179,7 +5243,7 @@
                 </a:solidFill>
               </a:defRPr>
             </a:lvl5pPr>
-            <a:lvl6pPr marL="2285314" indent="0">
+            <a:lvl6pPr marL="2285365" indent="0">
               <a:buNone/>
               <a:defRPr sz="1400">
                 <a:solidFill>
@@ -5189,7 +5253,7 @@
                 </a:solidFill>
               </a:defRPr>
             </a:lvl6pPr>
-            <a:lvl7pPr marL="2742377" indent="0">
+            <a:lvl7pPr marL="2742565" indent="0">
               <a:buNone/>
               <a:defRPr sz="1400">
                 <a:solidFill>
@@ -5199,7 +5263,7 @@
                 </a:solidFill>
               </a:defRPr>
             </a:lvl7pPr>
-            <a:lvl8pPr marL="3199440" indent="0">
+            <a:lvl8pPr marL="3199130" indent="0">
               <a:buNone/>
               <a:defRPr sz="1400">
                 <a:solidFill>
@@ -5209,7 +5273,7 @@
                 </a:solidFill>
               </a:defRPr>
             </a:lvl8pPr>
-            <a:lvl9pPr marL="3656503" indent="0">
+            <a:lvl9pPr marL="3656330" indent="0">
               <a:buNone/>
               <a:defRPr sz="1400">
                 <a:solidFill>
@@ -5246,7 +5310,8 @@
           <a:p>
             <a:fld id="{881DC1F7-A9E9-4D8B-8C97-C74523B2CF2A}" type="datetimeFigureOut">
               <a:rPr lang="en-US" smtClean="0"/>
-              <a:t>3/26/2022</a:t>
+              <a:pPr/>
+              <a:t>3/27/2022</a:t>
             </a:fld>
             <a:endParaRPr lang="en-US"/>
           </a:p>
@@ -5288,6 +5353,7 @@
           <a:p>
             <a:fld id="{299542E4-2CCF-42F6-9D92-ED568035133D}" type="slidenum">
               <a:rPr lang="en-IN" smtClean="0"/>
+              <a:pPr/>
               <a:t>‹#›</a:t>
             </a:fld>
             <a:endParaRPr lang="en-IN"/>
@@ -5295,15 +5361,22 @@
         </p:txBody>
       </p:sp>
     </p:spTree>
-    <p:extLst>
-      <p:ext uri="{BB962C8B-B14F-4D97-AF65-F5344CB8AC3E}">
-        <p14:creationId xmlns:p14="http://schemas.microsoft.com/office/powerpoint/2010/main" val="196369413"/>
-      </p:ext>
-    </p:extLst>
   </p:cSld>
   <p:clrMapOvr>
     <a:masterClrMapping/>
   </p:clrMapOvr>
+  <mc:AlternateContent xmlns:mc="http://schemas.openxmlformats.org/markup-compatibility/2006">
+    <mc:Choice xmlns:p14="http://schemas.microsoft.com/office/powerpoint/2010/main" xmlns="" Requires="p14">
+      <p:transition spd="med" p14:dur="700">
+        <p:fade/>
+      </p:transition>
+    </mc:Choice>
+    <mc:Fallback>
+      <p:transition spd="med">
+        <p:fade/>
+      </p:transition>
+    </mc:Fallback>
+  </mc:AlternateContent>
 </p:sldLayout>
 </file>
 
@@ -5339,7 +5412,7 @@
           <a:bodyPr/>
           <a:lstStyle>
             <a:lvl1pPr>
-              <a:defRPr sz="4199"/>
+              <a:defRPr sz="4200"/>
             </a:lvl1pPr>
           </a:lstStyle>
           <a:p>
@@ -5374,7 +5447,7 @@
           <a:lstStyle>
             <a:lvl1pPr marL="0" indent="0">
               <a:buNone/>
-              <a:defRPr sz="2399" b="0">
+              <a:defRPr sz="2400" b="0">
                 <a:solidFill>
                   <a:schemeClr val="bg2">
                     <a:lumMod val="40000"/>
@@ -5383,35 +5456,35 @@
                 </a:solidFill>
               </a:defRPr>
             </a:lvl1pPr>
-            <a:lvl2pPr marL="457063" indent="0">
-              <a:buNone/>
-              <a:defRPr sz="1999" b="1"/>
+            <a:lvl2pPr marL="457200" indent="0">
+              <a:buNone/>
+              <a:defRPr sz="2000" b="1"/>
             </a:lvl2pPr>
-            <a:lvl3pPr marL="914126" indent="0">
-              <a:buNone/>
-              <a:defRPr sz="1799" b="1"/>
+            <a:lvl3pPr marL="914400" indent="0">
+              <a:buNone/>
+              <a:defRPr sz="1800" b="1"/>
             </a:lvl3pPr>
-            <a:lvl4pPr marL="1371189" indent="0">
+            <a:lvl4pPr marL="1370965" indent="0">
               <a:buNone/>
               <a:defRPr sz="1600" b="1"/>
             </a:lvl4pPr>
-            <a:lvl5pPr marL="1828251" indent="0">
+            <a:lvl5pPr marL="1828165" indent="0">
               <a:buNone/>
               <a:defRPr sz="1600" b="1"/>
             </a:lvl5pPr>
-            <a:lvl6pPr marL="2285314" indent="0">
+            <a:lvl6pPr marL="2285365" indent="0">
               <a:buNone/>
               <a:defRPr sz="1600" b="1"/>
             </a:lvl6pPr>
-            <a:lvl7pPr marL="2742377" indent="0">
+            <a:lvl7pPr marL="2742565" indent="0">
               <a:buNone/>
               <a:defRPr sz="1600" b="1"/>
             </a:lvl7pPr>
-            <a:lvl8pPr marL="3199440" indent="0">
+            <a:lvl8pPr marL="3199130" indent="0">
               <a:buNone/>
               <a:defRPr sz="1600" b="1"/>
             </a:lvl8pPr>
-            <a:lvl9pPr marL="3656503" indent="0">
+            <a:lvl9pPr marL="3656330" indent="0">
               <a:buNone/>
               <a:defRPr sz="1600" b="1"/>
             </a:lvl9pPr>
@@ -5450,35 +5523,35 @@
               <a:buNone/>
               <a:defRPr sz="1400"/>
             </a:lvl1pPr>
-            <a:lvl2pPr marL="457063" indent="0">
+            <a:lvl2pPr marL="457200" indent="0">
               <a:buNone/>
               <a:defRPr sz="1200"/>
             </a:lvl2pPr>
-            <a:lvl3pPr marL="914126" indent="0">
+            <a:lvl3pPr marL="914400" indent="0">
               <a:buNone/>
               <a:defRPr sz="1000"/>
             </a:lvl3pPr>
-            <a:lvl4pPr marL="1371189" indent="0">
+            <a:lvl4pPr marL="1370965" indent="0">
               <a:buNone/>
               <a:defRPr sz="900"/>
             </a:lvl4pPr>
-            <a:lvl5pPr marL="1828251" indent="0">
+            <a:lvl5pPr marL="1828165" indent="0">
               <a:buNone/>
               <a:defRPr sz="900"/>
             </a:lvl5pPr>
-            <a:lvl6pPr marL="2285314" indent="0">
+            <a:lvl6pPr marL="2285365" indent="0">
               <a:buNone/>
               <a:defRPr sz="900"/>
             </a:lvl6pPr>
-            <a:lvl7pPr marL="2742377" indent="0">
+            <a:lvl7pPr marL="2742565" indent="0">
               <a:buNone/>
               <a:defRPr sz="900"/>
             </a:lvl7pPr>
-            <a:lvl8pPr marL="3199440" indent="0">
+            <a:lvl8pPr marL="3199130" indent="0">
               <a:buNone/>
               <a:defRPr sz="900"/>
             </a:lvl8pPr>
-            <a:lvl9pPr marL="3656503" indent="0">
+            <a:lvl9pPr marL="3656330" indent="0">
               <a:buNone/>
               <a:defRPr sz="900"/>
             </a:lvl9pPr>
@@ -5515,7 +5588,7 @@
           <a:lstStyle>
             <a:lvl1pPr marL="0" indent="0">
               <a:buNone/>
-              <a:defRPr sz="2399" b="0">
+              <a:defRPr sz="2400" b="0">
                 <a:solidFill>
                   <a:schemeClr val="bg2">
                     <a:lumMod val="40000"/>
@@ -5524,35 +5597,35 @@
                 </a:solidFill>
               </a:defRPr>
             </a:lvl1pPr>
-            <a:lvl2pPr marL="457063" indent="0">
-              <a:buNone/>
-              <a:defRPr sz="1999" b="1"/>
+            <a:lvl2pPr marL="457200" indent="0">
+              <a:buNone/>
+              <a:defRPr sz="2000" b="1"/>
             </a:lvl2pPr>
-            <a:lvl3pPr marL="914126" indent="0">
-              <a:buNone/>
-              <a:defRPr sz="1799" b="1"/>
+            <a:lvl3pPr marL="914400" indent="0">
+              <a:buNone/>
+              <a:defRPr sz="1800" b="1"/>
             </a:lvl3pPr>
-            <a:lvl4pPr marL="1371189" indent="0">
+            <a:lvl4pPr marL="1370965" indent="0">
               <a:buNone/>
               <a:defRPr sz="1600" b="1"/>
             </a:lvl4pPr>
-            <a:lvl5pPr marL="1828251" indent="0">
+            <a:lvl5pPr marL="1828165" indent="0">
               <a:buNone/>
               <a:defRPr sz="1600" b="1"/>
             </a:lvl5pPr>
-            <a:lvl6pPr marL="2285314" indent="0">
+            <a:lvl6pPr marL="2285365" indent="0">
               <a:buNone/>
               <a:defRPr sz="1600" b="1"/>
             </a:lvl6pPr>
-            <a:lvl7pPr marL="2742377" indent="0">
+            <a:lvl7pPr marL="2742565" indent="0">
               <a:buNone/>
               <a:defRPr sz="1600" b="1"/>
             </a:lvl7pPr>
-            <a:lvl8pPr marL="3199440" indent="0">
+            <a:lvl8pPr marL="3199130" indent="0">
               <a:buNone/>
               <a:defRPr sz="1600" b="1"/>
             </a:lvl8pPr>
-            <a:lvl9pPr marL="3656503" indent="0">
+            <a:lvl9pPr marL="3656330" indent="0">
               <a:buNone/>
               <a:defRPr sz="1600" b="1"/>
             </a:lvl9pPr>
@@ -5591,35 +5664,35 @@
               <a:buNone/>
               <a:defRPr sz="1400"/>
             </a:lvl1pPr>
-            <a:lvl2pPr marL="457063" indent="0">
+            <a:lvl2pPr marL="457200" indent="0">
               <a:buNone/>
               <a:defRPr sz="1200"/>
             </a:lvl2pPr>
-            <a:lvl3pPr marL="914126" indent="0">
+            <a:lvl3pPr marL="914400" indent="0">
               <a:buNone/>
               <a:defRPr sz="1000"/>
             </a:lvl3pPr>
-            <a:lvl4pPr marL="1371189" indent="0">
+            <a:lvl4pPr marL="1370965" indent="0">
               <a:buNone/>
               <a:defRPr sz="900"/>
             </a:lvl4pPr>
-            <a:lvl5pPr marL="1828251" indent="0">
+            <a:lvl5pPr marL="1828165" indent="0">
               <a:buNone/>
               <a:defRPr sz="900"/>
             </a:lvl5pPr>
-            <a:lvl6pPr marL="2285314" indent="0">
+            <a:lvl6pPr marL="2285365" indent="0">
               <a:buNone/>
               <a:defRPr sz="900"/>
             </a:lvl6pPr>
-            <a:lvl7pPr marL="2742377" indent="0">
+            <a:lvl7pPr marL="2742565" indent="0">
               <a:buNone/>
               <a:defRPr sz="900"/>
             </a:lvl7pPr>
-            <a:lvl8pPr marL="3199440" indent="0">
+            <a:lvl8pPr marL="3199130" indent="0">
               <a:buNone/>
               <a:defRPr sz="900"/>
             </a:lvl8pPr>
-            <a:lvl9pPr marL="3656503" indent="0">
+            <a:lvl9pPr marL="3656330" indent="0">
               <a:buNone/>
               <a:defRPr sz="900"/>
             </a:lvl9pPr>
@@ -5656,7 +5729,7 @@
           <a:lstStyle>
             <a:lvl1pPr marL="0" indent="0">
               <a:buNone/>
-              <a:defRPr sz="2399" b="0">
+              <a:defRPr sz="2400" b="0">
                 <a:solidFill>
                   <a:schemeClr val="bg2">
                     <a:lumMod val="40000"/>
@@ -5665,35 +5738,35 @@
                 </a:solidFill>
               </a:defRPr>
             </a:lvl1pPr>
-            <a:lvl2pPr marL="457063" indent="0">
-              <a:buNone/>
-              <a:defRPr sz="1999" b="1"/>
+            <a:lvl2pPr marL="457200" indent="0">
+              <a:buNone/>
+              <a:defRPr sz="2000" b="1"/>
             </a:lvl2pPr>
-            <a:lvl3pPr marL="914126" indent="0">
-              <a:buNone/>
-              <a:defRPr sz="1799" b="1"/>
+            <a:lvl3pPr marL="914400" indent="0">
+              <a:buNone/>
+              <a:defRPr sz="1800" b="1"/>
             </a:lvl3pPr>
-            <a:lvl4pPr marL="1371189" indent="0">
+            <a:lvl4pPr marL="1370965" indent="0">
               <a:buNone/>
               <a:defRPr sz="1600" b="1"/>
             </a:lvl4pPr>
-            <a:lvl5pPr marL="1828251" indent="0">
+            <a:lvl5pPr marL="1828165" indent="0">
               <a:buNone/>
               <a:defRPr sz="1600" b="1"/>
             </a:lvl5pPr>
-            <a:lvl6pPr marL="2285314" indent="0">
+            <a:lvl6pPr marL="2285365" indent="0">
               <a:buNone/>
               <a:defRPr sz="1600" b="1"/>
             </a:lvl6pPr>
-            <a:lvl7pPr marL="2742377" indent="0">
+            <a:lvl7pPr marL="2742565" indent="0">
               <a:buNone/>
               <a:defRPr sz="1600" b="1"/>
             </a:lvl7pPr>
-            <a:lvl8pPr marL="3199440" indent="0">
+            <a:lvl8pPr marL="3199130" indent="0">
               <a:buNone/>
               <a:defRPr sz="1600" b="1"/>
             </a:lvl8pPr>
-            <a:lvl9pPr marL="3656503" indent="0">
+            <a:lvl9pPr marL="3656330" indent="0">
               <a:buNone/>
               <a:defRPr sz="1600" b="1"/>
             </a:lvl9pPr>
@@ -5732,35 +5805,35 @@
               <a:buNone/>
               <a:defRPr sz="1400"/>
             </a:lvl1pPr>
-            <a:lvl2pPr marL="457063" indent="0">
+            <a:lvl2pPr marL="457200" indent="0">
               <a:buNone/>
               <a:defRPr sz="1200"/>
             </a:lvl2pPr>
-            <a:lvl3pPr marL="914126" indent="0">
+            <a:lvl3pPr marL="914400" indent="0">
               <a:buNone/>
               <a:defRPr sz="1000"/>
             </a:lvl3pPr>
-            <a:lvl4pPr marL="1371189" indent="0">
+            <a:lvl4pPr marL="1370965" indent="0">
               <a:buNone/>
               <a:defRPr sz="900"/>
             </a:lvl4pPr>
-            <a:lvl5pPr marL="1828251" indent="0">
+            <a:lvl5pPr marL="1828165" indent="0">
               <a:buNone/>
               <a:defRPr sz="900"/>
             </a:lvl5pPr>
-            <a:lvl6pPr marL="2285314" indent="0">
+            <a:lvl6pPr marL="2285365" indent="0">
               <a:buNone/>
               <a:defRPr sz="900"/>
             </a:lvl6pPr>
-            <a:lvl7pPr marL="2742377" indent="0">
+            <a:lvl7pPr marL="2742565" indent="0">
               <a:buNone/>
               <a:defRPr sz="900"/>
             </a:lvl7pPr>
-            <a:lvl8pPr marL="3199440" indent="0">
+            <a:lvl8pPr marL="3199130" indent="0">
               <a:buNone/>
               <a:defRPr sz="900"/>
             </a:lvl8pPr>
-            <a:lvl9pPr marL="3656503" indent="0">
+            <a:lvl9pPr marL="3656330" indent="0">
               <a:buNone/>
               <a:defRPr sz="900"/>
             </a:lvl9pPr>
@@ -5869,7 +5942,8 @@
           <a:p>
             <a:fld id="{881DC1F7-A9E9-4D8B-8C97-C74523B2CF2A}" type="datetimeFigureOut">
               <a:rPr lang="en-US" smtClean="0"/>
-              <a:t>3/26/2022</a:t>
+              <a:pPr/>
+              <a:t>3/27/2022</a:t>
             </a:fld>
             <a:endParaRPr lang="en-US"/>
           </a:p>
@@ -5911,6 +5985,7 @@
           <a:p>
             <a:fld id="{299542E4-2CCF-42F6-9D92-ED568035133D}" type="slidenum">
               <a:rPr lang="en-IN" smtClean="0"/>
+              <a:pPr/>
               <a:t>‹#›</a:t>
             </a:fld>
             <a:endParaRPr lang="en-IN"/>
@@ -5918,15 +5993,22 @@
         </p:txBody>
       </p:sp>
     </p:spTree>
-    <p:extLst>
-      <p:ext uri="{BB962C8B-B14F-4D97-AF65-F5344CB8AC3E}">
-        <p14:creationId xmlns:p14="http://schemas.microsoft.com/office/powerpoint/2010/main" val="3481964268"/>
-      </p:ext>
-    </p:extLst>
   </p:cSld>
   <p:clrMapOvr>
     <a:masterClrMapping/>
   </p:clrMapOvr>
+  <mc:AlternateContent xmlns:mc="http://schemas.openxmlformats.org/markup-compatibility/2006">
+    <mc:Choice xmlns:p14="http://schemas.microsoft.com/office/powerpoint/2010/main" xmlns="" Requires="p14">
+      <p:transition spd="med" p14:dur="700">
+        <p:fade/>
+      </p:transition>
+    </mc:Choice>
+    <mc:Fallback>
+      <p:transition spd="med">
+        <p:fade/>
+      </p:transition>
+    </mc:Fallback>
+  </mc:AlternateContent>
 </p:sldLayout>
 </file>
 
@@ -5962,7 +6044,7 @@
           <a:bodyPr/>
           <a:lstStyle>
             <a:lvl1pPr>
-              <a:defRPr sz="4199"/>
+              <a:defRPr sz="4200"/>
             </a:lvl1pPr>
           </a:lstStyle>
           <a:p>
@@ -5997,7 +6079,7 @@
           <a:lstStyle>
             <a:lvl1pPr marL="0" indent="0">
               <a:buNone/>
-              <a:defRPr sz="2399" b="0">
+              <a:defRPr sz="2400" b="0">
                 <a:solidFill>
                   <a:schemeClr val="bg2">
                     <a:lumMod val="40000"/>
@@ -6006,35 +6088,35 @@
                 </a:solidFill>
               </a:defRPr>
             </a:lvl1pPr>
-            <a:lvl2pPr marL="457063" indent="0">
-              <a:buNone/>
-              <a:defRPr sz="1999" b="1"/>
+            <a:lvl2pPr marL="457200" indent="0">
+              <a:buNone/>
+              <a:defRPr sz="2000" b="1"/>
             </a:lvl2pPr>
-            <a:lvl3pPr marL="914126" indent="0">
-              <a:buNone/>
-              <a:defRPr sz="1799" b="1"/>
+            <a:lvl3pPr marL="914400" indent="0">
+              <a:buNone/>
+              <a:defRPr sz="1800" b="1"/>
             </a:lvl3pPr>
-            <a:lvl4pPr marL="1371189" indent="0">
+            <a:lvl4pPr marL="1370965" indent="0">
               <a:buNone/>
               <a:defRPr sz="1600" b="1"/>
             </a:lvl4pPr>
-            <a:lvl5pPr marL="1828251" indent="0">
+            <a:lvl5pPr marL="1828165" indent="0">
               <a:buNone/>
               <a:defRPr sz="1600" b="1"/>
             </a:lvl5pPr>
-            <a:lvl6pPr marL="2285314" indent="0">
+            <a:lvl6pPr marL="2285365" indent="0">
               <a:buNone/>
               <a:defRPr sz="1600" b="1"/>
             </a:lvl6pPr>
-            <a:lvl7pPr marL="2742377" indent="0">
+            <a:lvl7pPr marL="2742565" indent="0">
               <a:buNone/>
               <a:defRPr sz="1600" b="1"/>
             </a:lvl7pPr>
-            <a:lvl8pPr marL="3199440" indent="0">
+            <a:lvl8pPr marL="3199130" indent="0">
               <a:buNone/>
               <a:defRPr sz="1600" b="1"/>
             </a:lvl8pPr>
-            <a:lvl9pPr marL="3656503" indent="0">
+            <a:lvl9pPr marL="3656330" indent="0">
               <a:buNone/>
               <a:defRPr sz="1600" b="1"/>
             </a:lvl9pPr>
@@ -6085,35 +6167,35 @@
               <a:buNone/>
               <a:defRPr sz="1600"/>
             </a:lvl1pPr>
-            <a:lvl2pPr marL="457063" indent="0">
+            <a:lvl2pPr marL="457200" indent="0">
               <a:buNone/>
               <a:defRPr sz="1600"/>
             </a:lvl2pPr>
-            <a:lvl3pPr marL="914126" indent="0">
+            <a:lvl3pPr marL="914400" indent="0">
               <a:buNone/>
               <a:defRPr sz="1600"/>
             </a:lvl3pPr>
-            <a:lvl4pPr marL="1371189" indent="0">
+            <a:lvl4pPr marL="1370965" indent="0">
               <a:buNone/>
               <a:defRPr sz="1600"/>
             </a:lvl4pPr>
-            <a:lvl5pPr marL="1828251" indent="0">
+            <a:lvl5pPr marL="1828165" indent="0">
               <a:buNone/>
               <a:defRPr sz="1600"/>
             </a:lvl5pPr>
-            <a:lvl6pPr marL="2285314" indent="0">
+            <a:lvl6pPr marL="2285365" indent="0">
               <a:buNone/>
               <a:defRPr sz="1600"/>
             </a:lvl6pPr>
-            <a:lvl7pPr marL="2742377" indent="0">
+            <a:lvl7pPr marL="2742565" indent="0">
               <a:buNone/>
               <a:defRPr sz="1600"/>
             </a:lvl7pPr>
-            <a:lvl8pPr marL="3199440" indent="0">
+            <a:lvl8pPr marL="3199130" indent="0">
               <a:buNone/>
               <a:defRPr sz="1600"/>
             </a:lvl8pPr>
-            <a:lvl9pPr marL="3656503" indent="0">
+            <a:lvl9pPr marL="3656330" indent="0">
               <a:buNone/>
               <a:defRPr sz="1600"/>
             </a:lvl9pPr>
@@ -6152,35 +6234,35 @@
               <a:buNone/>
               <a:defRPr sz="1400"/>
             </a:lvl1pPr>
-            <a:lvl2pPr marL="457063" indent="0">
+            <a:lvl2pPr marL="457200" indent="0">
               <a:buNone/>
               <a:defRPr sz="1200"/>
             </a:lvl2pPr>
-            <a:lvl3pPr marL="914126" indent="0">
+            <a:lvl3pPr marL="914400" indent="0">
               <a:buNone/>
               <a:defRPr sz="1000"/>
             </a:lvl3pPr>
-            <a:lvl4pPr marL="1371189" indent="0">
+            <a:lvl4pPr marL="1370965" indent="0">
               <a:buNone/>
               <a:defRPr sz="900"/>
             </a:lvl4pPr>
-            <a:lvl5pPr marL="1828251" indent="0">
+            <a:lvl5pPr marL="1828165" indent="0">
               <a:buNone/>
               <a:defRPr sz="900"/>
             </a:lvl5pPr>
-            <a:lvl6pPr marL="2285314" indent="0">
+            <a:lvl6pPr marL="2285365" indent="0">
               <a:buNone/>
               <a:defRPr sz="900"/>
             </a:lvl6pPr>
-            <a:lvl7pPr marL="2742377" indent="0">
+            <a:lvl7pPr marL="2742565" indent="0">
               <a:buNone/>
               <a:defRPr sz="900"/>
             </a:lvl7pPr>
-            <a:lvl8pPr marL="3199440" indent="0">
+            <a:lvl8pPr marL="3199130" indent="0">
               <a:buNone/>
               <a:defRPr sz="900"/>
             </a:lvl8pPr>
-            <a:lvl9pPr marL="3656503" indent="0">
+            <a:lvl9pPr marL="3656330" indent="0">
               <a:buNone/>
               <a:defRPr sz="900"/>
             </a:lvl9pPr>
@@ -6217,7 +6299,7 @@
           <a:lstStyle>
             <a:lvl1pPr marL="0" indent="0">
               <a:buNone/>
-              <a:defRPr sz="2399" b="0">
+              <a:defRPr sz="2400" b="0">
                 <a:solidFill>
                   <a:schemeClr val="bg2">
                     <a:lumMod val="40000"/>
@@ -6226,35 +6308,35 @@
                 </a:solidFill>
               </a:defRPr>
             </a:lvl1pPr>
-            <a:lvl2pPr marL="457063" indent="0">
-              <a:buNone/>
-              <a:defRPr sz="1999" b="1"/>
+            <a:lvl2pPr marL="457200" indent="0">
+              <a:buNone/>
+              <a:defRPr sz="2000" b="1"/>
             </a:lvl2pPr>
-            <a:lvl3pPr marL="914126" indent="0">
-              <a:buNone/>
-              <a:defRPr sz="1799" b="1"/>
+            <a:lvl3pPr marL="914400" indent="0">
+              <a:buNone/>
+              <a:defRPr sz="1800" b="1"/>
             </a:lvl3pPr>
-            <a:lvl4pPr marL="1371189" indent="0">
+            <a:lvl4pPr marL="1370965" indent="0">
               <a:buNone/>
               <a:defRPr sz="1600" b="1"/>
             </a:lvl4pPr>
-            <a:lvl5pPr marL="1828251" indent="0">
+            <a:lvl5pPr marL="1828165" indent="0">
               <a:buNone/>
               <a:defRPr sz="1600" b="1"/>
             </a:lvl5pPr>
-            <a:lvl6pPr marL="2285314" indent="0">
+            <a:lvl6pPr marL="2285365" indent="0">
               <a:buNone/>
               <a:defRPr sz="1600" b="1"/>
             </a:lvl6pPr>
-            <a:lvl7pPr marL="2742377" indent="0">
+            <a:lvl7pPr marL="2742565" indent="0">
               <a:buNone/>
               <a:defRPr sz="1600" b="1"/>
             </a:lvl7pPr>
-            <a:lvl8pPr marL="3199440" indent="0">
+            <a:lvl8pPr marL="3199130" indent="0">
               <a:buNone/>
               <a:defRPr sz="1600" b="1"/>
             </a:lvl8pPr>
-            <a:lvl9pPr marL="3656503" indent="0">
+            <a:lvl9pPr marL="3656330" indent="0">
               <a:buNone/>
               <a:defRPr sz="1600" b="1"/>
             </a:lvl9pPr>
@@ -6305,35 +6387,35 @@
               <a:buNone/>
               <a:defRPr sz="1600"/>
             </a:lvl1pPr>
-            <a:lvl2pPr marL="457063" indent="0">
+            <a:lvl2pPr marL="457200" indent="0">
               <a:buNone/>
               <a:defRPr sz="1600"/>
             </a:lvl2pPr>
-            <a:lvl3pPr marL="914126" indent="0">
+            <a:lvl3pPr marL="914400" indent="0">
               <a:buNone/>
               <a:defRPr sz="1600"/>
             </a:lvl3pPr>
-            <a:lvl4pPr marL="1371189" indent="0">
+            <a:lvl4pPr marL="1370965" indent="0">
               <a:buNone/>
               <a:defRPr sz="1600"/>
             </a:lvl4pPr>
-            <a:lvl5pPr marL="1828251" indent="0">
+            <a:lvl5pPr marL="1828165" indent="0">
               <a:buNone/>
               <a:defRPr sz="1600"/>
             </a:lvl5pPr>
-            <a:lvl6pPr marL="2285314" indent="0">
+            <a:lvl6pPr marL="2285365" indent="0">
               <a:buNone/>
               <a:defRPr sz="1600"/>
             </a:lvl6pPr>
-            <a:lvl7pPr marL="2742377" indent="0">
+            <a:lvl7pPr marL="2742565" indent="0">
               <a:buNone/>
               <a:defRPr sz="1600"/>
             </a:lvl7pPr>
-            <a:lvl8pPr marL="3199440" indent="0">
+            <a:lvl8pPr marL="3199130" indent="0">
               <a:buNone/>
               <a:defRPr sz="1600"/>
             </a:lvl8pPr>
-            <a:lvl9pPr marL="3656503" indent="0">
+            <a:lvl9pPr marL="3656330" indent="0">
               <a:buNone/>
               <a:defRPr sz="1600"/>
             </a:lvl9pPr>
@@ -6372,35 +6454,35 @@
               <a:buNone/>
               <a:defRPr sz="1400"/>
             </a:lvl1pPr>
-            <a:lvl2pPr marL="457063" indent="0">
+            <a:lvl2pPr marL="457200" indent="0">
               <a:buNone/>
               <a:defRPr sz="1200"/>
             </a:lvl2pPr>
-            <a:lvl3pPr marL="914126" indent="0">
+            <a:lvl3pPr marL="914400" indent="0">
               <a:buNone/>
               <a:defRPr sz="1000"/>
             </a:lvl3pPr>
-            <a:lvl4pPr marL="1371189" indent="0">
+            <a:lvl4pPr marL="1370965" indent="0">
               <a:buNone/>
               <a:defRPr sz="900"/>
             </a:lvl4pPr>
-            <a:lvl5pPr marL="1828251" indent="0">
+            <a:lvl5pPr marL="1828165" indent="0">
               <a:buNone/>
               <a:defRPr sz="900"/>
             </a:lvl5pPr>
-            <a:lvl6pPr marL="2285314" indent="0">
+            <a:lvl6pPr marL="2285365" indent="0">
               <a:buNone/>
               <a:defRPr sz="900"/>
             </a:lvl6pPr>
-            <a:lvl7pPr marL="2742377" indent="0">
+            <a:lvl7pPr marL="2742565" indent="0">
               <a:buNone/>
               <a:defRPr sz="900"/>
             </a:lvl7pPr>
-            <a:lvl8pPr marL="3199440" indent="0">
+            <a:lvl8pPr marL="3199130" indent="0">
               <a:buNone/>
               <a:defRPr sz="900"/>
             </a:lvl8pPr>
-            <a:lvl9pPr marL="3656503" indent="0">
+            <a:lvl9pPr marL="3656330" indent="0">
               <a:buNone/>
               <a:defRPr sz="900"/>
             </a:lvl9pPr>
@@ -6437,7 +6519,7 @@
           <a:lstStyle>
             <a:lvl1pPr marL="0" indent="0">
               <a:buNone/>
-              <a:defRPr sz="2399" b="0">
+              <a:defRPr sz="2400" b="0">
                 <a:solidFill>
                   <a:schemeClr val="bg2">
                     <a:lumMod val="40000"/>
@@ -6446,35 +6528,35 @@
                 </a:solidFill>
               </a:defRPr>
             </a:lvl1pPr>
-            <a:lvl2pPr marL="457063" indent="0">
-              <a:buNone/>
-              <a:defRPr sz="1999" b="1"/>
+            <a:lvl2pPr marL="457200" indent="0">
+              <a:buNone/>
+              <a:defRPr sz="2000" b="1"/>
             </a:lvl2pPr>
-            <a:lvl3pPr marL="914126" indent="0">
-              <a:buNone/>
-              <a:defRPr sz="1799" b="1"/>
+            <a:lvl3pPr marL="914400" indent="0">
+              <a:buNone/>
+              <a:defRPr sz="1800" b="1"/>
             </a:lvl3pPr>
-            <a:lvl4pPr marL="1371189" indent="0">
+            <a:lvl4pPr marL="1370965" indent="0">
               <a:buNone/>
               <a:defRPr sz="1600" b="1"/>
             </a:lvl4pPr>
-            <a:lvl5pPr marL="1828251" indent="0">
+            <a:lvl5pPr marL="1828165" indent="0">
               <a:buNone/>
               <a:defRPr sz="1600" b="1"/>
             </a:lvl5pPr>
-            <a:lvl6pPr marL="2285314" indent="0">
+            <a:lvl6pPr marL="2285365" indent="0">
               <a:buNone/>
               <a:defRPr sz="1600" b="1"/>
             </a:lvl6pPr>
-            <a:lvl7pPr marL="2742377" indent="0">
+            <a:lvl7pPr marL="2742565" indent="0">
               <a:buNone/>
               <a:defRPr sz="1600" b="1"/>
             </a:lvl7pPr>
-            <a:lvl8pPr marL="3199440" indent="0">
+            <a:lvl8pPr marL="3199130" indent="0">
               <a:buNone/>
               <a:defRPr sz="1600" b="1"/>
             </a:lvl8pPr>
-            <a:lvl9pPr marL="3656503" indent="0">
+            <a:lvl9pPr marL="3656330" indent="0">
               <a:buNone/>
               <a:defRPr sz="1600" b="1"/>
             </a:lvl9pPr>
@@ -6525,35 +6607,35 @@
               <a:buNone/>
               <a:defRPr sz="1600"/>
             </a:lvl1pPr>
-            <a:lvl2pPr marL="457063" indent="0">
+            <a:lvl2pPr marL="457200" indent="0">
               <a:buNone/>
               <a:defRPr sz="1600"/>
             </a:lvl2pPr>
-            <a:lvl3pPr marL="914126" indent="0">
+            <a:lvl3pPr marL="914400" indent="0">
               <a:buNone/>
               <a:defRPr sz="1600"/>
             </a:lvl3pPr>
-            <a:lvl4pPr marL="1371189" indent="0">
+            <a:lvl4pPr marL="1370965" indent="0">
               <a:buNone/>
               <a:defRPr sz="1600"/>
             </a:lvl4pPr>
-            <a:lvl5pPr marL="1828251" indent="0">
+            <a:lvl5pPr marL="1828165" indent="0">
               <a:buNone/>
               <a:defRPr sz="1600"/>
             </a:lvl5pPr>
-            <a:lvl6pPr marL="2285314" indent="0">
+            <a:lvl6pPr marL="2285365" indent="0">
               <a:buNone/>
               <a:defRPr sz="1600"/>
             </a:lvl6pPr>
-            <a:lvl7pPr marL="2742377" indent="0">
+            <a:lvl7pPr marL="2742565" indent="0">
               <a:buNone/>
               <a:defRPr sz="1600"/>
             </a:lvl7pPr>
-            <a:lvl8pPr marL="3199440" indent="0">
+            <a:lvl8pPr marL="3199130" indent="0">
               <a:buNone/>
               <a:defRPr sz="1600"/>
             </a:lvl8pPr>
-            <a:lvl9pPr marL="3656503" indent="0">
+            <a:lvl9pPr marL="3656330" indent="0">
               <a:buNone/>
               <a:defRPr sz="1600"/>
             </a:lvl9pPr>
@@ -6592,35 +6674,35 @@
               <a:buNone/>
               <a:defRPr sz="1400"/>
             </a:lvl1pPr>
-            <a:lvl2pPr marL="457063" indent="0">
+            <a:lvl2pPr marL="457200" indent="0">
               <a:buNone/>
               <a:defRPr sz="1200"/>
             </a:lvl2pPr>
-            <a:lvl3pPr marL="914126" indent="0">
+            <a:lvl3pPr marL="914400" indent="0">
               <a:buNone/>
               <a:defRPr sz="1000"/>
             </a:lvl3pPr>
-            <a:lvl4pPr marL="1371189" indent="0">
+            <a:lvl4pPr marL="1370965" indent="0">
               <a:buNone/>
               <a:defRPr sz="900"/>
             </a:lvl4pPr>
-            <a:lvl5pPr marL="1828251" indent="0">
+            <a:lvl5pPr marL="1828165" indent="0">
               <a:buNone/>
               <a:defRPr sz="900"/>
             </a:lvl5pPr>
-            <a:lvl6pPr marL="2285314" indent="0">
+            <a:lvl6pPr marL="2285365" indent="0">
               <a:buNone/>
               <a:defRPr sz="900"/>
             </a:lvl6pPr>
-            <a:lvl7pPr marL="2742377" indent="0">
+            <a:lvl7pPr marL="2742565" indent="0">
               <a:buNone/>
               <a:defRPr sz="900"/>
             </a:lvl7pPr>
-            <a:lvl8pPr marL="3199440" indent="0">
+            <a:lvl8pPr marL="3199130" indent="0">
               <a:buNone/>
               <a:defRPr sz="900"/>
             </a:lvl8pPr>
-            <a:lvl9pPr marL="3656503" indent="0">
+            <a:lvl9pPr marL="3656330" indent="0">
               <a:buNone/>
               <a:defRPr sz="900"/>
             </a:lvl9pPr>
@@ -6729,7 +6811,8 @@
           <a:p>
             <a:fld id="{881DC1F7-A9E9-4D8B-8C97-C74523B2CF2A}" type="datetimeFigureOut">
               <a:rPr lang="en-US" smtClean="0"/>
-              <a:t>3/26/2022</a:t>
+              <a:pPr/>
+              <a:t>3/27/2022</a:t>
             </a:fld>
             <a:endParaRPr lang="en-US"/>
           </a:p>
@@ -6771,6 +6854,7 @@
           <a:p>
             <a:fld id="{299542E4-2CCF-42F6-9D92-ED568035133D}" type="slidenum">
               <a:rPr lang="en-IN" smtClean="0"/>
+              <a:pPr/>
               <a:t>‹#›</a:t>
             </a:fld>
             <a:endParaRPr lang="en-IN"/>
@@ -6778,15 +6862,22 @@
         </p:txBody>
       </p:sp>
     </p:spTree>
-    <p:extLst>
-      <p:ext uri="{BB962C8B-B14F-4D97-AF65-F5344CB8AC3E}">
-        <p14:creationId xmlns:p14="http://schemas.microsoft.com/office/powerpoint/2010/main" val="4037166338"/>
-      </p:ext>
-    </p:extLst>
   </p:cSld>
   <p:clrMapOvr>
     <a:masterClrMapping/>
   </p:clrMapOvr>
+  <mc:AlternateContent xmlns:mc="http://schemas.openxmlformats.org/markup-compatibility/2006">
+    <mc:Choice xmlns:p14="http://schemas.microsoft.com/office/powerpoint/2010/main" xmlns="" Requires="p14">
+      <p:transition spd="med" p14:dur="700">
+        <p:fade/>
+      </p:transition>
+    </mc:Choice>
+    <mc:Fallback>
+      <p:transition spd="med">
+        <p:fade/>
+      </p:transition>
+    </mc:Fallback>
+  </mc:AlternateContent>
 </p:sldLayout>
 </file>
 
@@ -6899,7 +6990,8 @@
           <a:p>
             <a:fld id="{881DC1F7-A9E9-4D8B-8C97-C74523B2CF2A}" type="datetimeFigureOut">
               <a:rPr lang="en-US" smtClean="0"/>
-              <a:t>3/26/2022</a:t>
+              <a:pPr/>
+              <a:t>3/27/2022</a:t>
             </a:fld>
             <a:endParaRPr lang="en-US"/>
           </a:p>
@@ -6941,6 +7033,7 @@
           <a:p>
             <a:fld id="{299542E4-2CCF-42F6-9D92-ED568035133D}" type="slidenum">
               <a:rPr lang="en-US" smtClean="0"/>
+              <a:pPr/>
               <a:t>‹#›</a:t>
             </a:fld>
             <a:endParaRPr lang="en-US"/>
@@ -6948,22 +7041,17 @@
         </p:txBody>
       </p:sp>
     </p:spTree>
-    <p:extLst>
-      <p:ext uri="{BB962C8B-B14F-4D97-AF65-F5344CB8AC3E}">
-        <p14:creationId xmlns:p14="http://schemas.microsoft.com/office/powerpoint/2010/main" val="1361858585"/>
-      </p:ext>
-    </p:extLst>
   </p:cSld>
   <p:clrMapOvr>
     <a:masterClrMapping/>
   </p:clrMapOvr>
-  <mc:AlternateContent xmlns:mc="http://schemas.openxmlformats.org/markup-compatibility/2006" xmlns:p14="http://schemas.microsoft.com/office/powerpoint/2010/main">
-    <mc:Choice Requires="p14">
+  <mc:AlternateContent xmlns:mc="http://schemas.openxmlformats.org/markup-compatibility/2006">
+    <mc:Choice xmlns:p14="http://schemas.microsoft.com/office/powerpoint/2010/main" xmlns="" Requires="p14">
       <p:transition spd="med" p14:dur="700">
         <p:fade/>
       </p:transition>
     </mc:Choice>
-    <mc:Fallback xmlns="">
+    <mc:Fallback>
       <p:transition spd="med">
         <p:fade/>
       </p:transition>
@@ -7091,7 +7179,8 @@
           <a:p>
             <a:fld id="{881DC1F7-A9E9-4D8B-8C97-C74523B2CF2A}" type="datetimeFigureOut">
               <a:rPr lang="en-US" smtClean="0"/>
-              <a:t>3/26/2022</a:t>
+              <a:pPr/>
+              <a:t>3/27/2022</a:t>
             </a:fld>
             <a:endParaRPr lang="en-US"/>
           </a:p>
@@ -7133,6 +7222,7 @@
           <a:p>
             <a:fld id="{299542E4-2CCF-42F6-9D92-ED568035133D}" type="slidenum">
               <a:rPr lang="en-US" smtClean="0"/>
+              <a:pPr/>
               <a:t>‹#›</a:t>
             </a:fld>
             <a:endParaRPr lang="en-US"/>
@@ -7140,22 +7230,17 @@
         </p:txBody>
       </p:sp>
     </p:spTree>
-    <p:extLst>
-      <p:ext uri="{BB962C8B-B14F-4D97-AF65-F5344CB8AC3E}">
-        <p14:creationId xmlns:p14="http://schemas.microsoft.com/office/powerpoint/2010/main" val="755157421"/>
-      </p:ext>
-    </p:extLst>
   </p:cSld>
   <p:clrMapOvr>
     <a:masterClrMapping/>
   </p:clrMapOvr>
-  <mc:AlternateContent xmlns:mc="http://schemas.openxmlformats.org/markup-compatibility/2006" xmlns:p14="http://schemas.microsoft.com/office/powerpoint/2010/main">
-    <mc:Choice Requires="p14">
+  <mc:AlternateContent xmlns:mc="http://schemas.openxmlformats.org/markup-compatibility/2006">
+    <mc:Choice xmlns:p14="http://schemas.microsoft.com/office/powerpoint/2010/main" xmlns="" Requires="p14">
       <p:transition spd="med" p14:dur="700">
         <p:fade/>
       </p:transition>
     </mc:Choice>
-    <mc:Fallback xmlns="">
+    <mc:Fallback>
       <p:transition spd="med">
         <p:fade/>
       </p:transition>
@@ -7273,7 +7358,8 @@
           <a:p>
             <a:fld id="{881DC1F7-A9E9-4D8B-8C97-C74523B2CF2A}" type="datetimeFigureOut">
               <a:rPr lang="en-US" smtClean="0"/>
-              <a:t>3/26/2022</a:t>
+              <a:pPr/>
+              <a:t>3/27/2022</a:t>
             </a:fld>
             <a:endParaRPr lang="en-US"/>
           </a:p>
@@ -7315,6 +7401,7 @@
           <a:p>
             <a:fld id="{299542E4-2CCF-42F6-9D92-ED568035133D}" type="slidenum">
               <a:rPr lang="en-US" smtClean="0"/>
+              <a:pPr/>
               <a:t>‹#›</a:t>
             </a:fld>
             <a:endParaRPr lang="en-US"/>
@@ -7322,22 +7409,17 @@
         </p:txBody>
       </p:sp>
     </p:spTree>
-    <p:extLst>
-      <p:ext uri="{BB962C8B-B14F-4D97-AF65-F5344CB8AC3E}">
-        <p14:creationId xmlns:p14="http://schemas.microsoft.com/office/powerpoint/2010/main" val="1162700814"/>
-      </p:ext>
-    </p:extLst>
   </p:cSld>
   <p:clrMapOvr>
     <a:masterClrMapping/>
   </p:clrMapOvr>
-  <mc:AlternateContent xmlns:mc="http://schemas.openxmlformats.org/markup-compatibility/2006" xmlns:p14="http://schemas.microsoft.com/office/powerpoint/2010/main">
-    <mc:Choice Requires="p14">
+  <mc:AlternateContent xmlns:mc="http://schemas.openxmlformats.org/markup-compatibility/2006">
+    <mc:Choice xmlns:p14="http://schemas.microsoft.com/office/powerpoint/2010/main" xmlns="" Requires="p14">
       <p:transition spd="med" p14:dur="700">
         <p:fade/>
       </p:transition>
     </mc:Choice>
-    <mc:Fallback xmlns="">
+    <mc:Fallback>
       <p:transition spd="med">
         <p:fade/>
       </p:transition>
@@ -7383,7 +7465,7 @@
           <a:bodyPr anchor="b"/>
           <a:lstStyle>
             <a:lvl1pPr algn="l">
-              <a:defRPr sz="3999" b="0" cap="none"/>
+              <a:defRPr sz="4000" b="0" cap="none"/>
             </a:lvl1pPr>
           </a:lstStyle>
           <a:p>
@@ -7416,7 +7498,7 @@
           <a:lstStyle>
             <a:lvl1pPr marL="0" indent="0" algn="l">
               <a:buNone/>
-              <a:defRPr sz="1999" cap="all">
+              <a:defRPr sz="2000" cap="all">
                 <a:solidFill>
                   <a:schemeClr val="bg2">
                     <a:lumMod val="40000"/>
@@ -7425,9 +7507,9 @@
                 </a:solidFill>
               </a:defRPr>
             </a:lvl1pPr>
-            <a:lvl2pPr marL="457063" indent="0">
-              <a:buNone/>
-              <a:defRPr sz="1799">
+            <a:lvl2pPr marL="457200" indent="0">
+              <a:buNone/>
+              <a:defRPr sz="1800">
                 <a:solidFill>
                   <a:schemeClr val="tx1">
                     <a:tint val="75000"/>
@@ -7435,7 +7517,7 @@
                 </a:solidFill>
               </a:defRPr>
             </a:lvl2pPr>
-            <a:lvl3pPr marL="914126" indent="0">
+            <a:lvl3pPr marL="914400" indent="0">
               <a:buNone/>
               <a:defRPr sz="1600">
                 <a:solidFill>
@@ -7445,7 +7527,7 @@
                 </a:solidFill>
               </a:defRPr>
             </a:lvl3pPr>
-            <a:lvl4pPr marL="1371189" indent="0">
+            <a:lvl4pPr marL="1370965" indent="0">
               <a:buNone/>
               <a:defRPr sz="1400">
                 <a:solidFill>
@@ -7455,7 +7537,7 @@
                 </a:solidFill>
               </a:defRPr>
             </a:lvl4pPr>
-            <a:lvl5pPr marL="1828251" indent="0">
+            <a:lvl5pPr marL="1828165" indent="0">
               <a:buNone/>
               <a:defRPr sz="1400">
                 <a:solidFill>
@@ -7465,7 +7547,7 @@
                 </a:solidFill>
               </a:defRPr>
             </a:lvl5pPr>
-            <a:lvl6pPr marL="2285314" indent="0">
+            <a:lvl6pPr marL="2285365" indent="0">
               <a:buNone/>
               <a:defRPr sz="1400">
                 <a:solidFill>
@@ -7475,7 +7557,7 @@
                 </a:solidFill>
               </a:defRPr>
             </a:lvl6pPr>
-            <a:lvl7pPr marL="2742377" indent="0">
+            <a:lvl7pPr marL="2742565" indent="0">
               <a:buNone/>
               <a:defRPr sz="1400">
                 <a:solidFill>
@@ -7485,7 +7567,7 @@
                 </a:solidFill>
               </a:defRPr>
             </a:lvl7pPr>
-            <a:lvl8pPr marL="3199440" indent="0">
+            <a:lvl8pPr marL="3199130" indent="0">
               <a:buNone/>
               <a:defRPr sz="1400">
                 <a:solidFill>
@@ -7495,7 +7577,7 @@
                 </a:solidFill>
               </a:defRPr>
             </a:lvl8pPr>
-            <a:lvl9pPr marL="3656503" indent="0">
+            <a:lvl9pPr marL="3656330" indent="0">
               <a:buNone/>
               <a:defRPr sz="1400">
                 <a:solidFill>
@@ -7532,7 +7614,8 @@
           <a:p>
             <a:fld id="{881DC1F7-A9E9-4D8B-8C97-C74523B2CF2A}" type="datetimeFigureOut">
               <a:rPr lang="en-US" smtClean="0"/>
-              <a:t>3/26/2022</a:t>
+              <a:pPr/>
+              <a:t>3/27/2022</a:t>
             </a:fld>
             <a:endParaRPr lang="en-US"/>
           </a:p>
@@ -7574,6 +7657,7 @@
           <a:p>
             <a:fld id="{299542E4-2CCF-42F6-9D92-ED568035133D}" type="slidenum">
               <a:rPr lang="en-US" smtClean="0"/>
+              <a:pPr/>
               <a:t>‹#›</a:t>
             </a:fld>
             <a:endParaRPr lang="en-US"/>
@@ -7581,22 +7665,17 @@
         </p:txBody>
       </p:sp>
     </p:spTree>
-    <p:extLst>
-      <p:ext uri="{BB962C8B-B14F-4D97-AF65-F5344CB8AC3E}">
-        <p14:creationId xmlns:p14="http://schemas.microsoft.com/office/powerpoint/2010/main" val="2756613044"/>
-      </p:ext>
-    </p:extLst>
   </p:cSld>
   <p:clrMapOvr>
     <a:masterClrMapping/>
   </p:clrMapOvr>
-  <mc:AlternateContent xmlns:mc="http://schemas.openxmlformats.org/markup-compatibility/2006" xmlns:p14="http://schemas.microsoft.com/office/powerpoint/2010/main">
-    <mc:Choice Requires="p14">
+  <mc:AlternateContent xmlns:mc="http://schemas.openxmlformats.org/markup-compatibility/2006">
+    <mc:Choice xmlns:p14="http://schemas.microsoft.com/office/powerpoint/2010/main" xmlns="" Requires="p14">
       <p:transition spd="med" p14:dur="700">
         <p:fade/>
       </p:transition>
     </mc:Choice>
-    <mc:Fallback xmlns="">
+    <mc:Fallback>
       <p:transition spd="med">
         <p:fade/>
       </p:transition>
@@ -7667,7 +7746,7 @@
           </a:bodyPr>
           <a:lstStyle>
             <a:lvl1pPr>
-              <a:defRPr sz="1799"/>
+              <a:defRPr sz="1800"/>
             </a:lvl1pPr>
             <a:lvl2pPr>
               <a:defRPr sz="1600"/>
@@ -7754,7 +7833,7 @@
           </a:bodyPr>
           <a:lstStyle>
             <a:lvl1pPr>
-              <a:defRPr sz="1799"/>
+              <a:defRPr sz="1800"/>
             </a:lvl1pPr>
             <a:lvl2pPr>
               <a:defRPr sz="1600"/>
@@ -7836,7 +7915,8 @@
           <a:p>
             <a:fld id="{881DC1F7-A9E9-4D8B-8C97-C74523B2CF2A}" type="datetimeFigureOut">
               <a:rPr lang="en-US" smtClean="0"/>
-              <a:t>3/26/2022</a:t>
+              <a:pPr/>
+              <a:t>3/27/2022</a:t>
             </a:fld>
             <a:endParaRPr lang="en-US"/>
           </a:p>
@@ -7878,6 +7958,7 @@
           <a:p>
             <a:fld id="{299542E4-2CCF-42F6-9D92-ED568035133D}" type="slidenum">
               <a:rPr lang="en-US" smtClean="0"/>
+              <a:pPr/>
               <a:t>‹#›</a:t>
             </a:fld>
             <a:endParaRPr lang="en-US"/>
@@ -7885,22 +7966,17 @@
         </p:txBody>
       </p:sp>
     </p:spTree>
-    <p:extLst>
-      <p:ext uri="{BB962C8B-B14F-4D97-AF65-F5344CB8AC3E}">
-        <p14:creationId xmlns:p14="http://schemas.microsoft.com/office/powerpoint/2010/main" val="1518517996"/>
-      </p:ext>
-    </p:extLst>
   </p:cSld>
   <p:clrMapOvr>
     <a:masterClrMapping/>
   </p:clrMapOvr>
-  <mc:AlternateContent xmlns:mc="http://schemas.openxmlformats.org/markup-compatibility/2006" xmlns:p14="http://schemas.microsoft.com/office/powerpoint/2010/main">
-    <mc:Choice Requires="p14">
+  <mc:AlternateContent xmlns:mc="http://schemas.openxmlformats.org/markup-compatibility/2006">
+    <mc:Choice xmlns:p14="http://schemas.microsoft.com/office/powerpoint/2010/main" xmlns="" Requires="p14">
       <p:transition spd="med" p14:dur="700">
         <p:fade/>
       </p:transition>
     </mc:Choice>
-    <mc:Fallback xmlns="">
+    <mc:Fallback>
       <p:transition spd="med">
         <p:fade/>
       </p:transition>
@@ -7976,7 +8052,7 @@
           <a:lstStyle>
             <a:lvl1pPr marL="0" indent="0">
               <a:buNone/>
-              <a:defRPr sz="2399" b="0">
+              <a:defRPr sz="2400" b="0">
                 <a:solidFill>
                   <a:schemeClr val="bg2">
                     <a:lumMod val="40000"/>
@@ -7985,35 +8061,35 @@
                 </a:solidFill>
               </a:defRPr>
             </a:lvl1pPr>
-            <a:lvl2pPr marL="457063" indent="0">
-              <a:buNone/>
-              <a:defRPr sz="1999" b="1"/>
+            <a:lvl2pPr marL="457200" indent="0">
+              <a:buNone/>
+              <a:defRPr sz="2000" b="1"/>
             </a:lvl2pPr>
-            <a:lvl3pPr marL="914126" indent="0">
-              <a:buNone/>
-              <a:defRPr sz="1799" b="1"/>
+            <a:lvl3pPr marL="914400" indent="0">
+              <a:buNone/>
+              <a:defRPr sz="1800" b="1"/>
             </a:lvl3pPr>
-            <a:lvl4pPr marL="1371189" indent="0">
+            <a:lvl4pPr marL="1370965" indent="0">
               <a:buNone/>
               <a:defRPr sz="1600" b="1"/>
             </a:lvl4pPr>
-            <a:lvl5pPr marL="1828251" indent="0">
+            <a:lvl5pPr marL="1828165" indent="0">
               <a:buNone/>
               <a:defRPr sz="1600" b="1"/>
             </a:lvl5pPr>
-            <a:lvl6pPr marL="2285314" indent="0">
+            <a:lvl6pPr marL="2285365" indent="0">
               <a:buNone/>
               <a:defRPr sz="1600" b="1"/>
             </a:lvl6pPr>
-            <a:lvl7pPr marL="2742377" indent="0">
+            <a:lvl7pPr marL="2742565" indent="0">
               <a:buNone/>
               <a:defRPr sz="1600" b="1"/>
             </a:lvl7pPr>
-            <a:lvl8pPr marL="3199440" indent="0">
+            <a:lvl8pPr marL="3199130" indent="0">
               <a:buNone/>
               <a:defRPr sz="1600" b="1"/>
             </a:lvl8pPr>
-            <a:lvl9pPr marL="3656503" indent="0">
+            <a:lvl9pPr marL="3656330" indent="0">
               <a:buNone/>
               <a:defRPr sz="1600" b="1"/>
             </a:lvl9pPr>
@@ -8049,7 +8125,7 @@
           </a:bodyPr>
           <a:lstStyle>
             <a:lvl1pPr>
-              <a:defRPr sz="1799"/>
+              <a:defRPr sz="1800"/>
             </a:lvl1pPr>
             <a:lvl2pPr>
               <a:defRPr sz="1600"/>
@@ -8137,7 +8213,7 @@
           <a:lstStyle>
             <a:lvl1pPr marL="0" indent="0">
               <a:buNone/>
-              <a:defRPr sz="2399" b="0">
+              <a:defRPr sz="2400" b="0">
                 <a:solidFill>
                   <a:schemeClr val="bg2">
                     <a:lumMod val="40000"/>
@@ -8146,35 +8222,35 @@
                 </a:solidFill>
               </a:defRPr>
             </a:lvl1pPr>
-            <a:lvl2pPr marL="457063" indent="0">
-              <a:buNone/>
-              <a:defRPr sz="1999" b="1"/>
+            <a:lvl2pPr marL="457200" indent="0">
+              <a:buNone/>
+              <a:defRPr sz="2000" b="1"/>
             </a:lvl2pPr>
-            <a:lvl3pPr marL="914126" indent="0">
-              <a:buNone/>
-              <a:defRPr sz="1799" b="1"/>
+            <a:lvl3pPr marL="914400" indent="0">
+              <a:buNone/>
+              <a:defRPr sz="1800" b="1"/>
             </a:lvl3pPr>
-            <a:lvl4pPr marL="1371189" indent="0">
+            <a:lvl4pPr marL="1370965" indent="0">
               <a:buNone/>
               <a:defRPr sz="1600" b="1"/>
             </a:lvl4pPr>
-            <a:lvl5pPr marL="1828251" indent="0">
+            <a:lvl5pPr marL="1828165" indent="0">
               <a:buNone/>
               <a:defRPr sz="1600" b="1"/>
             </a:lvl5pPr>
-            <a:lvl6pPr marL="2285314" indent="0">
+            <a:lvl6pPr marL="2285365" indent="0">
               <a:buNone/>
               <a:defRPr sz="1600" b="1"/>
             </a:lvl6pPr>
-            <a:lvl7pPr marL="2742377" indent="0">
+            <a:lvl7pPr marL="2742565" indent="0">
               <a:buNone/>
               <a:defRPr sz="1600" b="1"/>
             </a:lvl7pPr>
-            <a:lvl8pPr marL="3199440" indent="0">
+            <a:lvl8pPr marL="3199130" indent="0">
               <a:buNone/>
               <a:defRPr sz="1600" b="1"/>
             </a:lvl8pPr>
-            <a:lvl9pPr marL="3656503" indent="0">
+            <a:lvl9pPr marL="3656330" indent="0">
               <a:buNone/>
               <a:defRPr sz="1600" b="1"/>
             </a:lvl9pPr>
@@ -8210,7 +8286,7 @@
           </a:bodyPr>
           <a:lstStyle>
             <a:lvl1pPr>
-              <a:defRPr sz="1799"/>
+              <a:defRPr sz="1800"/>
             </a:lvl1pPr>
             <a:lvl2pPr>
               <a:defRPr sz="1600"/>
@@ -8292,7 +8368,8 @@
           <a:p>
             <a:fld id="{881DC1F7-A9E9-4D8B-8C97-C74523B2CF2A}" type="datetimeFigureOut">
               <a:rPr lang="en-US" smtClean="0"/>
-              <a:t>3/26/2022</a:t>
+              <a:pPr/>
+              <a:t>3/27/2022</a:t>
             </a:fld>
             <a:endParaRPr lang="en-US"/>
           </a:p>
@@ -8334,6 +8411,7 @@
           <a:p>
             <a:fld id="{299542E4-2CCF-42F6-9D92-ED568035133D}" type="slidenum">
               <a:rPr lang="en-US" smtClean="0"/>
+              <a:pPr/>
               <a:t>‹#›</a:t>
             </a:fld>
             <a:endParaRPr lang="en-US"/>
@@ -8341,22 +8419,17 @@
         </p:txBody>
       </p:sp>
     </p:spTree>
-    <p:extLst>
-      <p:ext uri="{BB962C8B-B14F-4D97-AF65-F5344CB8AC3E}">
-        <p14:creationId xmlns:p14="http://schemas.microsoft.com/office/powerpoint/2010/main" val="3343067341"/>
-      </p:ext>
-    </p:extLst>
   </p:cSld>
   <p:clrMapOvr>
     <a:masterClrMapping/>
   </p:clrMapOvr>
-  <mc:AlternateContent xmlns:mc="http://schemas.openxmlformats.org/markup-compatibility/2006" xmlns:p14="http://schemas.microsoft.com/office/powerpoint/2010/main">
-    <mc:Choice Requires="p14">
+  <mc:AlternateContent xmlns:mc="http://schemas.openxmlformats.org/markup-compatibility/2006">
+    <mc:Choice xmlns:p14="http://schemas.microsoft.com/office/powerpoint/2010/main" xmlns="" Requires="p14">
       <p:transition spd="med" p14:dur="700">
         <p:fade/>
       </p:transition>
     </mc:Choice>
-    <mc:Fallback xmlns="">
+    <mc:Fallback>
       <p:transition spd="med">
         <p:fade/>
       </p:transition>
@@ -8422,7 +8495,8 @@
           <a:p>
             <a:fld id="{881DC1F7-A9E9-4D8B-8C97-C74523B2CF2A}" type="datetimeFigureOut">
               <a:rPr lang="en-US" smtClean="0"/>
-              <a:t>3/26/2022</a:t>
+              <a:pPr/>
+              <a:t>3/27/2022</a:t>
             </a:fld>
             <a:endParaRPr lang="en-US"/>
           </a:p>
@@ -8464,6 +8538,7 @@
           <a:p>
             <a:fld id="{299542E4-2CCF-42F6-9D92-ED568035133D}" type="slidenum">
               <a:rPr lang="en-US" smtClean="0"/>
+              <a:pPr/>
               <a:t>‹#›</a:t>
             </a:fld>
             <a:endParaRPr lang="en-US"/>
@@ -8471,22 +8546,17 @@
         </p:txBody>
       </p:sp>
     </p:spTree>
-    <p:extLst>
-      <p:ext uri="{BB962C8B-B14F-4D97-AF65-F5344CB8AC3E}">
-        <p14:creationId xmlns:p14="http://schemas.microsoft.com/office/powerpoint/2010/main" val="3913489736"/>
-      </p:ext>
-    </p:extLst>
   </p:cSld>
   <p:clrMapOvr>
     <a:masterClrMapping/>
   </p:clrMapOvr>
-  <mc:AlternateContent xmlns:mc="http://schemas.openxmlformats.org/markup-compatibility/2006" xmlns:p14="http://schemas.microsoft.com/office/powerpoint/2010/main">
-    <mc:Choice Requires="p14">
+  <mc:AlternateContent xmlns:mc="http://schemas.openxmlformats.org/markup-compatibility/2006">
+    <mc:Choice xmlns:p14="http://schemas.microsoft.com/office/powerpoint/2010/main" xmlns="" Requires="p14">
       <p:transition spd="med" p14:dur="700">
         <p:fade/>
       </p:transition>
     </mc:Choice>
-    <mc:Fallback xmlns="">
+    <mc:Fallback>
       <p:transition spd="med">
         <p:fade/>
       </p:transition>
@@ -8529,7 +8599,8 @@
           <a:p>
             <a:fld id="{881DC1F7-A9E9-4D8B-8C97-C74523B2CF2A}" type="datetimeFigureOut">
               <a:rPr lang="en-US" smtClean="0"/>
-              <a:t>3/26/2022</a:t>
+              <a:pPr/>
+              <a:t>3/27/2022</a:t>
             </a:fld>
             <a:endParaRPr lang="en-US"/>
           </a:p>
@@ -8571,6 +8642,7 @@
           <a:p>
             <a:fld id="{299542E4-2CCF-42F6-9D92-ED568035133D}" type="slidenum">
               <a:rPr lang="en-US" smtClean="0"/>
+              <a:pPr/>
               <a:t>‹#›</a:t>
             </a:fld>
             <a:endParaRPr lang="en-US"/>
@@ -8578,22 +8650,17 @@
         </p:txBody>
       </p:sp>
     </p:spTree>
-    <p:extLst>
-      <p:ext uri="{BB962C8B-B14F-4D97-AF65-F5344CB8AC3E}">
-        <p14:creationId xmlns:p14="http://schemas.microsoft.com/office/powerpoint/2010/main" val="2275778152"/>
-      </p:ext>
-    </p:extLst>
   </p:cSld>
   <p:clrMapOvr>
     <a:masterClrMapping/>
   </p:clrMapOvr>
-  <mc:AlternateContent xmlns:mc="http://schemas.openxmlformats.org/markup-compatibility/2006" xmlns:p14="http://schemas.microsoft.com/office/powerpoint/2010/main">
-    <mc:Choice Requires="p14">
+  <mc:AlternateContent xmlns:mc="http://schemas.openxmlformats.org/markup-compatibility/2006">
+    <mc:Choice xmlns:p14="http://schemas.microsoft.com/office/powerpoint/2010/main" xmlns="" Requires="p14">
       <p:transition spd="med" p14:dur="700">
         <p:fade/>
       </p:transition>
     </mc:Choice>
-    <mc:Fallback xmlns="">
+    <mc:Fallback>
       <p:transition spd="med">
         <p:fade/>
       </p:transition>
@@ -8639,7 +8706,7 @@
           <a:bodyPr anchor="b"/>
           <a:lstStyle>
             <a:lvl1pPr algn="l">
-              <a:defRPr sz="2399" b="0"/>
+              <a:defRPr sz="2400" b="0"/>
             </a:lvl1pPr>
           </a:lstStyle>
           <a:p>
@@ -8673,10 +8740,10 @@
           </a:bodyPr>
           <a:lstStyle>
             <a:lvl1pPr>
-              <a:defRPr sz="1999"/>
+              <a:defRPr sz="2000"/>
             </a:lvl1pPr>
             <a:lvl2pPr>
-              <a:defRPr sz="1799"/>
+              <a:defRPr sz="1800"/>
             </a:lvl2pPr>
             <a:lvl3pPr>
               <a:defRPr sz="1600"/>
@@ -8761,35 +8828,35 @@
               <a:buNone/>
               <a:defRPr sz="1400"/>
             </a:lvl1pPr>
-            <a:lvl2pPr marL="457063" indent="0">
+            <a:lvl2pPr marL="457200" indent="0">
               <a:buNone/>
               <a:defRPr sz="1200"/>
             </a:lvl2pPr>
-            <a:lvl3pPr marL="914126" indent="0">
+            <a:lvl3pPr marL="914400" indent="0">
               <a:buNone/>
               <a:defRPr sz="1000"/>
             </a:lvl3pPr>
-            <a:lvl4pPr marL="1371189" indent="0">
+            <a:lvl4pPr marL="1370965" indent="0">
               <a:buNone/>
               <a:defRPr sz="900"/>
             </a:lvl4pPr>
-            <a:lvl5pPr marL="1828251" indent="0">
+            <a:lvl5pPr marL="1828165" indent="0">
               <a:buNone/>
               <a:defRPr sz="900"/>
             </a:lvl5pPr>
-            <a:lvl6pPr marL="2285314" indent="0">
+            <a:lvl6pPr marL="2285365" indent="0">
               <a:buNone/>
               <a:defRPr sz="900"/>
             </a:lvl6pPr>
-            <a:lvl7pPr marL="2742377" indent="0">
+            <a:lvl7pPr marL="2742565" indent="0">
               <a:buNone/>
               <a:defRPr sz="900"/>
             </a:lvl7pPr>
-            <a:lvl8pPr marL="3199440" indent="0">
+            <a:lvl8pPr marL="3199130" indent="0">
               <a:buNone/>
               <a:defRPr sz="900"/>
             </a:lvl8pPr>
-            <a:lvl9pPr marL="3656503" indent="0">
+            <a:lvl9pPr marL="3656330" indent="0">
               <a:buNone/>
               <a:defRPr sz="900"/>
             </a:lvl9pPr>
@@ -8820,7 +8887,8 @@
           <a:p>
             <a:fld id="{881DC1F7-A9E9-4D8B-8C97-C74523B2CF2A}" type="datetimeFigureOut">
               <a:rPr lang="en-US" smtClean="0"/>
-              <a:t>3/26/2022</a:t>
+              <a:pPr/>
+              <a:t>3/27/2022</a:t>
             </a:fld>
             <a:endParaRPr lang="en-US"/>
           </a:p>
@@ -8862,6 +8930,7 @@
           <a:p>
             <a:fld id="{299542E4-2CCF-42F6-9D92-ED568035133D}" type="slidenum">
               <a:rPr lang="en-US" smtClean="0"/>
+              <a:pPr/>
               <a:t>‹#›</a:t>
             </a:fld>
             <a:endParaRPr lang="en-US"/>
@@ -8869,22 +8938,17 @@
         </p:txBody>
       </p:sp>
     </p:spTree>
-    <p:extLst>
-      <p:ext uri="{BB962C8B-B14F-4D97-AF65-F5344CB8AC3E}">
-        <p14:creationId xmlns:p14="http://schemas.microsoft.com/office/powerpoint/2010/main" val="3801357044"/>
-      </p:ext>
-    </p:extLst>
   </p:cSld>
   <p:clrMapOvr>
     <a:masterClrMapping/>
   </p:clrMapOvr>
-  <mc:AlternateContent xmlns:mc="http://schemas.openxmlformats.org/markup-compatibility/2006" xmlns:p14="http://schemas.microsoft.com/office/powerpoint/2010/main">
-    <mc:Choice Requires="p14">
+  <mc:AlternateContent xmlns:mc="http://schemas.openxmlformats.org/markup-compatibility/2006">
+    <mc:Choice xmlns:p14="http://schemas.microsoft.com/office/powerpoint/2010/main" xmlns="" Requires="p14">
       <p:transition spd="med" p14:dur="700">
         <p:fade/>
       </p:transition>
     </mc:Choice>
-    <mc:Fallback xmlns="">
+    <mc:Fallback>
       <p:transition spd="med">
         <p:fade/>
       </p:transition>
@@ -8932,7 +8996,7 @@
           </a:bodyPr>
           <a:lstStyle>
             <a:lvl1pPr algn="l">
-              <a:defRPr sz="3599" b="0"/>
+              <a:defRPr sz="3600" b="0"/>
             </a:lvl1pPr>
           </a:lstStyle>
           <a:p>
@@ -8981,35 +9045,35 @@
               <a:buNone/>
               <a:defRPr sz="1600"/>
             </a:lvl1pPr>
-            <a:lvl2pPr marL="457063" indent="0">
+            <a:lvl2pPr marL="457200" indent="0">
               <a:buNone/>
               <a:defRPr sz="1600"/>
             </a:lvl2pPr>
-            <a:lvl3pPr marL="914126" indent="0">
+            <a:lvl3pPr marL="914400" indent="0">
               <a:buNone/>
               <a:defRPr sz="1600"/>
             </a:lvl3pPr>
-            <a:lvl4pPr marL="1371189" indent="0">
+            <a:lvl4pPr marL="1370965" indent="0">
               <a:buNone/>
               <a:defRPr sz="1600"/>
             </a:lvl4pPr>
-            <a:lvl5pPr marL="1828251" indent="0">
+            <a:lvl5pPr marL="1828165" indent="0">
               <a:buNone/>
               <a:defRPr sz="1600"/>
             </a:lvl5pPr>
-            <a:lvl6pPr marL="2285314" indent="0">
+            <a:lvl6pPr marL="2285365" indent="0">
               <a:buNone/>
               <a:defRPr sz="1600"/>
             </a:lvl6pPr>
-            <a:lvl7pPr marL="2742377" indent="0">
+            <a:lvl7pPr marL="2742565" indent="0">
               <a:buNone/>
               <a:defRPr sz="1600"/>
             </a:lvl7pPr>
-            <a:lvl8pPr marL="3199440" indent="0">
+            <a:lvl8pPr marL="3199130" indent="0">
               <a:buNone/>
               <a:defRPr sz="1600"/>
             </a:lvl8pPr>
-            <a:lvl9pPr marL="3656503" indent="0">
+            <a:lvl9pPr marL="3656330" indent="0">
               <a:buNone/>
               <a:defRPr sz="1600"/>
             </a:lvl9pPr>
@@ -9048,35 +9112,35 @@
               <a:buNone/>
               <a:defRPr sz="1400"/>
             </a:lvl1pPr>
-            <a:lvl2pPr marL="457063" indent="0">
+            <a:lvl2pPr marL="457200" indent="0">
               <a:buNone/>
               <a:defRPr sz="1200"/>
             </a:lvl2pPr>
-            <a:lvl3pPr marL="914126" indent="0">
+            <a:lvl3pPr marL="914400" indent="0">
               <a:buNone/>
               <a:defRPr sz="1000"/>
             </a:lvl3pPr>
-            <a:lvl4pPr marL="1371189" indent="0">
+            <a:lvl4pPr marL="1370965" indent="0">
               <a:buNone/>
               <a:defRPr sz="900"/>
             </a:lvl4pPr>
-            <a:lvl5pPr marL="1828251" indent="0">
+            <a:lvl5pPr marL="1828165" indent="0">
               <a:buNone/>
               <a:defRPr sz="900"/>
             </a:lvl5pPr>
-            <a:lvl6pPr marL="2285314" indent="0">
+            <a:lvl6pPr marL="2285365" indent="0">
               <a:buNone/>
               <a:defRPr sz="900"/>
             </a:lvl6pPr>
-            <a:lvl7pPr marL="2742377" indent="0">
+            <a:lvl7pPr marL="2742565" indent="0">
               <a:buNone/>
               <a:defRPr sz="900"/>
             </a:lvl7pPr>
-            <a:lvl8pPr marL="3199440" indent="0">
+            <a:lvl8pPr marL="3199130" indent="0">
               <a:buNone/>
               <a:defRPr sz="900"/>
             </a:lvl8pPr>
-            <a:lvl9pPr marL="3656503" indent="0">
+            <a:lvl9pPr marL="3656330" indent="0">
               <a:buNone/>
               <a:defRPr sz="900"/>
             </a:lvl9pPr>
@@ -9107,7 +9171,8 @@
           <a:p>
             <a:fld id="{881DC1F7-A9E9-4D8B-8C97-C74523B2CF2A}" type="datetimeFigureOut">
               <a:rPr lang="en-US" smtClean="0"/>
-              <a:t>3/26/2022</a:t>
+              <a:pPr/>
+              <a:t>3/27/2022</a:t>
             </a:fld>
             <a:endParaRPr lang="en-US"/>
           </a:p>
@@ -9149,6 +9214,7 @@
           <a:p>
             <a:fld id="{299542E4-2CCF-42F6-9D92-ED568035133D}" type="slidenum">
               <a:rPr lang="en-US" smtClean="0"/>
+              <a:pPr/>
               <a:t>‹#›</a:t>
             </a:fld>
             <a:endParaRPr lang="en-US"/>
@@ -9156,22 +9222,17 @@
         </p:txBody>
       </p:sp>
     </p:spTree>
-    <p:extLst>
-      <p:ext uri="{BB962C8B-B14F-4D97-AF65-F5344CB8AC3E}">
-        <p14:creationId xmlns:p14="http://schemas.microsoft.com/office/powerpoint/2010/main" val="522469208"/>
-      </p:ext>
-    </p:extLst>
   </p:cSld>
   <p:clrMapOvr>
     <a:masterClrMapping/>
   </p:clrMapOvr>
-  <mc:AlternateContent xmlns:mc="http://schemas.openxmlformats.org/markup-compatibility/2006" xmlns:p14="http://schemas.microsoft.com/office/powerpoint/2010/main">
-    <mc:Choice Requires="p14">
+  <mc:AlternateContent xmlns:mc="http://schemas.openxmlformats.org/markup-compatibility/2006">
+    <mc:Choice xmlns:p14="http://schemas.microsoft.com/office/powerpoint/2010/main" xmlns="" Requires="p14">
       <p:transition spd="med" p14:dur="700">
         <p:fade/>
       </p:transition>
     </mc:Choice>
-    <mc:Fallback xmlns="">
+    <mc:Fallback>
       <p:transition spd="med">
         <p:fade/>
       </p:transition>
@@ -9214,12 +9275,14 @@
           <a:blip r:embed="rId19">
             <a:extLst>
               <a:ext uri="{28A0092B-C50C-407E-A947-70E740481C1C}">
-                <a14:useLocalDpi xmlns:a14="http://schemas.microsoft.com/office/drawing/2010/main" val="0"/>
+                <a14:useLocalDpi xmlns:a14="http://schemas.microsoft.com/office/drawing/2010/main" xmlns="" val="0"/>
               </a:ext>
             </a:extLst>
           </a:blip>
           <a:srcRect l="3613"/>
-          <a:stretch/>
+          <a:stretch>
+            <a:fillRect/>
+          </a:stretch>
         </p:blipFill>
         <p:spPr>
           <a:xfrm>
@@ -9243,12 +9306,14 @@
           <a:blip r:embed="rId20">
             <a:extLst>
               <a:ext uri="{28A0092B-C50C-407E-A947-70E740481C1C}">
-                <a14:useLocalDpi xmlns:a14="http://schemas.microsoft.com/office/drawing/2010/main" val="0"/>
+                <a14:useLocalDpi xmlns:a14="http://schemas.microsoft.com/office/drawing/2010/main" xmlns="" val="0"/>
               </a:ext>
             </a:extLst>
           </a:blip>
           <a:srcRect l="35640"/>
-          <a:stretch/>
+          <a:stretch>
+            <a:fillRect/>
+          </a:stretch>
         </p:blipFill>
         <p:spPr>
           <a:xfrm>
@@ -9335,12 +9400,14 @@
           <a:blip r:embed="rId21">
             <a:extLst>
               <a:ext uri="{28A0092B-C50C-407E-A947-70E740481C1C}">
-                <a14:useLocalDpi xmlns:a14="http://schemas.microsoft.com/office/drawing/2010/main" val="0"/>
+                <a14:useLocalDpi xmlns:a14="http://schemas.microsoft.com/office/drawing/2010/main" xmlns="" val="0"/>
               </a:ext>
             </a:extLst>
           </a:blip>
           <a:srcRect t="28813"/>
-          <a:stretch/>
+          <a:stretch>
+            <a:fillRect/>
+          </a:stretch>
         </p:blipFill>
         <p:spPr>
           <a:xfrm>
@@ -9364,12 +9431,14 @@
           <a:blip r:embed="rId22">
             <a:extLst>
               <a:ext uri="{28A0092B-C50C-407E-A947-70E740481C1C}">
-                <a14:useLocalDpi xmlns:a14="http://schemas.microsoft.com/office/drawing/2010/main" val="0"/>
+                <a14:useLocalDpi xmlns:a14="http://schemas.microsoft.com/office/drawing/2010/main" xmlns="" val="0"/>
               </a:ext>
             </a:extLst>
           </a:blip>
           <a:srcRect b="23320"/>
-          <a:stretch/>
+          <a:stretch>
+            <a:fillRect/>
+          </a:stretch>
         </p:blipFill>
         <p:spPr>
           <a:xfrm>
@@ -9548,7 +9617,8 @@
           <a:p>
             <a:fld id="{881DC1F7-A9E9-4D8B-8C97-C74523B2CF2A}" type="datetimeFigureOut">
               <a:rPr lang="en-US" smtClean="0"/>
-              <a:t>3/26/2022</a:t>
+              <a:pPr/>
+              <a:t>3/27/2022</a:t>
             </a:fld>
             <a:endParaRPr lang="en-US"/>
           </a:p>
@@ -9615,7 +9685,7 @@
           <a:bodyPr vert="horz" lIns="91440" tIns="45720" rIns="91440" bIns="45720" rtlCol="0" anchor="b"/>
           <a:lstStyle>
             <a:lvl1pPr algn="ctr">
-              <a:defRPr sz="2799" b="0" i="0">
+              <a:defRPr sz="2800" b="0" i="0">
                 <a:solidFill>
                   <a:schemeClr val="tx1">
                     <a:tint val="75000"/>
@@ -9627,6 +9697,7 @@
           <a:p>
             <a:fld id="{299542E4-2CCF-42F6-9D92-ED568035133D}" type="slidenum">
               <a:rPr lang="en-IN" smtClean="0"/>
+              <a:pPr/>
               <a:t>‹#›</a:t>
             </a:fld>
             <a:endParaRPr lang="en-IN"/>
@@ -9634,39 +9705,34 @@
         </p:txBody>
       </p:sp>
     </p:spTree>
-    <p:extLst>
-      <p:ext uri="{BB962C8B-B14F-4D97-AF65-F5344CB8AC3E}">
-        <p14:creationId xmlns:p14="http://schemas.microsoft.com/office/powerpoint/2010/main" val="3177568489"/>
-      </p:ext>
-    </p:extLst>
   </p:cSld>
   <p:clrMap bg1="dk1" tx1="lt1" bg2="dk2" tx2="lt2" accent1="accent1" accent2="accent2" accent3="accent3" accent4="accent4" accent5="accent5" accent6="accent6" hlink="hlink" folHlink="folHlink"/>
   <p:sldLayoutIdLst>
-    <p:sldLayoutId id="2147483836" r:id="rId1"/>
-    <p:sldLayoutId id="2147483837" r:id="rId2"/>
-    <p:sldLayoutId id="2147483838" r:id="rId3"/>
-    <p:sldLayoutId id="2147483839" r:id="rId4"/>
-    <p:sldLayoutId id="2147483840" r:id="rId5"/>
-    <p:sldLayoutId id="2147483841" r:id="rId6"/>
-    <p:sldLayoutId id="2147483842" r:id="rId7"/>
-    <p:sldLayoutId id="2147483843" r:id="rId8"/>
-    <p:sldLayoutId id="2147483844" r:id="rId9"/>
-    <p:sldLayoutId id="2147483845" r:id="rId10"/>
-    <p:sldLayoutId id="2147483846" r:id="rId11"/>
-    <p:sldLayoutId id="2147483847" r:id="rId12"/>
-    <p:sldLayoutId id="2147483848" r:id="rId13"/>
-    <p:sldLayoutId id="2147483849" r:id="rId14"/>
-    <p:sldLayoutId id="2147483850" r:id="rId15"/>
-    <p:sldLayoutId id="2147483851" r:id="rId16"/>
-    <p:sldLayoutId id="2147483852" r:id="rId17"/>
+    <p:sldLayoutId id="2147483649" r:id="rId1"/>
+    <p:sldLayoutId id="2147483650" r:id="rId2"/>
+    <p:sldLayoutId id="2147483651" r:id="rId3"/>
+    <p:sldLayoutId id="2147483652" r:id="rId4"/>
+    <p:sldLayoutId id="2147483653" r:id="rId5"/>
+    <p:sldLayoutId id="2147483654" r:id="rId6"/>
+    <p:sldLayoutId id="2147483655" r:id="rId7"/>
+    <p:sldLayoutId id="2147483656" r:id="rId8"/>
+    <p:sldLayoutId id="2147483657" r:id="rId9"/>
+    <p:sldLayoutId id="2147483658" r:id="rId10"/>
+    <p:sldLayoutId id="2147483659" r:id="rId11"/>
+    <p:sldLayoutId id="2147483660" r:id="rId12"/>
+    <p:sldLayoutId id="2147483661" r:id="rId13"/>
+    <p:sldLayoutId id="2147483662" r:id="rId14"/>
+    <p:sldLayoutId id="2147483663" r:id="rId15"/>
+    <p:sldLayoutId id="2147483664" r:id="rId16"/>
+    <p:sldLayoutId id="2147483665" r:id="rId17"/>
   </p:sldLayoutIdLst>
-  <mc:AlternateContent xmlns:mc="http://schemas.openxmlformats.org/markup-compatibility/2006" xmlns:p14="http://schemas.microsoft.com/office/powerpoint/2010/main">
-    <mc:Choice Requires="p14">
+  <mc:AlternateContent xmlns:mc="http://schemas.openxmlformats.org/markup-compatibility/2006">
+    <mc:Choice xmlns:p14="http://schemas.microsoft.com/office/powerpoint/2010/main" xmlns="" Requires="p14">
       <p:transition spd="med" p14:dur="700">
         <p:fade/>
       </p:transition>
     </mc:Choice>
-    <mc:Fallback xmlns="">
+    <mc:Fallback>
       <p:transition spd="med">
         <p:fade/>
       </p:transition>
@@ -9674,12 +9740,12 @@
   </mc:AlternateContent>
   <p:txStyles>
     <p:titleStyle>
-      <a:lvl1pPr algn="l" defTabSz="457063" rtl="0" eaLnBrk="1" latinLnBrk="0" hangingPunct="1">
+      <a:lvl1pPr algn="l" defTabSz="457200" rtl="0" eaLnBrk="1" latinLnBrk="0" hangingPunct="1">
         <a:spcBef>
           <a:spcPct val="0"/>
         </a:spcBef>
         <a:buNone/>
-        <a:defRPr sz="4199" b="0" i="0" kern="1200">
+        <a:defRPr sz="4200" b="0" i="0" kern="1200">
           <a:solidFill>
             <a:schemeClr val="tx2"/>
           </a:solidFill>
@@ -9746,7 +9812,7 @@
       </a:lvl9pPr>
     </p:titleStyle>
     <p:bodyStyle>
-      <a:lvl1pPr marL="342797" indent="-342797" algn="l" defTabSz="457063" rtl="0" eaLnBrk="1" latinLnBrk="0" hangingPunct="1">
+      <a:lvl1pPr marL="342900" indent="-342900" algn="l" defTabSz="457200" rtl="0" eaLnBrk="1" latinLnBrk="0" hangingPunct="1">
         <a:spcBef>
           <a:spcPts val="1000"/>
         </a:spcBef>
@@ -9760,9 +9826,9 @@
           </a:schemeClr>
         </a:buClr>
         <a:buSzPct val="80000"/>
-        <a:buFont typeface="Wingdings 3" charset="2"/>
+        <a:buFont typeface="Wingdings 3" panose="05040102010807070707" charset="2"/>
         <a:buChar char=""/>
-        <a:defRPr sz="1999" b="0" i="0" kern="1200">
+        <a:defRPr sz="2000" b="0" i="0" kern="1200">
           <a:solidFill>
             <a:schemeClr val="tx1"/>
           </a:solidFill>
@@ -9771,7 +9837,7 @@
           <a:cs typeface="+mj-cs"/>
         </a:defRPr>
       </a:lvl1pPr>
-      <a:lvl2pPr marL="742727" indent="-285664" algn="l" defTabSz="457063" rtl="0" eaLnBrk="1" latinLnBrk="0" hangingPunct="1">
+      <a:lvl2pPr marL="742950" indent="-285750" algn="l" defTabSz="457200" rtl="0" eaLnBrk="1" latinLnBrk="0" hangingPunct="1">
         <a:spcBef>
           <a:spcPts val="1000"/>
         </a:spcBef>
@@ -9785,9 +9851,9 @@
           </a:schemeClr>
         </a:buClr>
         <a:buSzPct val="80000"/>
-        <a:buFont typeface="Wingdings 3" charset="2"/>
+        <a:buFont typeface="Wingdings 3" panose="05040102010807070707" charset="2"/>
         <a:buChar char=""/>
-        <a:defRPr sz="1799" b="0" i="0" kern="1200">
+        <a:defRPr sz="1800" b="0" i="0" kern="1200">
           <a:solidFill>
             <a:schemeClr val="tx1"/>
           </a:solidFill>
@@ -9796,7 +9862,7 @@
           <a:cs typeface="+mj-cs"/>
         </a:defRPr>
       </a:lvl2pPr>
-      <a:lvl3pPr marL="1142657" indent="-228531" algn="l" defTabSz="457063" rtl="0" eaLnBrk="1" latinLnBrk="0" hangingPunct="1">
+      <a:lvl3pPr marL="1142365" indent="-228600" algn="l" defTabSz="457200" rtl="0" eaLnBrk="1" latinLnBrk="0" hangingPunct="1">
         <a:spcBef>
           <a:spcPts val="1000"/>
         </a:spcBef>
@@ -9810,7 +9876,7 @@
           </a:schemeClr>
         </a:buClr>
         <a:buSzPct val="80000"/>
-        <a:buFont typeface="Wingdings 3" charset="2"/>
+        <a:buFont typeface="Wingdings 3" panose="05040102010807070707" charset="2"/>
         <a:buChar char=""/>
         <a:defRPr sz="1600" b="0" i="0" kern="1200">
           <a:solidFill>
@@ -9821,7 +9887,7 @@
           <a:cs typeface="+mj-cs"/>
         </a:defRPr>
       </a:lvl3pPr>
-      <a:lvl4pPr marL="1599720" indent="-228531" algn="l" defTabSz="457063" rtl="0" eaLnBrk="1" latinLnBrk="0" hangingPunct="1">
+      <a:lvl4pPr marL="1599565" indent="-228600" algn="l" defTabSz="457200" rtl="0" eaLnBrk="1" latinLnBrk="0" hangingPunct="1">
         <a:spcBef>
           <a:spcPts val="1000"/>
         </a:spcBef>
@@ -9835,7 +9901,7 @@
           </a:schemeClr>
         </a:buClr>
         <a:buSzPct val="80000"/>
-        <a:buFont typeface="Wingdings 3" charset="2"/>
+        <a:buFont typeface="Wingdings 3" panose="05040102010807070707" charset="2"/>
         <a:buChar char=""/>
         <a:defRPr sz="1400" b="0" i="0" kern="1200">
           <a:solidFill>
@@ -9846,7 +9912,7 @@
           <a:cs typeface="+mj-cs"/>
         </a:defRPr>
       </a:lvl4pPr>
-      <a:lvl5pPr marL="2056783" indent="-228531" algn="l" defTabSz="457063" rtl="0" eaLnBrk="1" latinLnBrk="0" hangingPunct="1">
+      <a:lvl5pPr marL="2056765" indent="-228600" algn="l" defTabSz="457200" rtl="0" eaLnBrk="1" latinLnBrk="0" hangingPunct="1">
         <a:spcBef>
           <a:spcPts val="1000"/>
         </a:spcBef>
@@ -9860,7 +9926,7 @@
           </a:schemeClr>
         </a:buClr>
         <a:buSzPct val="80000"/>
-        <a:buFont typeface="Wingdings 3" charset="2"/>
+        <a:buFont typeface="Wingdings 3" panose="05040102010807070707" charset="2"/>
         <a:buChar char=""/>
         <a:defRPr sz="1400" b="0" i="0" kern="1200">
           <a:solidFill>
@@ -9871,7 +9937,7 @@
           <a:cs typeface="+mj-cs"/>
         </a:defRPr>
       </a:lvl5pPr>
-      <a:lvl6pPr marL="2505248" indent="-228531" algn="l" defTabSz="457063" rtl="0" eaLnBrk="1" latinLnBrk="0" hangingPunct="1">
+      <a:lvl6pPr marL="2505075" indent="-228600" algn="l" defTabSz="457200" rtl="0" eaLnBrk="1" latinLnBrk="0" hangingPunct="1">
         <a:spcBef>
           <a:spcPts val="1000"/>
         </a:spcBef>
@@ -9885,7 +9951,7 @@
           </a:schemeClr>
         </a:buClr>
         <a:buSzPct val="80000"/>
-        <a:buFont typeface="Wingdings 3" charset="2"/>
+        <a:buFont typeface="Wingdings 3" panose="05040102010807070707" charset="2"/>
         <a:buChar char=""/>
         <a:defRPr sz="1400" b="0" i="0" kern="1200">
           <a:solidFill>
@@ -9896,7 +9962,7 @@
           <a:cs typeface="+mj-cs"/>
         </a:defRPr>
       </a:lvl6pPr>
-      <a:lvl7pPr marL="2970908" indent="-228531" algn="l" defTabSz="457063" rtl="0" eaLnBrk="1" latinLnBrk="0" hangingPunct="1">
+      <a:lvl7pPr marL="2971165" indent="-228600" algn="l" defTabSz="457200" rtl="0" eaLnBrk="1" latinLnBrk="0" hangingPunct="1">
         <a:spcBef>
           <a:spcPts val="1000"/>
         </a:spcBef>
@@ -9910,7 +9976,7 @@
           </a:schemeClr>
         </a:buClr>
         <a:buSzPct val="80000"/>
-        <a:buFont typeface="Wingdings 3" charset="2"/>
+        <a:buFont typeface="Wingdings 3" panose="05040102010807070707" charset="2"/>
         <a:buChar char=""/>
         <a:defRPr sz="1400" b="0" i="0" kern="1200">
           <a:solidFill>
@@ -9921,7 +9987,7 @@
           <a:cs typeface="+mj-cs"/>
         </a:defRPr>
       </a:lvl7pPr>
-      <a:lvl8pPr marL="3427971" indent="-228531" algn="l" defTabSz="457063" rtl="0" eaLnBrk="1" latinLnBrk="0" hangingPunct="1">
+      <a:lvl8pPr marL="3427730" indent="-228600" algn="l" defTabSz="457200" rtl="0" eaLnBrk="1" latinLnBrk="0" hangingPunct="1">
         <a:spcBef>
           <a:spcPts val="1000"/>
         </a:spcBef>
@@ -9935,7 +10001,7 @@
           </a:schemeClr>
         </a:buClr>
         <a:buSzPct val="80000"/>
-        <a:buFont typeface="Wingdings 3" charset="2"/>
+        <a:buFont typeface="Wingdings 3" panose="05040102010807070707" charset="2"/>
         <a:buChar char=""/>
         <a:defRPr sz="1400" b="0" i="0" kern="1200">
           <a:solidFill>
@@ -9946,7 +10012,7 @@
           <a:cs typeface="+mj-cs"/>
         </a:defRPr>
       </a:lvl8pPr>
-      <a:lvl9pPr marL="3885034" indent="-228531" algn="l" defTabSz="457063" rtl="0" eaLnBrk="1" latinLnBrk="0" hangingPunct="1">
+      <a:lvl9pPr marL="3884930" indent="-228600" algn="l" defTabSz="457200" rtl="0" eaLnBrk="1" latinLnBrk="0" hangingPunct="1">
         <a:spcBef>
           <a:spcPts val="1000"/>
         </a:spcBef>
@@ -9960,7 +10026,7 @@
           </a:schemeClr>
         </a:buClr>
         <a:buSzPct val="80000"/>
-        <a:buFont typeface="Wingdings 3" charset="2"/>
+        <a:buFont typeface="Wingdings 3" panose="05040102010807070707" charset="2"/>
         <a:buChar char=""/>
         <a:defRPr sz="1400" b="0" i="0" kern="1200">
           <a:solidFill>
@@ -9976,8 +10042,8 @@
       <a:defPPr>
         <a:defRPr lang="en-US"/>
       </a:defPPr>
-      <a:lvl1pPr marL="0" algn="l" defTabSz="457063" rtl="0" eaLnBrk="1" latinLnBrk="0" hangingPunct="1">
-        <a:defRPr sz="1799" kern="1200">
+      <a:lvl1pPr marL="0" algn="l" defTabSz="457200" rtl="0" eaLnBrk="1" latinLnBrk="0" hangingPunct="1">
+        <a:defRPr sz="1800" kern="1200">
           <a:solidFill>
             <a:schemeClr val="tx1"/>
           </a:solidFill>
@@ -9986,8 +10052,8 @@
           <a:cs typeface="+mn-cs"/>
         </a:defRPr>
       </a:lvl1pPr>
-      <a:lvl2pPr marL="457063" algn="l" defTabSz="457063" rtl="0" eaLnBrk="1" latinLnBrk="0" hangingPunct="1">
-        <a:defRPr sz="1799" kern="1200">
+      <a:lvl2pPr marL="457200" algn="l" defTabSz="457200" rtl="0" eaLnBrk="1" latinLnBrk="0" hangingPunct="1">
+        <a:defRPr sz="1800" kern="1200">
           <a:solidFill>
             <a:schemeClr val="tx1"/>
           </a:solidFill>
@@ -9996,8 +10062,8 @@
           <a:cs typeface="+mn-cs"/>
         </a:defRPr>
       </a:lvl2pPr>
-      <a:lvl3pPr marL="914126" algn="l" defTabSz="457063" rtl="0" eaLnBrk="1" latinLnBrk="0" hangingPunct="1">
-        <a:defRPr sz="1799" kern="1200">
+      <a:lvl3pPr marL="914400" algn="l" defTabSz="457200" rtl="0" eaLnBrk="1" latinLnBrk="0" hangingPunct="1">
+        <a:defRPr sz="1800" kern="1200">
           <a:solidFill>
             <a:schemeClr val="tx1"/>
           </a:solidFill>
@@ -10006,8 +10072,8 @@
           <a:cs typeface="+mn-cs"/>
         </a:defRPr>
       </a:lvl3pPr>
-      <a:lvl4pPr marL="1371189" algn="l" defTabSz="457063" rtl="0" eaLnBrk="1" latinLnBrk="0" hangingPunct="1">
-        <a:defRPr sz="1799" kern="1200">
+      <a:lvl4pPr marL="1370965" algn="l" defTabSz="457200" rtl="0" eaLnBrk="1" latinLnBrk="0" hangingPunct="1">
+        <a:defRPr sz="1800" kern="1200">
           <a:solidFill>
             <a:schemeClr val="tx1"/>
           </a:solidFill>
@@ -10016,8 +10082,8 @@
           <a:cs typeface="+mn-cs"/>
         </a:defRPr>
       </a:lvl4pPr>
-      <a:lvl5pPr marL="1828251" algn="l" defTabSz="457063" rtl="0" eaLnBrk="1" latinLnBrk="0" hangingPunct="1">
-        <a:defRPr sz="1799" kern="1200">
+      <a:lvl5pPr marL="1828165" algn="l" defTabSz="457200" rtl="0" eaLnBrk="1" latinLnBrk="0" hangingPunct="1">
+        <a:defRPr sz="1800" kern="1200">
           <a:solidFill>
             <a:schemeClr val="tx1"/>
           </a:solidFill>
@@ -10026,8 +10092,8 @@
           <a:cs typeface="+mn-cs"/>
         </a:defRPr>
       </a:lvl5pPr>
-      <a:lvl6pPr marL="2285314" algn="l" defTabSz="457063" rtl="0" eaLnBrk="1" latinLnBrk="0" hangingPunct="1">
-        <a:defRPr sz="1799" kern="1200">
+      <a:lvl6pPr marL="2285365" algn="l" defTabSz="457200" rtl="0" eaLnBrk="1" latinLnBrk="0" hangingPunct="1">
+        <a:defRPr sz="1800" kern="1200">
           <a:solidFill>
             <a:schemeClr val="tx1"/>
           </a:solidFill>
@@ -10036,8 +10102,8 @@
           <a:cs typeface="+mn-cs"/>
         </a:defRPr>
       </a:lvl6pPr>
-      <a:lvl7pPr marL="2742377" algn="l" defTabSz="457063" rtl="0" eaLnBrk="1" latinLnBrk="0" hangingPunct="1">
-        <a:defRPr sz="1799" kern="1200">
+      <a:lvl7pPr marL="2742565" algn="l" defTabSz="457200" rtl="0" eaLnBrk="1" latinLnBrk="0" hangingPunct="1">
+        <a:defRPr sz="1800" kern="1200">
           <a:solidFill>
             <a:schemeClr val="tx1"/>
           </a:solidFill>
@@ -10046,8 +10112,8 @@
           <a:cs typeface="+mn-cs"/>
         </a:defRPr>
       </a:lvl7pPr>
-      <a:lvl8pPr marL="3199440" algn="l" defTabSz="457063" rtl="0" eaLnBrk="1" latinLnBrk="0" hangingPunct="1">
-        <a:defRPr sz="1799" kern="1200">
+      <a:lvl8pPr marL="3199130" algn="l" defTabSz="457200" rtl="0" eaLnBrk="1" latinLnBrk="0" hangingPunct="1">
+        <a:defRPr sz="1800" kern="1200">
           <a:solidFill>
             <a:schemeClr val="tx1"/>
           </a:solidFill>
@@ -10056,8 +10122,8 @@
           <a:cs typeface="+mn-cs"/>
         </a:defRPr>
       </a:lvl8pPr>
-      <a:lvl9pPr marL="3656503" algn="l" defTabSz="457063" rtl="0" eaLnBrk="1" latinLnBrk="0" hangingPunct="1">
-        <a:defRPr sz="1799" kern="1200">
+      <a:lvl9pPr marL="3656330" algn="l" defTabSz="457200" rtl="0" eaLnBrk="1" latinLnBrk="0" hangingPunct="1">
+        <a:defRPr sz="1800" kern="1200">
           <a:solidFill>
             <a:schemeClr val="tx1"/>
           </a:solidFill>
@@ -10100,7 +10166,7 @@
         </p:nvSpPr>
         <p:spPr>
           <a:xfrm>
-            <a:off x="0" y="750888"/>
+            <a:off x="0" y="835978"/>
             <a:ext cx="11233150" cy="1957387"/>
           </a:xfrm>
         </p:spPr>
@@ -10112,9 +10178,9 @@
             <a:r>
               <a:rPr lang="en-US" sz="6000" dirty="0">
                 <a:solidFill>
-                  <a:schemeClr val="accent1">
-                    <a:lumMod val="60000"/>
-                    <a:lumOff val="40000"/>
+                  <a:schemeClr val="accent6">
+                    <a:lumMod val="40000"/>
+                    <a:lumOff val="60000"/>
                   </a:schemeClr>
                 </a:solidFill>
                 <a:latin typeface="Times New Roman" panose="02020603050405020304" pitchFamily="18" charset="0"/>
@@ -10125,9 +10191,9 @@
             <a:br>
               <a:rPr lang="en-US" sz="6000" dirty="0">
                 <a:solidFill>
-                  <a:schemeClr val="accent1">
-                    <a:lumMod val="60000"/>
-                    <a:lumOff val="40000"/>
+                  <a:schemeClr val="accent6">
+                    <a:lumMod val="40000"/>
+                    <a:lumOff val="60000"/>
                   </a:schemeClr>
                 </a:solidFill>
                 <a:latin typeface="Times New Roman" panose="02020603050405020304" pitchFamily="18" charset="0"/>
@@ -10137,9 +10203,9 @@
             <a:r>
               <a:rPr lang="en-US" sz="6000" dirty="0">
                 <a:solidFill>
-                  <a:schemeClr val="accent1">
-                    <a:lumMod val="60000"/>
-                    <a:lumOff val="40000"/>
+                  <a:schemeClr val="accent6">
+                    <a:lumMod val="40000"/>
+                    <a:lumOff val="60000"/>
                   </a:schemeClr>
                 </a:solidFill>
                 <a:latin typeface="Times New Roman" panose="02020603050405020304" pitchFamily="18" charset="0"/>
@@ -10374,13 +10440,13 @@
   <p:clrMapOvr>
     <a:masterClrMapping/>
   </p:clrMapOvr>
-  <mc:AlternateContent xmlns:mc="http://schemas.openxmlformats.org/markup-compatibility/2006" xmlns:p14="http://schemas.microsoft.com/office/powerpoint/2010/main">
-    <mc:Choice Requires="p14">
+  <mc:AlternateContent xmlns:mc="http://schemas.openxmlformats.org/markup-compatibility/2006">
+    <mc:Choice xmlns:p14="http://schemas.microsoft.com/office/powerpoint/2010/main" xmlns="" Requires="p14">
       <p:transition spd="med" p14:dur="700">
         <p:fade/>
       </p:transition>
     </mc:Choice>
-    <mc:Fallback xmlns="">
+    <mc:Fallback>
       <p:transition spd="med">
         <p:fade/>
       </p:transition>
@@ -10555,13 +10621,13 @@
   <p:clrMapOvr>
     <a:masterClrMapping/>
   </p:clrMapOvr>
-  <mc:AlternateContent xmlns:mc="http://schemas.openxmlformats.org/markup-compatibility/2006" xmlns:p14="http://schemas.microsoft.com/office/powerpoint/2010/main">
-    <mc:Choice Requires="p14">
+  <mc:AlternateContent xmlns:mc="http://schemas.openxmlformats.org/markup-compatibility/2006">
+    <mc:Choice xmlns:p14="http://schemas.microsoft.com/office/powerpoint/2010/main" xmlns="" Requires="p14">
       <p:transition spd="med" p14:dur="700">
         <p:fade/>
       </p:transition>
     </mc:Choice>
-    <mc:Fallback xmlns="">
+    <mc:Fallback>
       <p:transition spd="med">
         <p:fade/>
       </p:transition>
@@ -10743,7 +10809,7 @@
                 <a:latin typeface="Times New Roman" panose="02020603050405020304" pitchFamily="18" charset="0"/>
                 <a:cs typeface="Times New Roman" panose="02020603050405020304" pitchFamily="18" charset="0"/>
               </a:rPr>
-              <a:t>Spring Boot-2.3.3 RELEASE</a:t>
+              <a:t>Spring Boot-2.3.3 </a:t>
             </a:r>
           </a:p>
           <a:p>
@@ -10803,13 +10869,13 @@
   <p:clrMapOvr>
     <a:masterClrMapping/>
   </p:clrMapOvr>
-  <mc:AlternateContent xmlns:mc="http://schemas.openxmlformats.org/markup-compatibility/2006" xmlns:p14="http://schemas.microsoft.com/office/powerpoint/2010/main">
-    <mc:Choice Requires="p14">
+  <mc:AlternateContent xmlns:mc="http://schemas.openxmlformats.org/markup-compatibility/2006">
+    <mc:Choice xmlns:p14="http://schemas.microsoft.com/office/powerpoint/2010/main" xmlns="" Requires="p14">
       <p:transition spd="med" p14:dur="700">
         <p:fade/>
       </p:transition>
     </mc:Choice>
-    <mc:Fallback xmlns="">
+    <mc:Fallback>
       <p:transition spd="med">
         <p:fade/>
       </p:transition>
@@ -12163,13 +12229,13 @@
   <p:clrMapOvr>
     <a:masterClrMapping/>
   </p:clrMapOvr>
-  <mc:AlternateContent xmlns:mc="http://schemas.openxmlformats.org/markup-compatibility/2006" xmlns:p14="http://schemas.microsoft.com/office/powerpoint/2010/main">
-    <mc:Choice Requires="p14">
+  <mc:AlternateContent xmlns:mc="http://schemas.openxmlformats.org/markup-compatibility/2006">
+    <mc:Choice xmlns:p14="http://schemas.microsoft.com/office/powerpoint/2010/main" xmlns="" Requires="p14">
       <p:transition spd="med" p14:dur="700">
         <p:fade/>
       </p:transition>
     </mc:Choice>
-    <mc:Fallback xmlns="">
+    <mc:Fallback>
       <p:transition spd="med">
         <p:fade/>
       </p:transition>
@@ -12239,7 +12305,7 @@
         </p:nvSpPr>
         <p:spPr>
           <a:xfrm>
-            <a:off x="1763198" y="4846061"/>
+            <a:off x="693858" y="5372476"/>
             <a:ext cx="1848272" cy="972670"/>
           </a:xfrm>
           <a:prstGeom prst="ellipse">
@@ -12293,7 +12359,7 @@
         </p:nvSpPr>
         <p:spPr>
           <a:xfrm>
-            <a:off x="1745556" y="2456330"/>
+            <a:off x="693996" y="2651275"/>
             <a:ext cx="1848272" cy="972670"/>
           </a:xfrm>
           <a:prstGeom prst="ellipse">
@@ -12347,7 +12413,7 @@
         </p:nvSpPr>
         <p:spPr>
           <a:xfrm>
-            <a:off x="6922604" y="3873391"/>
+            <a:off x="4942039" y="4292491"/>
             <a:ext cx="2369202" cy="972670"/>
           </a:xfrm>
           <a:prstGeom prst="ellipse">
@@ -12406,7 +12472,7 @@
         </p:nvSpPr>
         <p:spPr>
           <a:xfrm>
-            <a:off x="4586930" y="2456330"/>
+            <a:off x="3132145" y="2495065"/>
             <a:ext cx="1848272" cy="972670"/>
           </a:xfrm>
           <a:prstGeom prst="ellipse">
@@ -12460,7 +12526,115 @@
         </p:nvSpPr>
         <p:spPr>
           <a:xfrm>
-            <a:off x="9881223" y="3873391"/>
+            <a:off x="8110855" y="4175760"/>
+            <a:ext cx="1848485" cy="1096010"/>
+          </a:xfrm>
+          <a:prstGeom prst="ellipse">
+            <a:avLst/>
+          </a:prstGeom>
+          <a:solidFill>
+            <a:schemeClr val="accent6">
+              <a:lumMod val="60000"/>
+              <a:lumOff val="40000"/>
+            </a:schemeClr>
+          </a:solidFill>
+        </p:spPr>
+        <p:style>
+          <a:lnRef idx="2">
+            <a:schemeClr val="accent6"/>
+          </a:lnRef>
+          <a:fillRef idx="1">
+            <a:schemeClr val="lt1"/>
+          </a:fillRef>
+          <a:effectRef idx="0">
+            <a:schemeClr val="accent6"/>
+          </a:effectRef>
+          <a:fontRef idx="minor">
+            <a:schemeClr val="dk1"/>
+          </a:fontRef>
+        </p:style>
+        <p:txBody>
+          <a:bodyPr rtlCol="0" anchor="ctr"/>
+          <a:lstStyle/>
+          <a:p>
+            <a:pPr algn="ctr"/>
+            <a:r>
+              <a:rPr lang="en-US" sz="1600" b="1" dirty="0">
+                <a:latin typeface="Times New Roman" panose="02020603050405020304" pitchFamily="18" charset="0"/>
+                <a:cs typeface="Times New Roman" panose="02020603050405020304" pitchFamily="18" charset="0"/>
+              </a:rPr>
+              <a:t>Display book list</a:t>
+            </a:r>
+            <a:endParaRPr lang="en-IN" sz="1600" b="1" dirty="0">
+              <a:latin typeface="Times New Roman" panose="02020603050405020304" pitchFamily="18" charset="0"/>
+              <a:cs typeface="Times New Roman" panose="02020603050405020304" pitchFamily="18" charset="0"/>
+            </a:endParaRPr>
+          </a:p>
+        </p:txBody>
+      </p:sp>
+      <p:sp>
+        <p:nvSpPr>
+          <p:cNvPr id="19" name="Oval 18"/>
+          <p:cNvSpPr/>
+          <p:nvPr/>
+        </p:nvSpPr>
+        <p:spPr>
+          <a:xfrm>
+            <a:off x="5374474" y="2484304"/>
+            <a:ext cx="1986204" cy="1043081"/>
+          </a:xfrm>
+          <a:prstGeom prst="ellipse">
+            <a:avLst/>
+          </a:prstGeom>
+          <a:solidFill>
+            <a:schemeClr val="accent6">
+              <a:lumMod val="60000"/>
+              <a:lumOff val="40000"/>
+            </a:schemeClr>
+          </a:solidFill>
+        </p:spPr>
+        <p:style>
+          <a:lnRef idx="2">
+            <a:schemeClr val="accent6"/>
+          </a:lnRef>
+          <a:fillRef idx="1">
+            <a:schemeClr val="lt1"/>
+          </a:fillRef>
+          <a:effectRef idx="0">
+            <a:schemeClr val="accent6"/>
+          </a:effectRef>
+          <a:fontRef idx="minor">
+            <a:schemeClr val="dk1"/>
+          </a:fontRef>
+        </p:style>
+        <p:txBody>
+          <a:bodyPr rtlCol="0" anchor="ctr"/>
+          <a:lstStyle/>
+          <a:p>
+            <a:pPr algn="ctr"/>
+            <a:r>
+              <a:rPr lang="en-US" sz="1600" b="1" dirty="0">
+                <a:latin typeface="Times New Roman" panose="02020603050405020304" pitchFamily="18" charset="0"/>
+                <a:cs typeface="Times New Roman" panose="02020603050405020304" pitchFamily="18" charset="0"/>
+              </a:rPr>
+              <a:t>Search by Author</a:t>
+            </a:r>
+            <a:endParaRPr lang="en-IN" sz="1600" b="1" dirty="0">
+              <a:latin typeface="Times New Roman" panose="02020603050405020304" pitchFamily="18" charset="0"/>
+              <a:cs typeface="Times New Roman" panose="02020603050405020304" pitchFamily="18" charset="0"/>
+            </a:endParaRPr>
+          </a:p>
+        </p:txBody>
+      </p:sp>
+      <p:sp>
+        <p:nvSpPr>
+          <p:cNvPr id="20" name="Oval 19"/>
+          <p:cNvSpPr/>
+          <p:nvPr/>
+        </p:nvSpPr>
+        <p:spPr>
+          <a:xfrm>
+            <a:off x="7678176" y="1148835"/>
             <a:ext cx="1848272" cy="972670"/>
           </a:xfrm>
           <a:prstGeom prst="ellipse">
@@ -12508,67 +12682,13 @@
       </p:sp>
       <p:sp>
         <p:nvSpPr>
-          <p:cNvPr id="19" name="Oval 18"/>
+          <p:cNvPr id="21" name="Oval 20"/>
           <p:cNvSpPr/>
           <p:nvPr/>
         </p:nvSpPr>
         <p:spPr>
           <a:xfrm>
-            <a:off x="6922604" y="2498274"/>
-            <a:ext cx="1986204" cy="1043081"/>
-          </a:xfrm>
-          <a:prstGeom prst="ellipse">
-            <a:avLst/>
-          </a:prstGeom>
-          <a:solidFill>
-            <a:schemeClr val="accent6">
-              <a:lumMod val="60000"/>
-              <a:lumOff val="40000"/>
-            </a:schemeClr>
-          </a:solidFill>
-        </p:spPr>
-        <p:style>
-          <a:lnRef idx="2">
-            <a:schemeClr val="accent6"/>
-          </a:lnRef>
-          <a:fillRef idx="1">
-            <a:schemeClr val="lt1"/>
-          </a:fillRef>
-          <a:effectRef idx="0">
-            <a:schemeClr val="accent6"/>
-          </a:effectRef>
-          <a:fontRef idx="minor">
-            <a:schemeClr val="dk1"/>
-          </a:fontRef>
-        </p:style>
-        <p:txBody>
-          <a:bodyPr rtlCol="0" anchor="ctr"/>
-          <a:lstStyle/>
-          <a:p>
-            <a:pPr algn="ctr"/>
-            <a:r>
-              <a:rPr lang="en-US" sz="1600" b="1" dirty="0">
-                <a:latin typeface="Times New Roman" panose="02020603050405020304" pitchFamily="18" charset="0"/>
-                <a:cs typeface="Times New Roman" panose="02020603050405020304" pitchFamily="18" charset="0"/>
-              </a:rPr>
-              <a:t>Search by Author</a:t>
-            </a:r>
-            <a:endParaRPr lang="en-IN" sz="1600" b="1" dirty="0">
-              <a:latin typeface="Times New Roman" panose="02020603050405020304" pitchFamily="18" charset="0"/>
-              <a:cs typeface="Times New Roman" panose="02020603050405020304" pitchFamily="18" charset="0"/>
-            </a:endParaRPr>
-          </a:p>
-        </p:txBody>
-      </p:sp>
-      <p:sp>
-        <p:nvSpPr>
-          <p:cNvPr id="20" name="Oval 19"/>
-          <p:cNvSpPr/>
-          <p:nvPr/>
-        </p:nvSpPr>
-        <p:spPr>
-          <a:xfrm>
-            <a:off x="9910836" y="1232020"/>
+            <a:off x="5014429" y="1172757"/>
             <a:ext cx="1848272" cy="972670"/>
           </a:xfrm>
           <a:prstGeom prst="ellipse">
@@ -12605,7 +12725,14 @@
                 <a:latin typeface="Times New Roman" panose="02020603050405020304" pitchFamily="18" charset="0"/>
                 <a:cs typeface="Times New Roman" panose="02020603050405020304" pitchFamily="18" charset="0"/>
               </a:rPr>
-              <a:t>Display book list</a:t>
+              <a:t>Search by </a:t>
+            </a:r>
+            <a:r>
+              <a:rPr lang="en-US" sz="1600" b="1" dirty="0" smtClean="0">
+                <a:latin typeface="Times New Roman" panose="02020603050405020304" pitchFamily="18" charset="0"/>
+                <a:cs typeface="Times New Roman" panose="02020603050405020304" pitchFamily="18" charset="0"/>
+              </a:rPr>
+              <a:t>Book Name</a:t>
             </a:r>
             <a:endParaRPr lang="en-IN" sz="1600" b="1" dirty="0">
               <a:latin typeface="Times New Roman" panose="02020603050405020304" pitchFamily="18" charset="0"/>
@@ -12616,74 +12743,13 @@
       </p:sp>
       <p:sp>
         <p:nvSpPr>
-          <p:cNvPr id="21" name="Oval 20"/>
-          <p:cNvSpPr/>
-          <p:nvPr/>
-        </p:nvSpPr>
-        <p:spPr>
-          <a:xfrm>
-            <a:off x="6922604" y="1304202"/>
-            <a:ext cx="1848272" cy="972670"/>
-          </a:xfrm>
-          <a:prstGeom prst="ellipse">
-            <a:avLst/>
-          </a:prstGeom>
-          <a:solidFill>
-            <a:schemeClr val="accent6">
-              <a:lumMod val="60000"/>
-              <a:lumOff val="40000"/>
-            </a:schemeClr>
-          </a:solidFill>
-        </p:spPr>
-        <p:style>
-          <a:lnRef idx="2">
-            <a:schemeClr val="accent6"/>
-          </a:lnRef>
-          <a:fillRef idx="1">
-            <a:schemeClr val="lt1"/>
-          </a:fillRef>
-          <a:effectRef idx="0">
-            <a:schemeClr val="accent6"/>
-          </a:effectRef>
-          <a:fontRef idx="minor">
-            <a:schemeClr val="dk1"/>
-          </a:fontRef>
-        </p:style>
-        <p:txBody>
-          <a:bodyPr rtlCol="0" anchor="ctr"/>
-          <a:lstStyle/>
-          <a:p>
-            <a:pPr algn="ctr"/>
-            <a:r>
-              <a:rPr lang="en-US" sz="1600" b="1" dirty="0">
-                <a:latin typeface="Times New Roman" panose="02020603050405020304" pitchFamily="18" charset="0"/>
-                <a:cs typeface="Times New Roman" panose="02020603050405020304" pitchFamily="18" charset="0"/>
-              </a:rPr>
-              <a:t>Search by </a:t>
-            </a:r>
-            <a:r>
-              <a:rPr lang="en-US" sz="1600" b="1" dirty="0" err="1">
-                <a:latin typeface="Times New Roman" panose="02020603050405020304" pitchFamily="18" charset="0"/>
-                <a:cs typeface="Times New Roman" panose="02020603050405020304" pitchFamily="18" charset="0"/>
-              </a:rPr>
-              <a:t>BookName</a:t>
-            </a:r>
-            <a:endParaRPr lang="en-IN" sz="1600" b="1" dirty="0">
-              <a:latin typeface="Times New Roman" panose="02020603050405020304" pitchFamily="18" charset="0"/>
-              <a:cs typeface="Times New Roman" panose="02020603050405020304" pitchFamily="18" charset="0"/>
-            </a:endParaRPr>
-          </a:p>
-        </p:txBody>
-      </p:sp>
-      <p:sp>
-        <p:nvSpPr>
           <p:cNvPr id="22" name="Oval 21"/>
           <p:cNvSpPr/>
           <p:nvPr/>
         </p:nvSpPr>
         <p:spPr>
           <a:xfrm>
-            <a:off x="9883613" y="2573264"/>
+            <a:off x="8107518" y="2565009"/>
             <a:ext cx="1848272" cy="1151956"/>
           </a:xfrm>
           <a:prstGeom prst="ellipse">
@@ -12739,14 +12805,22 @@
           <p:nvPr/>
         </p:nvCxnSpPr>
         <p:spPr>
-          <a:xfrm>
-            <a:off x="3593828" y="2942665"/>
-            <a:ext cx="993102" cy="12700"/>
+          <a:xfrm flipV="1">
+            <a:off x="2542540" y="2981325"/>
+            <a:ext cx="589915" cy="156210"/>
           </a:xfrm>
           <a:prstGeom prst="bentConnector3">
-            <a:avLst/>
+            <a:avLst>
+              <a:gd name="adj1" fmla="val 50054"/>
+            </a:avLst>
           </a:prstGeom>
           <a:ln>
+            <a:solidFill>
+              <a:schemeClr val="accent2">
+                <a:lumMod val="20000"/>
+                <a:lumOff val="80000"/>
+              </a:schemeClr>
+            </a:solidFill>
             <a:tailEnd type="triangle"/>
           </a:ln>
         </p:spPr>
@@ -12774,7 +12848,7 @@
         <p:spPr>
           <a:xfrm>
             <a:off x="456941" y="2213163"/>
-            <a:ext cx="1482246" cy="369332"/>
+            <a:ext cx="1482246" cy="368300"/>
           </a:xfrm>
           <a:prstGeom prst="rect">
             <a:avLst/>
@@ -12811,7 +12885,6 @@
         <p:nvCxnSpPr>
           <p:cNvPr id="4" name="Straight Connector 3"/>
           <p:cNvCxnSpPr>
-            <a:cxnSpLocks/>
             <a:stCxn id="16" idx="6"/>
             <a:endCxn id="19" idx="2"/>
           </p:cNvCxnSpPr>
@@ -12819,8 +12892,8 @@
         </p:nvCxnSpPr>
         <p:spPr>
           <a:xfrm>
-            <a:off x="6435202" y="2942665"/>
-            <a:ext cx="487402" cy="77150"/>
+            <a:off x="4981052" y="2981400"/>
+            <a:ext cx="393700" cy="24765"/>
           </a:xfrm>
           <a:prstGeom prst="line">
             <a:avLst/>
@@ -12845,7 +12918,6 @@
         <p:nvCxnSpPr>
           <p:cNvPr id="9" name="Straight Connector 8"/>
           <p:cNvCxnSpPr>
-            <a:cxnSpLocks/>
             <a:stCxn id="15" idx="2"/>
             <a:endCxn id="15" idx="2"/>
           </p:cNvCxnSpPr>
@@ -12853,7 +12925,7 @@
         </p:nvCxnSpPr>
         <p:spPr>
           <a:xfrm>
-            <a:off x="6922604" y="4359726"/>
+            <a:off x="4942039" y="4778826"/>
             <a:ext cx="0" cy="0"/>
           </a:xfrm>
           <a:prstGeom prst="line">
@@ -12879,7 +12951,6 @@
         <p:nvCxnSpPr>
           <p:cNvPr id="27" name="Straight Connector 26"/>
           <p:cNvCxnSpPr>
-            <a:cxnSpLocks/>
             <a:stCxn id="21" idx="6"/>
             <a:endCxn id="20" idx="2"/>
           </p:cNvCxnSpPr>
@@ -12887,8 +12958,8 @@
         </p:nvCxnSpPr>
         <p:spPr>
           <a:xfrm flipV="1">
-            <a:off x="8770876" y="1718355"/>
-            <a:ext cx="1139960" cy="72182"/>
+            <a:off x="6863336" y="1634962"/>
+            <a:ext cx="815340" cy="24130"/>
           </a:xfrm>
           <a:prstGeom prst="line">
             <a:avLst/>
@@ -12911,15 +12982,8 @@
       </p:cxnSp>
       <p:cxnSp>
         <p:nvCxnSpPr>
-          <p:cNvPr id="35" name="Straight Arrow Connector 34">
-            <a:extLst>
-              <a:ext uri="{FF2B5EF4-FFF2-40B4-BE49-F238E27FC236}">
-                <a16:creationId xmlns:a16="http://schemas.microsoft.com/office/drawing/2014/main" id="{372A24B0-AFD8-49F2-BEAA-9CA2A531F243}"/>
-              </a:ext>
-            </a:extLst>
-          </p:cNvPr>
+          <p:cNvPr id="35" name="Straight Arrow Connector 34"/>
           <p:cNvCxnSpPr>
-            <a:cxnSpLocks/>
             <a:stCxn id="16" idx="6"/>
             <a:endCxn id="19" idx="2"/>
           </p:cNvCxnSpPr>
@@ -12927,13 +12991,19 @@
         </p:nvCxnSpPr>
         <p:spPr>
           <a:xfrm>
-            <a:off x="6435202" y="2942665"/>
-            <a:ext cx="487402" cy="77150"/>
+            <a:off x="4981052" y="2981400"/>
+            <a:ext cx="393700" cy="24765"/>
           </a:xfrm>
           <a:prstGeom prst="straightConnector1">
             <a:avLst/>
           </a:prstGeom>
           <a:ln>
+            <a:solidFill>
+              <a:schemeClr val="accent2">
+                <a:lumMod val="20000"/>
+                <a:lumOff val="80000"/>
+              </a:schemeClr>
+            </a:solidFill>
             <a:tailEnd type="triangle"/>
           </a:ln>
         </p:spPr>
@@ -12954,27 +13024,25 @@
       </p:cxnSp>
       <p:cxnSp>
         <p:nvCxnSpPr>
-          <p:cNvPr id="38" name="Straight Arrow Connector 37">
-            <a:extLst>
-              <a:ext uri="{FF2B5EF4-FFF2-40B4-BE49-F238E27FC236}">
-                <a16:creationId xmlns:a16="http://schemas.microsoft.com/office/drawing/2014/main" id="{CE56DCA7-9689-4643-9E00-FFD6554DF210}"/>
-              </a:ext>
-            </a:extLst>
-          </p:cNvPr>
-          <p:cNvCxnSpPr>
-            <a:cxnSpLocks/>
-          </p:cNvCxnSpPr>
+          <p:cNvPr id="38" name="Straight Arrow Connector 37"/>
+          <p:cNvCxnSpPr/>
           <p:nvPr/>
         </p:nvCxnSpPr>
         <p:spPr>
           <a:xfrm>
-            <a:off x="6435202" y="2963637"/>
+            <a:off x="5014707" y="2981417"/>
             <a:ext cx="487402" cy="1417061"/>
           </a:xfrm>
           <a:prstGeom prst="straightConnector1">
             <a:avLst/>
           </a:prstGeom>
           <a:ln>
+            <a:solidFill>
+              <a:schemeClr val="accent1">
+                <a:lumMod val="20000"/>
+                <a:lumOff val="80000"/>
+              </a:schemeClr>
+            </a:solidFill>
             <a:tailEnd type="triangle"/>
           </a:ln>
         </p:spPr>
@@ -12995,15 +13063,8 @@
       </p:cxnSp>
       <p:cxnSp>
         <p:nvCxnSpPr>
-          <p:cNvPr id="41" name="Straight Arrow Connector 40">
-            <a:extLst>
-              <a:ext uri="{FF2B5EF4-FFF2-40B4-BE49-F238E27FC236}">
-                <a16:creationId xmlns:a16="http://schemas.microsoft.com/office/drawing/2014/main" id="{1462D99C-14E7-4976-9EBD-FAEFF03889BE}"/>
-              </a:ext>
-            </a:extLst>
-          </p:cNvPr>
+          <p:cNvPr id="41" name="Straight Arrow Connector 40"/>
           <p:cNvCxnSpPr>
-            <a:cxnSpLocks/>
             <a:stCxn id="21" idx="6"/>
             <a:endCxn id="20" idx="2"/>
           </p:cNvCxnSpPr>
@@ -13011,13 +13072,19 @@
         </p:nvCxnSpPr>
         <p:spPr>
           <a:xfrm flipV="1">
-            <a:off x="8770876" y="1718355"/>
-            <a:ext cx="1139960" cy="72182"/>
+            <a:off x="6863336" y="1634962"/>
+            <a:ext cx="815340" cy="24130"/>
           </a:xfrm>
           <a:prstGeom prst="straightConnector1">
             <a:avLst/>
           </a:prstGeom>
           <a:ln>
+            <a:solidFill>
+              <a:schemeClr val="accent2">
+                <a:lumMod val="20000"/>
+                <a:lumOff val="80000"/>
+              </a:schemeClr>
+            </a:solidFill>
             <a:tailEnd type="triangle"/>
           </a:ln>
         </p:spPr>
@@ -13038,15 +13105,8 @@
       </p:cxnSp>
       <p:cxnSp>
         <p:nvCxnSpPr>
-          <p:cNvPr id="44" name="Straight Arrow Connector 43">
-            <a:extLst>
-              <a:ext uri="{FF2B5EF4-FFF2-40B4-BE49-F238E27FC236}">
-                <a16:creationId xmlns:a16="http://schemas.microsoft.com/office/drawing/2014/main" id="{4C807DB3-1169-4E99-9545-D24832782EF6}"/>
-              </a:ext>
-            </a:extLst>
-          </p:cNvPr>
+          <p:cNvPr id="44" name="Straight Arrow Connector 43"/>
           <p:cNvCxnSpPr>
-            <a:cxnSpLocks/>
             <a:stCxn id="16" idx="6"/>
             <a:endCxn id="21" idx="2"/>
           </p:cNvCxnSpPr>
@@ -13054,13 +13114,19 @@
         </p:nvCxnSpPr>
         <p:spPr>
           <a:xfrm flipV="1">
-            <a:off x="6435202" y="1790537"/>
-            <a:ext cx="487402" cy="1152128"/>
+            <a:off x="4981052" y="1659330"/>
+            <a:ext cx="33655" cy="1322070"/>
           </a:xfrm>
           <a:prstGeom prst="straightConnector1">
             <a:avLst/>
           </a:prstGeom>
           <a:ln>
+            <a:solidFill>
+              <a:schemeClr val="accent2">
+                <a:lumMod val="20000"/>
+                <a:lumOff val="80000"/>
+              </a:schemeClr>
+            </a:solidFill>
             <a:tailEnd type="triangle"/>
           </a:ln>
         </p:spPr>
@@ -13081,15 +13147,8 @@
       </p:cxnSp>
       <p:cxnSp>
         <p:nvCxnSpPr>
-          <p:cNvPr id="50" name="Straight Arrow Connector 49">
-            <a:extLst>
-              <a:ext uri="{FF2B5EF4-FFF2-40B4-BE49-F238E27FC236}">
-                <a16:creationId xmlns:a16="http://schemas.microsoft.com/office/drawing/2014/main" id="{729FE198-2A2A-42D0-A984-1397C3AAA98B}"/>
-              </a:ext>
-            </a:extLst>
-          </p:cNvPr>
+          <p:cNvPr id="50" name="Straight Arrow Connector 49"/>
           <p:cNvCxnSpPr>
-            <a:cxnSpLocks/>
             <a:stCxn id="19" idx="6"/>
             <a:endCxn id="22" idx="2"/>
           </p:cNvCxnSpPr>
@@ -13097,13 +13156,19 @@
         </p:nvCxnSpPr>
         <p:spPr>
           <a:xfrm>
-            <a:off x="8908808" y="3019815"/>
-            <a:ext cx="974805" cy="129427"/>
+            <a:off x="7360678" y="3005845"/>
+            <a:ext cx="746760" cy="134620"/>
           </a:xfrm>
           <a:prstGeom prst="straightConnector1">
             <a:avLst/>
           </a:prstGeom>
           <a:ln>
+            <a:solidFill>
+              <a:schemeClr val="accent2">
+                <a:lumMod val="20000"/>
+                <a:lumOff val="80000"/>
+              </a:schemeClr>
+            </a:solidFill>
             <a:tailEnd type="triangle"/>
           </a:ln>
         </p:spPr>
@@ -13124,29 +13189,28 @@
       </p:cxnSp>
       <p:cxnSp>
         <p:nvCxnSpPr>
-          <p:cNvPr id="53" name="Straight Arrow Connector 52">
-            <a:extLst>
-              <a:ext uri="{FF2B5EF4-FFF2-40B4-BE49-F238E27FC236}">
-                <a16:creationId xmlns:a16="http://schemas.microsoft.com/office/drawing/2014/main" id="{400AEBF7-B5BF-44C6-BA6A-1F4B80986D64}"/>
-              </a:ext>
-            </a:extLst>
-          </p:cNvPr>
+          <p:cNvPr id="53" name="Straight Arrow Connector 52"/>
           <p:cNvCxnSpPr>
-            <a:cxnSpLocks/>
             <a:stCxn id="15" idx="6"/>
             <a:endCxn id="18" idx="2"/>
           </p:cNvCxnSpPr>
           <p:nvPr/>
         </p:nvCxnSpPr>
         <p:spPr>
-          <a:xfrm>
-            <a:off x="9291806" y="4359726"/>
-            <a:ext cx="589417" cy="0"/>
+          <a:xfrm flipV="1">
+            <a:off x="7311241" y="4723581"/>
+            <a:ext cx="799465" cy="55245"/>
           </a:xfrm>
           <a:prstGeom prst="straightConnector1">
             <a:avLst/>
           </a:prstGeom>
           <a:ln>
+            <a:solidFill>
+              <a:schemeClr val="accent2">
+                <a:lumMod val="20000"/>
+                <a:lumOff val="80000"/>
+              </a:schemeClr>
+            </a:solidFill>
             <a:tailEnd type="triangle"/>
           </a:ln>
         </p:spPr>
@@ -13167,13 +13231,7 @@
       </p:cxnSp>
       <p:sp>
         <p:nvSpPr>
-          <p:cNvPr id="95" name="TextBox 94">
-            <a:extLst>
-              <a:ext uri="{FF2B5EF4-FFF2-40B4-BE49-F238E27FC236}">
-                <a16:creationId xmlns:a16="http://schemas.microsoft.com/office/drawing/2014/main" id="{F521476C-A822-496D-99D4-51E283182885}"/>
-              </a:ext>
-            </a:extLst>
-          </p:cNvPr>
+          <p:cNvPr id="95" name="TextBox 94"/>
           <p:cNvSpPr txBox="1"/>
           <p:nvPr/>
         </p:nvSpPr>
@@ -13215,29 +13273,28 @@
       </p:sp>
       <p:cxnSp>
         <p:nvCxnSpPr>
-          <p:cNvPr id="100" name="Straight Arrow Connector 99">
-            <a:extLst>
-              <a:ext uri="{FF2B5EF4-FFF2-40B4-BE49-F238E27FC236}">
-                <a16:creationId xmlns:a16="http://schemas.microsoft.com/office/drawing/2014/main" id="{E7C1E911-4A55-4ABE-889D-04B1B592F16E}"/>
-              </a:ext>
-            </a:extLst>
-          </p:cNvPr>
+          <p:cNvPr id="100" name="Straight Arrow Connector 99"/>
           <p:cNvCxnSpPr>
-            <a:cxnSpLocks/>
             <a:stCxn id="6" idx="0"/>
             <a:endCxn id="14" idx="4"/>
           </p:cNvCxnSpPr>
           <p:nvPr/>
         </p:nvCxnSpPr>
         <p:spPr>
-          <a:xfrm flipH="1" flipV="1">
-            <a:off x="2669692" y="3429000"/>
-            <a:ext cx="17642" cy="1417061"/>
+          <a:xfrm flipV="1">
+            <a:off x="1618629" y="3623686"/>
+            <a:ext cx="0" cy="1748790"/>
           </a:xfrm>
           <a:prstGeom prst="straightConnector1">
             <a:avLst/>
           </a:prstGeom>
           <a:ln>
+            <a:solidFill>
+              <a:schemeClr val="accent2">
+                <a:lumMod val="20000"/>
+                <a:lumOff val="80000"/>
+              </a:schemeClr>
+            </a:solidFill>
             <a:tailEnd type="triangle"/>
           </a:ln>
         </p:spPr>
@@ -13256,18 +13313,237 @@
           </a:fontRef>
         </p:style>
       </p:cxnSp>
+      <p:cxnSp>
+        <p:nvCxnSpPr>
+          <p:cNvPr id="7" name="Straight Arrow Connector 6"/>
+          <p:cNvCxnSpPr>
+            <a:stCxn id="20" idx="6"/>
+          </p:cNvCxnSpPr>
+          <p:nvPr/>
+        </p:nvCxnSpPr>
+        <p:spPr>
+          <a:xfrm>
+            <a:off x="9526905" y="1635125"/>
+            <a:ext cx="1721485" cy="1221105"/>
+          </a:xfrm>
+          <a:prstGeom prst="straightConnector1">
+            <a:avLst/>
+          </a:prstGeom>
+          <a:ln>
+            <a:solidFill>
+              <a:schemeClr val="accent2">
+                <a:lumMod val="20000"/>
+                <a:lumOff val="80000"/>
+              </a:schemeClr>
+            </a:solidFill>
+            <a:tailEnd type="arrow"/>
+          </a:ln>
+        </p:spPr>
+        <p:style>
+          <a:lnRef idx="1">
+            <a:schemeClr val="accent1"/>
+          </a:lnRef>
+          <a:fillRef idx="0">
+            <a:schemeClr val="accent1"/>
+          </a:fillRef>
+          <a:effectRef idx="0">
+            <a:schemeClr val="accent1"/>
+          </a:effectRef>
+          <a:fontRef idx="minor">
+            <a:schemeClr val="tx1"/>
+          </a:fontRef>
+        </p:style>
+      </p:cxnSp>
+      <p:cxnSp>
+        <p:nvCxnSpPr>
+          <p:cNvPr id="8" name="Straight Arrow Connector 7"/>
+          <p:cNvCxnSpPr>
+            <a:stCxn id="22" idx="6"/>
+          </p:cNvCxnSpPr>
+          <p:nvPr/>
+        </p:nvCxnSpPr>
+        <p:spPr>
+          <a:xfrm>
+            <a:off x="9956165" y="3140710"/>
+            <a:ext cx="746760" cy="21590"/>
+          </a:xfrm>
+          <a:prstGeom prst="straightConnector1">
+            <a:avLst/>
+          </a:prstGeom>
+          <a:ln>
+            <a:solidFill>
+              <a:schemeClr val="accent2">
+                <a:lumMod val="20000"/>
+                <a:lumOff val="80000"/>
+              </a:schemeClr>
+            </a:solidFill>
+            <a:tailEnd type="arrow"/>
+          </a:ln>
+        </p:spPr>
+        <p:style>
+          <a:lnRef idx="1">
+            <a:schemeClr val="accent1"/>
+          </a:lnRef>
+          <a:fillRef idx="0">
+            <a:schemeClr val="accent1"/>
+          </a:fillRef>
+          <a:effectRef idx="0">
+            <a:schemeClr val="accent1"/>
+          </a:effectRef>
+          <a:fontRef idx="minor">
+            <a:schemeClr val="tx1"/>
+          </a:fontRef>
+        </p:style>
+      </p:cxnSp>
+      <p:cxnSp>
+        <p:nvCxnSpPr>
+          <p:cNvPr id="10" name="Straight Arrow Connector 9"/>
+          <p:cNvCxnSpPr>
+            <a:stCxn id="18" idx="6"/>
+          </p:cNvCxnSpPr>
+          <p:nvPr/>
+        </p:nvCxnSpPr>
+        <p:spPr>
+          <a:xfrm flipV="1">
+            <a:off x="9959340" y="3500755"/>
+            <a:ext cx="1031875" cy="1223010"/>
+          </a:xfrm>
+          <a:prstGeom prst="straightConnector1">
+            <a:avLst/>
+          </a:prstGeom>
+          <a:ln>
+            <a:solidFill>
+              <a:schemeClr val="accent2">
+                <a:lumMod val="20000"/>
+                <a:lumOff val="80000"/>
+              </a:schemeClr>
+            </a:solidFill>
+            <a:tailEnd type="arrow"/>
+          </a:ln>
+        </p:spPr>
+        <p:style>
+          <a:lnRef idx="1">
+            <a:schemeClr val="accent1"/>
+          </a:lnRef>
+          <a:fillRef idx="0">
+            <a:schemeClr val="accent1"/>
+          </a:fillRef>
+          <a:effectRef idx="0">
+            <a:schemeClr val="accent1"/>
+          </a:effectRef>
+          <a:fontRef idx="minor">
+            <a:schemeClr val="tx1"/>
+          </a:fontRef>
+        </p:style>
+      </p:cxnSp>
+      <p:sp>
+        <p:nvSpPr>
+          <p:cNvPr id="29" name="Oval 28"/>
+          <p:cNvSpPr/>
+          <p:nvPr/>
+        </p:nvSpPr>
+        <p:spPr>
+          <a:xfrm>
+            <a:off x="10666444" y="2786058"/>
+            <a:ext cx="1522381" cy="714380"/>
+          </a:xfrm>
+          <a:prstGeom prst="ellipse">
+            <a:avLst/>
+          </a:prstGeom>
+          <a:solidFill>
+            <a:schemeClr val="accent6">
+              <a:lumMod val="60000"/>
+              <a:lumOff val="40000"/>
+            </a:schemeClr>
+          </a:solidFill>
+          <a:ln>
+            <a:solidFill>
+              <a:schemeClr val="accent6">
+                <a:lumMod val="60000"/>
+                <a:lumOff val="40000"/>
+              </a:schemeClr>
+            </a:solidFill>
+          </a:ln>
+        </p:spPr>
+        <p:style>
+          <a:lnRef idx="2">
+            <a:schemeClr val="accent1">
+              <a:shade val="50000"/>
+            </a:schemeClr>
+          </a:lnRef>
+          <a:fillRef idx="1">
+            <a:schemeClr val="accent1"/>
+          </a:fillRef>
+          <a:effectRef idx="0">
+            <a:schemeClr val="accent1"/>
+          </a:effectRef>
+          <a:fontRef idx="minor">
+            <a:schemeClr val="lt1"/>
+          </a:fontRef>
+        </p:style>
+        <p:txBody>
+          <a:bodyPr rtlCol="0" anchor="ctr"/>
+          <a:lstStyle/>
+          <a:p>
+            <a:pPr algn="ctr"/>
+            <a:endParaRPr lang="en-US"/>
+          </a:p>
+        </p:txBody>
+      </p:sp>
+      <p:sp>
+        <p:nvSpPr>
+          <p:cNvPr id="30" name="TextBox 29"/>
+          <p:cNvSpPr txBox="1"/>
+          <p:nvPr/>
+        </p:nvSpPr>
+        <p:spPr>
+          <a:xfrm>
+            <a:off x="10952196" y="2928934"/>
+            <a:ext cx="1093753" cy="338554"/>
+          </a:xfrm>
+          <a:prstGeom prst="rect">
+            <a:avLst/>
+          </a:prstGeom>
+          <a:noFill/>
+        </p:spPr>
+        <p:txBody>
+          <a:bodyPr wrap="square" rtlCol="0">
+            <a:spAutoFit/>
+          </a:bodyPr>
+          <a:lstStyle/>
+          <a:p>
+            <a:r>
+              <a:rPr lang="en-US" sz="1600" b="1" dirty="0" smtClean="0">
+                <a:solidFill>
+                  <a:schemeClr val="bg1"/>
+                </a:solidFill>
+                <a:latin typeface="Times New Roman" pitchFamily="18" charset="0"/>
+                <a:cs typeface="Times New Roman" pitchFamily="18" charset="0"/>
+              </a:rPr>
+              <a:t>Logout</a:t>
+            </a:r>
+            <a:endParaRPr lang="en-US" sz="1600" b="1" dirty="0">
+              <a:solidFill>
+                <a:schemeClr val="bg1"/>
+              </a:solidFill>
+              <a:latin typeface="Times New Roman" pitchFamily="18" charset="0"/>
+              <a:cs typeface="Times New Roman" pitchFamily="18" charset="0"/>
+            </a:endParaRPr>
+          </a:p>
+        </p:txBody>
+      </p:sp>
     </p:spTree>
   </p:cSld>
   <p:clrMapOvr>
     <a:masterClrMapping/>
   </p:clrMapOvr>
-  <mc:AlternateContent xmlns:mc="http://schemas.openxmlformats.org/markup-compatibility/2006" xmlns:p14="http://schemas.microsoft.com/office/powerpoint/2010/main">
-    <mc:Choice Requires="p14">
+  <mc:AlternateContent xmlns:mc="http://schemas.openxmlformats.org/markup-compatibility/2006">
+    <mc:Choice xmlns:p14="http://schemas.microsoft.com/office/powerpoint/2010/main" xmlns="" Requires="p14">
       <p:transition spd="med" p14:dur="700">
         <p:fade/>
       </p:transition>
     </mc:Choice>
-    <mc:Fallback xmlns="">
+    <mc:Fallback>
       <p:transition spd="med">
         <p:fade/>
       </p:transition>
@@ -13416,13 +13692,13 @@
   <p:clrMapOvr>
     <a:masterClrMapping/>
   </p:clrMapOvr>
-  <mc:AlternateContent xmlns:mc="http://schemas.openxmlformats.org/markup-compatibility/2006" xmlns:p14="http://schemas.microsoft.com/office/powerpoint/2010/main">
-    <mc:Choice Requires="p14">
+  <mc:AlternateContent xmlns:mc="http://schemas.openxmlformats.org/markup-compatibility/2006">
+    <mc:Choice xmlns:p14="http://schemas.microsoft.com/office/powerpoint/2010/main" xmlns="" Requires="p14">
       <p:transition spd="med" p14:dur="700">
         <p:fade/>
       </p:transition>
     </mc:Choice>
-    <mc:Fallback xmlns="">
+    <mc:Fallback>
       <p:transition spd="med">
         <p:fade/>
       </p:transition>
@@ -13474,7 +13750,7 @@
     </a:clrScheme>
     <a:fontScheme name="Ion">
       <a:majorFont>
-        <a:latin typeface="Century Gothic" panose="020B0502020202020204"/>
+        <a:latin typeface="Century Gothic"/>
         <a:ea typeface=""/>
         <a:cs typeface=""/>
         <a:font script="Jpan" typeface="メイリオ"/>
@@ -13509,7 +13785,7 @@
         <a:font script="Geor" typeface="Sylfaen"/>
       </a:majorFont>
       <a:minorFont>
-        <a:latin typeface="Century Gothic" panose="020B0502020202020204"/>
+        <a:latin typeface="Century Gothic"/>
         <a:ea typeface=""/>
         <a:cs typeface=""/>
         <a:font script="Jpan" typeface="メイリオ"/>
@@ -13682,7 +13958,9 @@
               </a:schemeClr>
             </a:duotone>
           </a:blip>
-          <a:stretch/>
+          <a:stretch>
+            <a:fillRect/>
+          </a:stretch>
         </a:blipFill>
       </a:bgFillStyleLst>
     </a:fmtScheme>
@@ -13691,7 +13969,7 @@
   <a:extraClrSchemeLst/>
   <a:extLst>
     <a:ext uri="{05A4C25C-085E-4340-85A3-A5531E510DB2}">
-      <thm15:themeFamily xmlns:thm15="http://schemas.microsoft.com/office/thememl/2012/main" name="Ion" id="{B8441ADB-2E43-4AF7-B97A-BD870242C6A8}" vid="{292E63A9-BB86-4E3D-B92A-7223C6510D2E}"/>
+      <thm15:themeFamily xmlns:thm15="http://schemas.microsoft.com/office/thememl/2012/main" xmlns="" name="Office Theme" id="{62F939B6-93AF-4DB8-9C6B-D6C7DFDC589F}" vid="{4A3C46E8-61CC-4603-A589-7422A47A8E4A}"/>
     </a:ext>
   </a:extLst>
 </a:theme>
@@ -13915,7 +14193,7 @@
   <a:extraClrSchemeLst/>
   <a:extLst>
     <a:ext uri="{05A4C25C-085E-4340-85A3-A5531E510DB2}">
-      <thm15:themeFamily xmlns:thm15="http://schemas.microsoft.com/office/thememl/2012/main" name="Office Theme" id="{62F939B6-93AF-4DB8-9C6B-D6C7DFDC589F}" vid="{4A3C46E8-61CC-4603-A589-7422A47A8E4A}"/>
+      <thm15:themeFamily xmlns:thm15="http://schemas.microsoft.com/office/thememl/2012/main" xmlns="" name="Office Theme" id="{62F939B6-93AF-4DB8-9C6B-D6C7DFDC589F}" vid="{4A3C46E8-61CC-4603-A589-7422A47A8E4A}"/>
     </a:ext>
   </a:extLst>
 </a:theme>
@@ -14139,7 +14417,7 @@
   <a:extraClrSchemeLst/>
   <a:extLst>
     <a:ext uri="{05A4C25C-085E-4340-85A3-A5531E510DB2}">
-      <thm15:themeFamily xmlns:thm15="http://schemas.microsoft.com/office/thememl/2012/main" name="Office Theme" id="{62F939B6-93AF-4DB8-9C6B-D6C7DFDC589F}" vid="{4A3C46E8-61CC-4603-A589-7422A47A8E4A}"/>
+      <thm15:themeFamily xmlns:thm15="http://schemas.microsoft.com/office/thememl/2012/main" xmlns="" name="Office Theme" id="{62F939B6-93AF-4DB8-9C6B-D6C7DFDC589F}" vid="{4A3C46E8-61CC-4603-A589-7422A47A8E4A}"/>
     </a:ext>
   </a:extLst>
 </a:theme>

--- a/Project_Document/Presentation Library_Management_System.pptx
+++ b/Project_Document/Presentation Library_Management_System.pptx
@@ -115,6 +115,36 @@
       </a:defRPr>
     </a:lvl9pPr>
   </p:defaultTextStyle>
+  <p:extLst>
+    <p:ext uri="{EFAFB233-063F-42B5-8137-9DF3F51BA10A}">
+      <p15:sldGuideLst xmlns:p15="http://schemas.microsoft.com/office/powerpoint/2012/main">
+        <p15:guide id="1" orient="horz" pos="2160">
+          <p15:clr>
+            <a:srgbClr val="A4A3A4"/>
+          </p15:clr>
+        </p15:guide>
+        <p15:guide id="2" pos="3839">
+          <p15:clr>
+            <a:srgbClr val="A4A3A4"/>
+          </p15:clr>
+        </p15:guide>
+      </p15:sldGuideLst>
+    </p:ext>
+    <p:ext uri="{2D200454-40CA-4A62-9FC3-DE9A4176ACB9}">
+      <p15:notesGuideLst xmlns:p15="http://schemas.microsoft.com/office/powerpoint/2012/main">
+        <p15:guide id="1" orient="horz" pos="2880">
+          <p15:clr>
+            <a:srgbClr val="A4A3A4"/>
+          </p15:clr>
+        </p15:guide>
+        <p15:guide id="2" pos="2160">
+          <p15:clr>
+            <a:srgbClr val="A4A3A4"/>
+          </p15:clr>
+        </p15:guide>
+      </p15:notesGuideLst>
+    </p:ext>
+  </p:extLst>
 </p:presentation>
 </file>
 
@@ -1174,24 +1204,10 @@
         </dgm:presLayoutVars>
       </dgm:prSet>
       <dgm:spPr/>
-      <dgm:t>
-        <a:bodyPr/>
-        <a:lstStyle/>
-        <a:p>
-          <a:endParaRPr lang="en-US"/>
-        </a:p>
-      </dgm:t>
     </dgm:pt>
     <dgm:pt modelId="{7A12B315-EA92-4E8C-914E-FCF8B923D9BA}" type="pres">
       <dgm:prSet presAssocID="{477D14C5-CED9-4CFC-B338-DFB0C8090B9F}" presName="circ1" presStyleLbl="vennNode1" presStyleIdx="0" presStyleCnt="3"/>
       <dgm:spPr/>
-      <dgm:t>
-        <a:bodyPr/>
-        <a:lstStyle/>
-        <a:p>
-          <a:endParaRPr lang="en-US"/>
-        </a:p>
-      </dgm:t>
     </dgm:pt>
     <dgm:pt modelId="{1114C5CF-9DB7-4B7A-9D02-B353869E5D38}" type="pres">
       <dgm:prSet presAssocID="{477D14C5-CED9-4CFC-B338-DFB0C8090B9F}" presName="circ1Tx" presStyleLbl="revTx" presStyleIdx="0" presStyleCnt="0">
@@ -1202,24 +1218,10 @@
         </dgm:presLayoutVars>
       </dgm:prSet>
       <dgm:spPr/>
-      <dgm:t>
-        <a:bodyPr/>
-        <a:lstStyle/>
-        <a:p>
-          <a:endParaRPr lang="en-US"/>
-        </a:p>
-      </dgm:t>
     </dgm:pt>
     <dgm:pt modelId="{3469E5A2-93C2-49EF-825C-26E5802651A1}" type="pres">
       <dgm:prSet presAssocID="{3C67E77D-62FA-499D-B5E6-E79A091C5267}" presName="circ2" presStyleLbl="vennNode1" presStyleIdx="1" presStyleCnt="3"/>
       <dgm:spPr/>
-      <dgm:t>
-        <a:bodyPr/>
-        <a:lstStyle/>
-        <a:p>
-          <a:endParaRPr lang="en-US"/>
-        </a:p>
-      </dgm:t>
     </dgm:pt>
     <dgm:pt modelId="{EB02C228-AFBE-4EA8-ADAD-5E115CB980C7}" type="pres">
       <dgm:prSet presAssocID="{3C67E77D-62FA-499D-B5E6-E79A091C5267}" presName="circ2Tx" presStyleLbl="revTx" presStyleIdx="0" presStyleCnt="0">
@@ -1230,24 +1232,10 @@
         </dgm:presLayoutVars>
       </dgm:prSet>
       <dgm:spPr/>
-      <dgm:t>
-        <a:bodyPr/>
-        <a:lstStyle/>
-        <a:p>
-          <a:endParaRPr lang="en-US"/>
-        </a:p>
-      </dgm:t>
     </dgm:pt>
     <dgm:pt modelId="{2B11D8EC-23D3-4EEE-B141-81E29A0B04B6}" type="pres">
       <dgm:prSet presAssocID="{CC6B7442-0B72-4EF2-9F13-1325B51AFF9F}" presName="circ3" presStyleLbl="vennNode1" presStyleIdx="2" presStyleCnt="3"/>
       <dgm:spPr/>
-      <dgm:t>
-        <a:bodyPr/>
-        <a:lstStyle/>
-        <a:p>
-          <a:endParaRPr lang="en-US"/>
-        </a:p>
-      </dgm:t>
     </dgm:pt>
     <dgm:pt modelId="{99560A19-63A4-4F58-BF54-93D1A84B1A1C}" type="pres">
       <dgm:prSet presAssocID="{CC6B7442-0B72-4EF2-9F13-1325B51AFF9F}" presName="circ3Tx" presStyleLbl="revTx" presStyleIdx="0" presStyleCnt="0">
@@ -1258,26 +1246,19 @@
         </dgm:presLayoutVars>
       </dgm:prSet>
       <dgm:spPr/>
-      <dgm:t>
-        <a:bodyPr/>
-        <a:lstStyle/>
-        <a:p>
-          <a:endParaRPr lang="en-US"/>
-        </a:p>
-      </dgm:t>
     </dgm:pt>
   </dgm:ptLst>
   <dgm:cxnLst>
-    <dgm:cxn modelId="{32AA6160-4426-4C4D-93AE-E2F474E37AD9}" srcId="{90119837-5B71-4D44-BB01-DB0B084933C8}" destId="{3C67E77D-62FA-499D-B5E6-E79A091C5267}" srcOrd="1" destOrd="0" parTransId="{5337D229-E330-4525-B0FA-14EC5A80604A}" sibTransId="{C056AC5D-B04E-4376-A1CB-3EAB7BE5AF5B}"/>
-    <dgm:cxn modelId="{98BEF9E1-8D57-4A22-93E0-87299CF8A4AD}" type="presOf" srcId="{CC6B7442-0B72-4EF2-9F13-1325B51AFF9F}" destId="{2B11D8EC-23D3-4EEE-B141-81E29A0B04B6}" srcOrd="0" destOrd="0" presId="urn:microsoft.com/office/officeart/2005/8/layout/venn1"/>
-    <dgm:cxn modelId="{72EC0D90-B3C0-40C5-979A-2051A1711AC2}" type="presOf" srcId="{477D14C5-CED9-4CFC-B338-DFB0C8090B9F}" destId="{7A12B315-EA92-4E8C-914E-FCF8B923D9BA}" srcOrd="0" destOrd="0" presId="urn:microsoft.com/office/officeart/2005/8/layout/venn1"/>
-    <dgm:cxn modelId="{8314FB70-092A-47FB-83E3-C595090DBA48}" type="presOf" srcId="{477D14C5-CED9-4CFC-B338-DFB0C8090B9F}" destId="{1114C5CF-9DB7-4B7A-9D02-B353869E5D38}" srcOrd="1" destOrd="0" presId="urn:microsoft.com/office/officeart/2005/8/layout/venn1"/>
     <dgm:cxn modelId="{7D461F02-AB37-447A-AC6B-D31C4D2EC6A9}" srcId="{90119837-5B71-4D44-BB01-DB0B084933C8}" destId="{477D14C5-CED9-4CFC-B338-DFB0C8090B9F}" srcOrd="0" destOrd="0" parTransId="{92DFCBC7-BC14-4697-8ECD-BF0D5B1EDA3B}" sibTransId="{87E3C0DB-7BEE-424E-8E11-B838D238D595}"/>
     <dgm:cxn modelId="{25C8D00E-7E96-4A36-A375-D219ADDEF7E1}" type="presOf" srcId="{90119837-5B71-4D44-BB01-DB0B084933C8}" destId="{E16D65B4-494C-45C0-82F5-A63E581063CB}" srcOrd="0" destOrd="0" presId="urn:microsoft.com/office/officeart/2005/8/layout/venn1"/>
+    <dgm:cxn modelId="{32AA6160-4426-4C4D-93AE-E2F474E37AD9}" srcId="{90119837-5B71-4D44-BB01-DB0B084933C8}" destId="{3C67E77D-62FA-499D-B5E6-E79A091C5267}" srcOrd="1" destOrd="0" parTransId="{5337D229-E330-4525-B0FA-14EC5A80604A}" sibTransId="{C056AC5D-B04E-4376-A1CB-3EAB7BE5AF5B}"/>
+    <dgm:cxn modelId="{6A7A996A-CD4C-4228-8B30-C5D8E8EDF64D}" type="presOf" srcId="{3C67E77D-62FA-499D-B5E6-E79A091C5267}" destId="{EB02C228-AFBE-4EA8-ADAD-5E115CB980C7}" srcOrd="1" destOrd="0" presId="urn:microsoft.com/office/officeart/2005/8/layout/venn1"/>
+    <dgm:cxn modelId="{102D6D4D-90C9-40F4-A001-35DCC329B127}" srcId="{90119837-5B71-4D44-BB01-DB0B084933C8}" destId="{CC6B7442-0B72-4EF2-9F13-1325B51AFF9F}" srcOrd="2" destOrd="0" parTransId="{E3D139E0-5DC2-4F8E-9F8F-B3F0EBCD4689}" sibTransId="{FF80E1BA-0D6F-4EE8-9640-892A5897DBCD}"/>
+    <dgm:cxn modelId="{8314FB70-092A-47FB-83E3-C595090DBA48}" type="presOf" srcId="{477D14C5-CED9-4CFC-B338-DFB0C8090B9F}" destId="{1114C5CF-9DB7-4B7A-9D02-B353869E5D38}" srcOrd="1" destOrd="0" presId="urn:microsoft.com/office/officeart/2005/8/layout/venn1"/>
+    <dgm:cxn modelId="{72EC0D90-B3C0-40C5-979A-2051A1711AC2}" type="presOf" srcId="{477D14C5-CED9-4CFC-B338-DFB0C8090B9F}" destId="{7A12B315-EA92-4E8C-914E-FCF8B923D9BA}" srcOrd="0" destOrd="0" presId="urn:microsoft.com/office/officeart/2005/8/layout/venn1"/>
     <dgm:cxn modelId="{2F29C697-80C6-4535-BD23-A3D8AD090463}" type="presOf" srcId="{3C67E77D-62FA-499D-B5E6-E79A091C5267}" destId="{3469E5A2-93C2-49EF-825C-26E5802651A1}" srcOrd="0" destOrd="0" presId="urn:microsoft.com/office/officeart/2005/8/layout/venn1"/>
-    <dgm:cxn modelId="{6A7A996A-CD4C-4228-8B30-C5D8E8EDF64D}" type="presOf" srcId="{3C67E77D-62FA-499D-B5E6-E79A091C5267}" destId="{EB02C228-AFBE-4EA8-ADAD-5E115CB980C7}" srcOrd="1" destOrd="0" presId="urn:microsoft.com/office/officeart/2005/8/layout/venn1"/>
     <dgm:cxn modelId="{54CA38E1-8678-4786-A265-770FD25C3115}" type="presOf" srcId="{CC6B7442-0B72-4EF2-9F13-1325B51AFF9F}" destId="{99560A19-63A4-4F58-BF54-93D1A84B1A1C}" srcOrd="1" destOrd="0" presId="urn:microsoft.com/office/officeart/2005/8/layout/venn1"/>
-    <dgm:cxn modelId="{102D6D4D-90C9-40F4-A001-35DCC329B127}" srcId="{90119837-5B71-4D44-BB01-DB0B084933C8}" destId="{CC6B7442-0B72-4EF2-9F13-1325B51AFF9F}" srcOrd="2" destOrd="0" parTransId="{E3D139E0-5DC2-4F8E-9F8F-B3F0EBCD4689}" sibTransId="{FF80E1BA-0D6F-4EE8-9640-892A5897DBCD}"/>
+    <dgm:cxn modelId="{98BEF9E1-8D57-4A22-93E0-87299CF8A4AD}" type="presOf" srcId="{CC6B7442-0B72-4EF2-9F13-1325B51AFF9F}" destId="{2B11D8EC-23D3-4EEE-B141-81E29A0B04B6}" srcOrd="0" destOrd="0" presId="urn:microsoft.com/office/officeart/2005/8/layout/venn1"/>
     <dgm:cxn modelId="{44472F79-9B0F-4D76-8B36-0088629008C0}" type="presParOf" srcId="{E16D65B4-494C-45C0-82F5-A63E581063CB}" destId="{7A12B315-EA92-4E8C-914E-FCF8B923D9BA}" srcOrd="0" destOrd="0" presId="urn:microsoft.com/office/officeart/2005/8/layout/venn1"/>
     <dgm:cxn modelId="{EED42847-ACC7-4B5B-B7A1-8F60C94743CB}" type="presParOf" srcId="{E16D65B4-494C-45C0-82F5-A63E581063CB}" destId="{1114C5CF-9DB7-4B7A-9D02-B353869E5D38}" srcOrd="1" destOrd="0" presId="urn:microsoft.com/office/officeart/2005/8/layout/venn1"/>
     <dgm:cxn modelId="{EA084191-AAFD-4120-8E5D-065F61D9C184}" type="presParOf" srcId="{E16D65B4-494C-45C0-82F5-A63E581063CB}" destId="{3469E5A2-93C2-49EF-825C-26E5802651A1}" srcOrd="2" destOrd="0" presId="urn:microsoft.com/office/officeart/2005/8/layout/venn1"/>
@@ -1289,49 +1270,71 @@
   <dgm:whole/>
   <dgm:extLst>
     <a:ext uri="http://schemas.microsoft.com/office/drawing/2008/diagram">
-      <dsp:dataModelExt xmlns:dsp="http://schemas.microsoft.com/office/drawing/2008/diagram" xmlns="" relId="rId5" minVer="http://schemas.openxmlformats.org/drawingml/2006/diagram"/>
+      <dsp:dataModelExt xmlns:dsp="http://schemas.microsoft.com/office/drawing/2008/diagram" relId="rId6" minVer="http://schemas.openxmlformats.org/drawingml/2006/diagram"/>
     </a:ext>
   </dgm:extLst>
 </dgm:dataModel>
 </file>
 
 <file path=ppt/diagrams/drawing1.xml><?xml version="1.0" encoding="utf-8"?>
-<dsp:drawing xmlns:dgm="http://schemas.openxmlformats.org/drawingml/2006/diagram" xmlns:dsp="http://schemas.microsoft.com/office/drawing/2008/diagram" xmlns:a="http://schemas.openxmlformats.org/drawingml/2006/main" xmlns:r="http://schemas.openxmlformats.org/officeDocument/2006/relationships">
+<dsp:drawing xmlns:dgm="http://schemas.openxmlformats.org/drawingml/2006/diagram" xmlns:dsp="http://schemas.microsoft.com/office/drawing/2008/diagram" xmlns:a="http://schemas.openxmlformats.org/drawingml/2006/main">
   <dsp:spTree>
     <dsp:nvGrpSpPr>
-      <dsp:cNvPr id="2" name="Group 1"/>
+      <dsp:cNvPr id="0" name=""/>
       <dsp:cNvGrpSpPr/>
     </dsp:nvGrpSpPr>
-    <dsp:grpSpPr>
-      <a:xfrm>
-        <a:off x="0" y="0"/>
-        <a:ext cx="4267200" cy="4267200"/>
-        <a:chOff x="0" y="0"/>
-        <a:chExt cx="4267200" cy="4267200"/>
-      </a:xfrm>
-    </dsp:grpSpPr>
+    <dsp:grpSpPr/>
     <dsp:sp modelId="{7A12B315-EA92-4E8C-914E-FCF8B923D9BA}">
       <dsp:nvSpPr>
-        <dsp:cNvPr id="3" name="Oval 2"/>
+        <dsp:cNvPr id="0" name=""/>
         <dsp:cNvSpPr/>
       </dsp:nvSpPr>
-      <dsp:spPr bwMode="white">
+      <dsp:spPr>
         <a:xfrm>
-          <a:off x="929640" y="53340"/>
+          <a:off x="929639" y="53339"/>
           <a:ext cx="2560320" cy="2560320"/>
         </a:xfrm>
         <a:prstGeom prst="ellipse">
           <a:avLst/>
         </a:prstGeom>
+        <a:gradFill rotWithShape="0">
+          <a:gsLst>
+            <a:gs pos="0">
+              <a:schemeClr val="accent2">
+                <a:alpha val="50000"/>
+                <a:hueOff val="0"/>
+                <a:satOff val="0"/>
+                <a:lumOff val="0"/>
+                <a:alphaOff val="0"/>
+                <a:tint val="98000"/>
+                <a:lumMod val="114000"/>
+              </a:schemeClr>
+            </a:gs>
+            <a:gs pos="100000">
+              <a:schemeClr val="accent2">
+                <a:alpha val="50000"/>
+                <a:hueOff val="0"/>
+                <a:satOff val="0"/>
+                <a:lumOff val="0"/>
+                <a:alphaOff val="0"/>
+                <a:shade val="90000"/>
+                <a:lumMod val="84000"/>
+              </a:schemeClr>
+            </a:gs>
+          </a:gsLst>
+          <a:lin ang="5400000" scaled="0"/>
+        </a:gradFill>
+        <a:ln>
+          <a:noFill/>
+        </a:ln>
+        <a:effectLst/>
       </dsp:spPr>
       <dsp:style>
         <a:lnRef idx="0">
-          <a:schemeClr val="lt1"/>
+          <a:scrgbClr r="0" g="0" b="0"/>
         </a:lnRef>
         <a:fillRef idx="3">
-          <a:schemeClr val="accent2">
-            <a:alpha val="50000"/>
-          </a:schemeClr>
+          <a:scrgbClr r="0" g="0" b="0"/>
         </a:fillRef>
         <a:effectRef idx="0">
           <a:scrgbClr r="0" g="0" b="0"/>
@@ -1341,40 +1344,14 @@
         </a:fontRef>
       </dsp:style>
       <dsp:txBody>
-        <a:bodyPr lIns="0" tIns="0" rIns="0" bIns="0" anchor="ctr"/>
-        <a:lstStyle>
-          <a:lvl1pPr algn="ctr">
-            <a:defRPr sz="2400"/>
-          </a:lvl1pPr>
-          <a:lvl2pPr marL="171450" indent="-171450" algn="ctr">
-            <a:defRPr sz="1800"/>
-          </a:lvl2pPr>
-          <a:lvl3pPr marL="342900" indent="-171450" algn="ctr">
-            <a:defRPr sz="1800"/>
-          </a:lvl3pPr>
-          <a:lvl4pPr marL="514350" indent="-171450" algn="ctr">
-            <a:defRPr sz="1800"/>
-          </a:lvl4pPr>
-          <a:lvl5pPr marL="685800" indent="-171450" algn="ctr">
-            <a:defRPr sz="1800"/>
-          </a:lvl5pPr>
-          <a:lvl6pPr marL="857250" indent="-171450" algn="ctr">
-            <a:defRPr sz="1800"/>
-          </a:lvl6pPr>
-          <a:lvl7pPr marL="1028700" indent="-171450" algn="ctr">
-            <a:defRPr sz="1800"/>
-          </a:lvl7pPr>
-          <a:lvl8pPr marL="1200150" indent="-171450" algn="ctr">
-            <a:defRPr sz="1800"/>
-          </a:lvl8pPr>
-          <a:lvl9pPr marL="1371600" indent="-171450" algn="ctr">
-            <a:defRPr sz="1800"/>
-          </a:lvl9pPr>
-        </a:lstStyle>
+        <a:bodyPr spcFirstLastPara="0" vert="horz" wrap="square" lIns="0" tIns="0" rIns="0" bIns="0" numCol="1" spcCol="1270" anchor="ctr" anchorCtr="0">
+          <a:noAutofit/>
+        </a:bodyPr>
+        <a:lstStyle/>
         <a:p>
-          <a:pPr lvl="0">
+          <a:pPr marL="0" lvl="0" indent="0" algn="ctr" defTabSz="1066800">
             <a:lnSpc>
-              <a:spcPct val="100000"/>
+              <a:spcPct val="90000"/>
             </a:lnSpc>
             <a:spcBef>
               <a:spcPct val="0"/>
@@ -1382,49 +1359,70 @@
             <a:spcAft>
               <a:spcPct val="35000"/>
             </a:spcAft>
+            <a:buNone/>
           </a:pPr>
           <a:r>
-            <a:rPr lang="en-US" dirty="0">
-              <a:solidFill>
-                <a:schemeClr val="tx1"/>
-              </a:solidFill>
-            </a:rPr>
+            <a:rPr lang="en-US" sz="2400" kern="1200" dirty="0"/>
             <a:t>Front-end </a:t>
           </a:r>
-          <a:endParaRPr>
-            <a:solidFill>
-              <a:schemeClr val="tx1"/>
-            </a:solidFill>
-          </a:endParaRPr>
         </a:p>
       </dsp:txBody>
       <dsp:txXfrm>
-        <a:off x="929640" y="53340"/>
-        <a:ext cx="2560320" cy="2560320"/>
+        <a:off x="1271015" y="501395"/>
+        <a:ext cx="1877568" cy="1152144"/>
       </dsp:txXfrm>
     </dsp:sp>
     <dsp:sp modelId="{3469E5A2-93C2-49EF-825C-26E5802651A1}">
       <dsp:nvSpPr>
-        <dsp:cNvPr id="4" name="Oval 3"/>
+        <dsp:cNvPr id="0" name=""/>
         <dsp:cNvSpPr/>
       </dsp:nvSpPr>
-      <dsp:spPr bwMode="white">
+      <dsp:spPr>
         <a:xfrm>
-          <a:off x="1853489" y="1653540"/>
+          <a:off x="1853488" y="1653540"/>
           <a:ext cx="2560320" cy="2560320"/>
         </a:xfrm>
         <a:prstGeom prst="ellipse">
           <a:avLst/>
         </a:prstGeom>
+        <a:gradFill rotWithShape="0">
+          <a:gsLst>
+            <a:gs pos="0">
+              <a:schemeClr val="accent3">
+                <a:alpha val="50000"/>
+                <a:hueOff val="0"/>
+                <a:satOff val="0"/>
+                <a:lumOff val="0"/>
+                <a:alphaOff val="0"/>
+                <a:tint val="98000"/>
+                <a:lumMod val="114000"/>
+              </a:schemeClr>
+            </a:gs>
+            <a:gs pos="100000">
+              <a:schemeClr val="accent3">
+                <a:alpha val="50000"/>
+                <a:hueOff val="0"/>
+                <a:satOff val="0"/>
+                <a:lumOff val="0"/>
+                <a:alphaOff val="0"/>
+                <a:shade val="90000"/>
+                <a:lumMod val="84000"/>
+              </a:schemeClr>
+            </a:gs>
+          </a:gsLst>
+          <a:lin ang="5400000" scaled="0"/>
+        </a:gradFill>
+        <a:ln>
+          <a:noFill/>
+        </a:ln>
+        <a:effectLst/>
       </dsp:spPr>
       <dsp:style>
         <a:lnRef idx="0">
-          <a:schemeClr val="lt1"/>
+          <a:scrgbClr r="0" g="0" b="0"/>
         </a:lnRef>
         <a:fillRef idx="3">
-          <a:schemeClr val="accent3">
-            <a:alpha val="50000"/>
-          </a:schemeClr>
+          <a:scrgbClr r="0" g="0" b="0"/>
         </a:fillRef>
         <a:effectRef idx="0">
           <a:scrgbClr r="0" g="0" b="0"/>
@@ -1434,40 +1432,14 @@
         </a:fontRef>
       </dsp:style>
       <dsp:txBody>
-        <a:bodyPr lIns="0" tIns="0" rIns="0" bIns="0" anchor="ctr"/>
-        <a:lstStyle>
-          <a:lvl1pPr algn="ctr">
-            <a:defRPr sz="2400"/>
-          </a:lvl1pPr>
-          <a:lvl2pPr marL="171450" indent="-171450" algn="ctr">
-            <a:defRPr sz="1800"/>
-          </a:lvl2pPr>
-          <a:lvl3pPr marL="342900" indent="-171450" algn="ctr">
-            <a:defRPr sz="1800"/>
-          </a:lvl3pPr>
-          <a:lvl4pPr marL="514350" indent="-171450" algn="ctr">
-            <a:defRPr sz="1800"/>
-          </a:lvl4pPr>
-          <a:lvl5pPr marL="685800" indent="-171450" algn="ctr">
-            <a:defRPr sz="1800"/>
-          </a:lvl5pPr>
-          <a:lvl6pPr marL="857250" indent="-171450" algn="ctr">
-            <a:defRPr sz="1800"/>
-          </a:lvl6pPr>
-          <a:lvl7pPr marL="1028700" indent="-171450" algn="ctr">
-            <a:defRPr sz="1800"/>
-          </a:lvl7pPr>
-          <a:lvl8pPr marL="1200150" indent="-171450" algn="ctr">
-            <a:defRPr sz="1800"/>
-          </a:lvl8pPr>
-          <a:lvl9pPr marL="1371600" indent="-171450" algn="ctr">
-            <a:defRPr sz="1800"/>
-          </a:lvl9pPr>
-        </a:lstStyle>
+        <a:bodyPr spcFirstLastPara="0" vert="horz" wrap="square" lIns="0" tIns="0" rIns="0" bIns="0" numCol="1" spcCol="1270" anchor="ctr" anchorCtr="0">
+          <a:noAutofit/>
+        </a:bodyPr>
+        <a:lstStyle/>
         <a:p>
-          <a:pPr lvl="0">
+          <a:pPr marL="0" lvl="0" indent="0" algn="ctr" defTabSz="1066800">
             <a:lnSpc>
-              <a:spcPct val="100000"/>
+              <a:spcPct val="90000"/>
             </a:lnSpc>
             <a:spcBef>
               <a:spcPct val="0"/>
@@ -1475,33 +1447,25 @@
             <a:spcAft>
               <a:spcPct val="35000"/>
             </a:spcAft>
+            <a:buNone/>
           </a:pPr>
           <a:r>
-            <a:rPr lang="en-US" dirty="0">
-              <a:solidFill>
-                <a:schemeClr val="tx1"/>
-              </a:solidFill>
-            </a:rPr>
+            <a:rPr lang="en-US" sz="2400" kern="1200" dirty="0"/>
             <a:t>Back-end</a:t>
           </a:r>
-          <a:endParaRPr>
-            <a:solidFill>
-              <a:schemeClr val="tx1"/>
-            </a:solidFill>
-          </a:endParaRPr>
         </a:p>
       </dsp:txBody>
       <dsp:txXfrm>
-        <a:off x="1853489" y="1653540"/>
-        <a:ext cx="2560320" cy="2560320"/>
+        <a:off x="2636520" y="2314955"/>
+        <a:ext cx="1536192" cy="1408176"/>
       </dsp:txXfrm>
     </dsp:sp>
     <dsp:sp modelId="{2B11D8EC-23D3-4EEE-B141-81E29A0B04B6}">
       <dsp:nvSpPr>
-        <dsp:cNvPr id="5" name="Oval 4"/>
+        <dsp:cNvPr id="0" name=""/>
         <dsp:cNvSpPr/>
       </dsp:nvSpPr>
-      <dsp:spPr bwMode="white">
+      <dsp:spPr>
         <a:xfrm>
           <a:off x="5791" y="1653540"/>
           <a:ext cx="2560320" cy="2560320"/>
@@ -1509,15 +1473,44 @@
         <a:prstGeom prst="ellipse">
           <a:avLst/>
         </a:prstGeom>
+        <a:gradFill rotWithShape="0">
+          <a:gsLst>
+            <a:gs pos="0">
+              <a:schemeClr val="accent4">
+                <a:alpha val="50000"/>
+                <a:hueOff val="0"/>
+                <a:satOff val="0"/>
+                <a:lumOff val="0"/>
+                <a:alphaOff val="0"/>
+                <a:tint val="98000"/>
+                <a:lumMod val="114000"/>
+              </a:schemeClr>
+            </a:gs>
+            <a:gs pos="100000">
+              <a:schemeClr val="accent4">
+                <a:alpha val="50000"/>
+                <a:hueOff val="0"/>
+                <a:satOff val="0"/>
+                <a:lumOff val="0"/>
+                <a:alphaOff val="0"/>
+                <a:shade val="90000"/>
+                <a:lumMod val="84000"/>
+              </a:schemeClr>
+            </a:gs>
+          </a:gsLst>
+          <a:lin ang="5400000" scaled="0"/>
+        </a:gradFill>
+        <a:ln>
+          <a:noFill/>
+        </a:ln>
+        <a:effectLst/>
       </dsp:spPr>
       <dsp:style>
         <a:lnRef idx="0">
-          <a:schemeClr val="lt1"/>
+          <a:scrgbClr r="0" g="0" b="0"/>
         </a:lnRef>
         <a:fillRef idx="3">
-          <a:schemeClr val="accent4">
-            <a:alpha val="50000"/>
-          </a:schemeClr>
+          <a:scrgbClr r="0" g="0" b="0"/>
         </a:fillRef>
         <a:effectRef idx="0">
           <a:scrgbClr r="0" g="0" b="0"/>
@@ -1527,40 +1520,14 @@
         </a:fontRef>
       </dsp:style>
       <dsp:txBody>
-        <a:bodyPr lIns="0" tIns="0" rIns="0" bIns="0" anchor="ctr"/>
-        <a:lstStyle>
-          <a:lvl1pPr algn="ctr">
-            <a:defRPr sz="2400"/>
-          </a:lvl1pPr>
-          <a:lvl2pPr marL="171450" indent="-171450" algn="ctr">
-            <a:defRPr sz="1800"/>
-          </a:lvl2pPr>
-          <a:lvl3pPr marL="342900" indent="-171450" algn="ctr">
-            <a:defRPr sz="1800"/>
-          </a:lvl3pPr>
-          <a:lvl4pPr marL="514350" indent="-171450" algn="ctr">
-            <a:defRPr sz="1800"/>
-          </a:lvl4pPr>
-          <a:lvl5pPr marL="685800" indent="-171450" algn="ctr">
-            <a:defRPr sz="1800"/>
-          </a:lvl5pPr>
-          <a:lvl6pPr marL="857250" indent="-171450" algn="ctr">
-            <a:defRPr sz="1800"/>
-          </a:lvl6pPr>
-          <a:lvl7pPr marL="1028700" indent="-171450" algn="ctr">
-            <a:defRPr sz="1800"/>
-          </a:lvl7pPr>
-          <a:lvl8pPr marL="1200150" indent="-171450" algn="ctr">
-            <a:defRPr sz="1800"/>
-          </a:lvl8pPr>
-          <a:lvl9pPr marL="1371600" indent="-171450" algn="ctr">
-            <a:defRPr sz="1800"/>
-          </a:lvl9pPr>
-        </a:lstStyle>
+        <a:bodyPr spcFirstLastPara="0" vert="horz" wrap="square" lIns="0" tIns="0" rIns="0" bIns="0" numCol="1" spcCol="1270" anchor="ctr" anchorCtr="0">
+          <a:noAutofit/>
+        </a:bodyPr>
+        <a:lstStyle/>
         <a:p>
-          <a:pPr lvl="0">
+          <a:pPr marL="0" lvl="0" indent="0" algn="ctr" defTabSz="1066800">
             <a:lnSpc>
-              <a:spcPct val="100000"/>
+              <a:spcPct val="90000"/>
             </a:lnSpc>
             <a:spcBef>
               <a:spcPct val="0"/>
@@ -1568,25 +1535,17 @@
             <a:spcAft>
               <a:spcPct val="35000"/>
             </a:spcAft>
+            <a:buNone/>
           </a:pPr>
           <a:r>
-            <a:rPr lang="en-US" dirty="0">
-              <a:solidFill>
-                <a:schemeClr val="tx1"/>
-              </a:solidFill>
-            </a:rPr>
+            <a:rPr lang="en-US" sz="2400" kern="1200" dirty="0"/>
             <a:t>Database</a:t>
           </a:r>
-          <a:endParaRPr>
-            <a:solidFill>
-              <a:schemeClr val="tx1"/>
-            </a:solidFill>
-          </a:endParaRPr>
         </a:p>
       </dsp:txBody>
       <dsp:txXfrm>
-        <a:off x="5791" y="1653540"/>
-        <a:ext cx="2560320" cy="2560320"/>
+        <a:off x="246887" y="2314955"/>
+        <a:ext cx="1536192" cy="1408176"/>
       </dsp:txXfrm>
     </dsp:sp>
   </dsp:spTree>
@@ -3585,7 +3544,7 @@
             <a:fld id="{1C482589-CB2F-4003-801D-095B67490E73}" type="datetimeFigureOut">
               <a:rPr lang="en-US"/>
               <a:pPr/>
-              <a:t>3/27/2022</a:t>
+              <a:t>3/31/2022</a:t>
             </a:fld>
             <a:endParaRPr lang="en-US"/>
           </a:p>
@@ -3659,6 +3618,11 @@
         </p:txBody>
       </p:sp>
     </p:spTree>
+    <p:extLst>
+      <p:ext uri="{BB962C8B-B14F-4D97-AF65-F5344CB8AC3E}">
+        <p14:creationId xmlns:p14="http://schemas.microsoft.com/office/powerpoint/2010/main" val="1"/>
+      </p:ext>
+    </p:extLst>
   </p:cSld>
   <p:clrMap bg1="lt1" tx1="dk1" bg2="lt2" tx2="dk2" accent1="accent1" accent2="accent2" accent3="accent3" accent4="accent4" accent5="accent5" accent6="accent6" hlink="hlink" folHlink="folHlink"/>
 </p:handoutMaster>
@@ -3747,7 +3711,7 @@
             <a:fld id="{2A7D4DBF-746C-4C25-853D-8A1CBE8404F4}" type="datetimeFigureOut">
               <a:rPr lang="en-US"/>
               <a:pPr/>
-              <a:t>3/27/2022</a:t>
+              <a:t>3/31/2022</a:t>
             </a:fld>
             <a:endParaRPr lang="en-US"/>
           </a:p>
@@ -4192,7 +4156,7 @@
             <a:fld id="{4AAD347D-5ACD-4C99-B74B-A9C85AD731AF}" type="datetimeFigureOut">
               <a:rPr lang="en-US" smtClean="0"/>
               <a:pPr/>
-              <a:t>3/27/2022</a:t>
+              <a:t>3/31/2022</a:t>
             </a:fld>
             <a:endParaRPr lang="en-US" dirty="0"/>
           </a:p>
@@ -4246,13 +4210,13 @@
   <p:clrMapOvr>
     <a:masterClrMapping/>
   </p:clrMapOvr>
-  <mc:AlternateContent xmlns:mc="http://schemas.openxmlformats.org/markup-compatibility/2006">
-    <mc:Choice xmlns:p14="http://schemas.microsoft.com/office/powerpoint/2010/main" xmlns="" Requires="p14">
+  <mc:AlternateContent xmlns:mc="http://schemas.openxmlformats.org/markup-compatibility/2006" xmlns:p14="http://schemas.microsoft.com/office/powerpoint/2010/main">
+    <mc:Choice Requires="p14">
       <p:transition spd="med" p14:dur="700">
         <p:fade/>
       </p:transition>
     </mc:Choice>
-    <mc:Fallback>
+    <mc:Fallback xmlns="">
       <p:transition spd="med">
         <p:fade/>
       </p:transition>
@@ -4476,7 +4440,7 @@
             <a:fld id="{881DC1F7-A9E9-4D8B-8C97-C74523B2CF2A}" type="datetimeFigureOut">
               <a:rPr lang="en-US" smtClean="0"/>
               <a:pPr/>
-              <a:t>3/27/2022</a:t>
+              <a:t>3/31/2022</a:t>
             </a:fld>
             <a:endParaRPr lang="en-US"/>
           </a:p>
@@ -4530,13 +4494,13 @@
   <p:clrMapOvr>
     <a:masterClrMapping/>
   </p:clrMapOvr>
-  <mc:AlternateContent xmlns:mc="http://schemas.openxmlformats.org/markup-compatibility/2006">
-    <mc:Choice xmlns:p14="http://schemas.microsoft.com/office/powerpoint/2010/main" xmlns="" Requires="p14">
+  <mc:AlternateContent xmlns:mc="http://schemas.openxmlformats.org/markup-compatibility/2006" xmlns:p14="http://schemas.microsoft.com/office/powerpoint/2010/main">
+    <mc:Choice Requires="p14">
       <p:transition spd="med" p14:dur="700">
         <p:fade/>
       </p:transition>
     </mc:Choice>
-    <mc:Fallback>
+    <mc:Fallback xmlns="">
       <p:transition spd="med">
         <p:fade/>
       </p:transition>
@@ -4679,7 +4643,7 @@
             <a:fld id="{881DC1F7-A9E9-4D8B-8C97-C74523B2CF2A}" type="datetimeFigureOut">
               <a:rPr lang="en-US" smtClean="0"/>
               <a:pPr/>
-              <a:t>3/27/2022</a:t>
+              <a:t>3/31/2022</a:t>
             </a:fld>
             <a:endParaRPr lang="en-US"/>
           </a:p>
@@ -4733,13 +4697,13 @@
   <p:clrMapOvr>
     <a:masterClrMapping/>
   </p:clrMapOvr>
-  <mc:AlternateContent xmlns:mc="http://schemas.openxmlformats.org/markup-compatibility/2006">
-    <mc:Choice xmlns:p14="http://schemas.microsoft.com/office/powerpoint/2010/main" xmlns="" Requires="p14">
+  <mc:AlternateContent xmlns:mc="http://schemas.openxmlformats.org/markup-compatibility/2006" xmlns:p14="http://schemas.microsoft.com/office/powerpoint/2010/main">
+    <mc:Choice Requires="p14">
       <p:transition spd="med" p14:dur="700">
         <p:fade/>
       </p:transition>
     </mc:Choice>
-    <mc:Fallback>
+    <mc:Fallback xmlns="">
       <p:transition spd="med">
         <p:fade/>
       </p:transition>
@@ -4961,7 +4925,7 @@
             <a:fld id="{881DC1F7-A9E9-4D8B-8C97-C74523B2CF2A}" type="datetimeFigureOut">
               <a:rPr lang="en-US" smtClean="0"/>
               <a:pPr/>
-              <a:t>3/27/2022</a:t>
+              <a:t>3/31/2022</a:t>
             </a:fld>
             <a:endParaRPr lang="en-US"/>
           </a:p>
@@ -5109,13 +5073,13 @@
   <p:clrMapOvr>
     <a:masterClrMapping/>
   </p:clrMapOvr>
-  <mc:AlternateContent xmlns:mc="http://schemas.openxmlformats.org/markup-compatibility/2006">
-    <mc:Choice xmlns:p14="http://schemas.microsoft.com/office/powerpoint/2010/main" xmlns="" Requires="p14">
+  <mc:AlternateContent xmlns:mc="http://schemas.openxmlformats.org/markup-compatibility/2006" xmlns:p14="http://schemas.microsoft.com/office/powerpoint/2010/main">
+    <mc:Choice Requires="p14">
       <p:transition spd="med" p14:dur="700">
         <p:fade/>
       </p:transition>
     </mc:Choice>
-    <mc:Fallback>
+    <mc:Fallback xmlns="">
       <p:transition spd="med">
         <p:fade/>
       </p:transition>
@@ -5311,7 +5275,7 @@
             <a:fld id="{881DC1F7-A9E9-4D8B-8C97-C74523B2CF2A}" type="datetimeFigureOut">
               <a:rPr lang="en-US" smtClean="0"/>
               <a:pPr/>
-              <a:t>3/27/2022</a:t>
+              <a:t>3/31/2022</a:t>
             </a:fld>
             <a:endParaRPr lang="en-US"/>
           </a:p>
@@ -5365,13 +5329,13 @@
   <p:clrMapOvr>
     <a:masterClrMapping/>
   </p:clrMapOvr>
-  <mc:AlternateContent xmlns:mc="http://schemas.openxmlformats.org/markup-compatibility/2006">
-    <mc:Choice xmlns:p14="http://schemas.microsoft.com/office/powerpoint/2010/main" xmlns="" Requires="p14">
+  <mc:AlternateContent xmlns:mc="http://schemas.openxmlformats.org/markup-compatibility/2006" xmlns:p14="http://schemas.microsoft.com/office/powerpoint/2010/main">
+    <mc:Choice Requires="p14">
       <p:transition spd="med" p14:dur="700">
         <p:fade/>
       </p:transition>
     </mc:Choice>
-    <mc:Fallback>
+    <mc:Fallback xmlns="">
       <p:transition spd="med">
         <p:fade/>
       </p:transition>
@@ -5943,7 +5907,7 @@
             <a:fld id="{881DC1F7-A9E9-4D8B-8C97-C74523B2CF2A}" type="datetimeFigureOut">
               <a:rPr lang="en-US" smtClean="0"/>
               <a:pPr/>
-              <a:t>3/27/2022</a:t>
+              <a:t>3/31/2022</a:t>
             </a:fld>
             <a:endParaRPr lang="en-US"/>
           </a:p>
@@ -5997,13 +5961,13 @@
   <p:clrMapOvr>
     <a:masterClrMapping/>
   </p:clrMapOvr>
-  <mc:AlternateContent xmlns:mc="http://schemas.openxmlformats.org/markup-compatibility/2006">
-    <mc:Choice xmlns:p14="http://schemas.microsoft.com/office/powerpoint/2010/main" xmlns="" Requires="p14">
+  <mc:AlternateContent xmlns:mc="http://schemas.openxmlformats.org/markup-compatibility/2006" xmlns:p14="http://schemas.microsoft.com/office/powerpoint/2010/main">
+    <mc:Choice Requires="p14">
       <p:transition spd="med" p14:dur="700">
         <p:fade/>
       </p:transition>
     </mc:Choice>
-    <mc:Fallback>
+    <mc:Fallback xmlns="">
       <p:transition spd="med">
         <p:fade/>
       </p:transition>
@@ -6812,7 +6776,7 @@
             <a:fld id="{881DC1F7-A9E9-4D8B-8C97-C74523B2CF2A}" type="datetimeFigureOut">
               <a:rPr lang="en-US" smtClean="0"/>
               <a:pPr/>
-              <a:t>3/27/2022</a:t>
+              <a:t>3/31/2022</a:t>
             </a:fld>
             <a:endParaRPr lang="en-US"/>
           </a:p>
@@ -6866,13 +6830,13 @@
   <p:clrMapOvr>
     <a:masterClrMapping/>
   </p:clrMapOvr>
-  <mc:AlternateContent xmlns:mc="http://schemas.openxmlformats.org/markup-compatibility/2006">
-    <mc:Choice xmlns:p14="http://schemas.microsoft.com/office/powerpoint/2010/main" xmlns="" Requires="p14">
+  <mc:AlternateContent xmlns:mc="http://schemas.openxmlformats.org/markup-compatibility/2006" xmlns:p14="http://schemas.microsoft.com/office/powerpoint/2010/main">
+    <mc:Choice Requires="p14">
       <p:transition spd="med" p14:dur="700">
         <p:fade/>
       </p:transition>
     </mc:Choice>
-    <mc:Fallback>
+    <mc:Fallback xmlns="">
       <p:transition spd="med">
         <p:fade/>
       </p:transition>
@@ -6991,7 +6955,7 @@
             <a:fld id="{881DC1F7-A9E9-4D8B-8C97-C74523B2CF2A}" type="datetimeFigureOut">
               <a:rPr lang="en-US" smtClean="0"/>
               <a:pPr/>
-              <a:t>3/27/2022</a:t>
+              <a:t>3/31/2022</a:t>
             </a:fld>
             <a:endParaRPr lang="en-US"/>
           </a:p>
@@ -7045,13 +7009,13 @@
   <p:clrMapOvr>
     <a:masterClrMapping/>
   </p:clrMapOvr>
-  <mc:AlternateContent xmlns:mc="http://schemas.openxmlformats.org/markup-compatibility/2006">
-    <mc:Choice xmlns:p14="http://schemas.microsoft.com/office/powerpoint/2010/main" xmlns="" Requires="p14">
+  <mc:AlternateContent xmlns:mc="http://schemas.openxmlformats.org/markup-compatibility/2006" xmlns:p14="http://schemas.microsoft.com/office/powerpoint/2010/main">
+    <mc:Choice Requires="p14">
       <p:transition spd="med" p14:dur="700">
         <p:fade/>
       </p:transition>
     </mc:Choice>
-    <mc:Fallback>
+    <mc:Fallback xmlns="">
       <p:transition spd="med">
         <p:fade/>
       </p:transition>
@@ -7180,7 +7144,7 @@
             <a:fld id="{881DC1F7-A9E9-4D8B-8C97-C74523B2CF2A}" type="datetimeFigureOut">
               <a:rPr lang="en-US" smtClean="0"/>
               <a:pPr/>
-              <a:t>3/27/2022</a:t>
+              <a:t>3/31/2022</a:t>
             </a:fld>
             <a:endParaRPr lang="en-US"/>
           </a:p>
@@ -7234,13 +7198,13 @@
   <p:clrMapOvr>
     <a:masterClrMapping/>
   </p:clrMapOvr>
-  <mc:AlternateContent xmlns:mc="http://schemas.openxmlformats.org/markup-compatibility/2006">
-    <mc:Choice xmlns:p14="http://schemas.microsoft.com/office/powerpoint/2010/main" xmlns="" Requires="p14">
+  <mc:AlternateContent xmlns:mc="http://schemas.openxmlformats.org/markup-compatibility/2006" xmlns:p14="http://schemas.microsoft.com/office/powerpoint/2010/main">
+    <mc:Choice Requires="p14">
       <p:transition spd="med" p14:dur="700">
         <p:fade/>
       </p:transition>
     </mc:Choice>
-    <mc:Fallback>
+    <mc:Fallback xmlns="">
       <p:transition spd="med">
         <p:fade/>
       </p:transition>
@@ -7359,7 +7323,7 @@
             <a:fld id="{881DC1F7-A9E9-4D8B-8C97-C74523B2CF2A}" type="datetimeFigureOut">
               <a:rPr lang="en-US" smtClean="0"/>
               <a:pPr/>
-              <a:t>3/27/2022</a:t>
+              <a:t>3/31/2022</a:t>
             </a:fld>
             <a:endParaRPr lang="en-US"/>
           </a:p>
@@ -7413,13 +7377,13 @@
   <p:clrMapOvr>
     <a:masterClrMapping/>
   </p:clrMapOvr>
-  <mc:AlternateContent xmlns:mc="http://schemas.openxmlformats.org/markup-compatibility/2006">
-    <mc:Choice xmlns:p14="http://schemas.microsoft.com/office/powerpoint/2010/main" xmlns="" Requires="p14">
+  <mc:AlternateContent xmlns:mc="http://schemas.openxmlformats.org/markup-compatibility/2006" xmlns:p14="http://schemas.microsoft.com/office/powerpoint/2010/main">
+    <mc:Choice Requires="p14">
       <p:transition spd="med" p14:dur="700">
         <p:fade/>
       </p:transition>
     </mc:Choice>
-    <mc:Fallback>
+    <mc:Fallback xmlns="">
       <p:transition spd="med">
         <p:fade/>
       </p:transition>
@@ -7615,7 +7579,7 @@
             <a:fld id="{881DC1F7-A9E9-4D8B-8C97-C74523B2CF2A}" type="datetimeFigureOut">
               <a:rPr lang="en-US" smtClean="0"/>
               <a:pPr/>
-              <a:t>3/27/2022</a:t>
+              <a:t>3/31/2022</a:t>
             </a:fld>
             <a:endParaRPr lang="en-US"/>
           </a:p>
@@ -7669,13 +7633,13 @@
   <p:clrMapOvr>
     <a:masterClrMapping/>
   </p:clrMapOvr>
-  <mc:AlternateContent xmlns:mc="http://schemas.openxmlformats.org/markup-compatibility/2006">
-    <mc:Choice xmlns:p14="http://schemas.microsoft.com/office/powerpoint/2010/main" xmlns="" Requires="p14">
+  <mc:AlternateContent xmlns:mc="http://schemas.openxmlformats.org/markup-compatibility/2006" xmlns:p14="http://schemas.microsoft.com/office/powerpoint/2010/main">
+    <mc:Choice Requires="p14">
       <p:transition spd="med" p14:dur="700">
         <p:fade/>
       </p:transition>
     </mc:Choice>
-    <mc:Fallback>
+    <mc:Fallback xmlns="">
       <p:transition spd="med">
         <p:fade/>
       </p:transition>
@@ -7916,7 +7880,7 @@
             <a:fld id="{881DC1F7-A9E9-4D8B-8C97-C74523B2CF2A}" type="datetimeFigureOut">
               <a:rPr lang="en-US" smtClean="0"/>
               <a:pPr/>
-              <a:t>3/27/2022</a:t>
+              <a:t>3/31/2022</a:t>
             </a:fld>
             <a:endParaRPr lang="en-US"/>
           </a:p>
@@ -7970,13 +7934,13 @@
   <p:clrMapOvr>
     <a:masterClrMapping/>
   </p:clrMapOvr>
-  <mc:AlternateContent xmlns:mc="http://schemas.openxmlformats.org/markup-compatibility/2006">
-    <mc:Choice xmlns:p14="http://schemas.microsoft.com/office/powerpoint/2010/main" xmlns="" Requires="p14">
+  <mc:AlternateContent xmlns:mc="http://schemas.openxmlformats.org/markup-compatibility/2006" xmlns:p14="http://schemas.microsoft.com/office/powerpoint/2010/main">
+    <mc:Choice Requires="p14">
       <p:transition spd="med" p14:dur="700">
         <p:fade/>
       </p:transition>
     </mc:Choice>
-    <mc:Fallback>
+    <mc:Fallback xmlns="">
       <p:transition spd="med">
         <p:fade/>
       </p:transition>
@@ -8369,7 +8333,7 @@
             <a:fld id="{881DC1F7-A9E9-4D8B-8C97-C74523B2CF2A}" type="datetimeFigureOut">
               <a:rPr lang="en-US" smtClean="0"/>
               <a:pPr/>
-              <a:t>3/27/2022</a:t>
+              <a:t>3/31/2022</a:t>
             </a:fld>
             <a:endParaRPr lang="en-US"/>
           </a:p>
@@ -8423,13 +8387,13 @@
   <p:clrMapOvr>
     <a:masterClrMapping/>
   </p:clrMapOvr>
-  <mc:AlternateContent xmlns:mc="http://schemas.openxmlformats.org/markup-compatibility/2006">
-    <mc:Choice xmlns:p14="http://schemas.microsoft.com/office/powerpoint/2010/main" xmlns="" Requires="p14">
+  <mc:AlternateContent xmlns:mc="http://schemas.openxmlformats.org/markup-compatibility/2006" xmlns:p14="http://schemas.microsoft.com/office/powerpoint/2010/main">
+    <mc:Choice Requires="p14">
       <p:transition spd="med" p14:dur="700">
         <p:fade/>
       </p:transition>
     </mc:Choice>
-    <mc:Fallback>
+    <mc:Fallback xmlns="">
       <p:transition spd="med">
         <p:fade/>
       </p:transition>
@@ -8496,7 +8460,7 @@
             <a:fld id="{881DC1F7-A9E9-4D8B-8C97-C74523B2CF2A}" type="datetimeFigureOut">
               <a:rPr lang="en-US" smtClean="0"/>
               <a:pPr/>
-              <a:t>3/27/2022</a:t>
+              <a:t>3/31/2022</a:t>
             </a:fld>
             <a:endParaRPr lang="en-US"/>
           </a:p>
@@ -8550,13 +8514,13 @@
   <p:clrMapOvr>
     <a:masterClrMapping/>
   </p:clrMapOvr>
-  <mc:AlternateContent xmlns:mc="http://schemas.openxmlformats.org/markup-compatibility/2006">
-    <mc:Choice xmlns:p14="http://schemas.microsoft.com/office/powerpoint/2010/main" xmlns="" Requires="p14">
+  <mc:AlternateContent xmlns:mc="http://schemas.openxmlformats.org/markup-compatibility/2006" xmlns:p14="http://schemas.microsoft.com/office/powerpoint/2010/main">
+    <mc:Choice Requires="p14">
       <p:transition spd="med" p14:dur="700">
         <p:fade/>
       </p:transition>
     </mc:Choice>
-    <mc:Fallback>
+    <mc:Fallback xmlns="">
       <p:transition spd="med">
         <p:fade/>
       </p:transition>
@@ -8600,7 +8564,7 @@
             <a:fld id="{881DC1F7-A9E9-4D8B-8C97-C74523B2CF2A}" type="datetimeFigureOut">
               <a:rPr lang="en-US" smtClean="0"/>
               <a:pPr/>
-              <a:t>3/27/2022</a:t>
+              <a:t>3/31/2022</a:t>
             </a:fld>
             <a:endParaRPr lang="en-US"/>
           </a:p>
@@ -8654,13 +8618,13 @@
   <p:clrMapOvr>
     <a:masterClrMapping/>
   </p:clrMapOvr>
-  <mc:AlternateContent xmlns:mc="http://schemas.openxmlformats.org/markup-compatibility/2006">
-    <mc:Choice xmlns:p14="http://schemas.microsoft.com/office/powerpoint/2010/main" xmlns="" Requires="p14">
+  <mc:AlternateContent xmlns:mc="http://schemas.openxmlformats.org/markup-compatibility/2006" xmlns:p14="http://schemas.microsoft.com/office/powerpoint/2010/main">
+    <mc:Choice Requires="p14">
       <p:transition spd="med" p14:dur="700">
         <p:fade/>
       </p:transition>
     </mc:Choice>
-    <mc:Fallback>
+    <mc:Fallback xmlns="">
       <p:transition spd="med">
         <p:fade/>
       </p:transition>
@@ -8888,7 +8852,7 @@
             <a:fld id="{881DC1F7-A9E9-4D8B-8C97-C74523B2CF2A}" type="datetimeFigureOut">
               <a:rPr lang="en-US" smtClean="0"/>
               <a:pPr/>
-              <a:t>3/27/2022</a:t>
+              <a:t>3/31/2022</a:t>
             </a:fld>
             <a:endParaRPr lang="en-US"/>
           </a:p>
@@ -8942,13 +8906,13 @@
   <p:clrMapOvr>
     <a:masterClrMapping/>
   </p:clrMapOvr>
-  <mc:AlternateContent xmlns:mc="http://schemas.openxmlformats.org/markup-compatibility/2006">
-    <mc:Choice xmlns:p14="http://schemas.microsoft.com/office/powerpoint/2010/main" xmlns="" Requires="p14">
+  <mc:AlternateContent xmlns:mc="http://schemas.openxmlformats.org/markup-compatibility/2006" xmlns:p14="http://schemas.microsoft.com/office/powerpoint/2010/main">
+    <mc:Choice Requires="p14">
       <p:transition spd="med" p14:dur="700">
         <p:fade/>
       </p:transition>
     </mc:Choice>
-    <mc:Fallback>
+    <mc:Fallback xmlns="">
       <p:transition spd="med">
         <p:fade/>
       </p:transition>
@@ -9172,7 +9136,7 @@
             <a:fld id="{881DC1F7-A9E9-4D8B-8C97-C74523B2CF2A}" type="datetimeFigureOut">
               <a:rPr lang="en-US" smtClean="0"/>
               <a:pPr/>
-              <a:t>3/27/2022</a:t>
+              <a:t>3/31/2022</a:t>
             </a:fld>
             <a:endParaRPr lang="en-US"/>
           </a:p>
@@ -9226,13 +9190,13 @@
   <p:clrMapOvr>
     <a:masterClrMapping/>
   </p:clrMapOvr>
-  <mc:AlternateContent xmlns:mc="http://schemas.openxmlformats.org/markup-compatibility/2006">
-    <mc:Choice xmlns:p14="http://schemas.microsoft.com/office/powerpoint/2010/main" xmlns="" Requires="p14">
+  <mc:AlternateContent xmlns:mc="http://schemas.openxmlformats.org/markup-compatibility/2006" xmlns:p14="http://schemas.microsoft.com/office/powerpoint/2010/main">
+    <mc:Choice Requires="p14">
       <p:transition spd="med" p14:dur="700">
         <p:fade/>
       </p:transition>
     </mc:Choice>
-    <mc:Fallback>
+    <mc:Fallback xmlns="">
       <p:transition spd="med">
         <p:fade/>
       </p:transition>
@@ -9275,7 +9239,7 @@
           <a:blip r:embed="rId19">
             <a:extLst>
               <a:ext uri="{28A0092B-C50C-407E-A947-70E740481C1C}">
-                <a14:useLocalDpi xmlns:a14="http://schemas.microsoft.com/office/drawing/2010/main" xmlns="" val="0"/>
+                <a14:useLocalDpi xmlns:a14="http://schemas.microsoft.com/office/drawing/2010/main" val="0"/>
               </a:ext>
             </a:extLst>
           </a:blip>
@@ -9306,7 +9270,7 @@
           <a:blip r:embed="rId20">
             <a:extLst>
               <a:ext uri="{28A0092B-C50C-407E-A947-70E740481C1C}">
-                <a14:useLocalDpi xmlns:a14="http://schemas.microsoft.com/office/drawing/2010/main" xmlns="" val="0"/>
+                <a14:useLocalDpi xmlns:a14="http://schemas.microsoft.com/office/drawing/2010/main" val="0"/>
               </a:ext>
             </a:extLst>
           </a:blip>
@@ -9400,7 +9364,7 @@
           <a:blip r:embed="rId21">
             <a:extLst>
               <a:ext uri="{28A0092B-C50C-407E-A947-70E740481C1C}">
-                <a14:useLocalDpi xmlns:a14="http://schemas.microsoft.com/office/drawing/2010/main" xmlns="" val="0"/>
+                <a14:useLocalDpi xmlns:a14="http://schemas.microsoft.com/office/drawing/2010/main" val="0"/>
               </a:ext>
             </a:extLst>
           </a:blip>
@@ -9431,7 +9395,7 @@
           <a:blip r:embed="rId22">
             <a:extLst>
               <a:ext uri="{28A0092B-C50C-407E-A947-70E740481C1C}">
-                <a14:useLocalDpi xmlns:a14="http://schemas.microsoft.com/office/drawing/2010/main" xmlns="" val="0"/>
+                <a14:useLocalDpi xmlns:a14="http://schemas.microsoft.com/office/drawing/2010/main" val="0"/>
               </a:ext>
             </a:extLst>
           </a:blip>
@@ -9618,7 +9582,7 @@
             <a:fld id="{881DC1F7-A9E9-4D8B-8C97-C74523B2CF2A}" type="datetimeFigureOut">
               <a:rPr lang="en-US" smtClean="0"/>
               <a:pPr/>
-              <a:t>3/27/2022</a:t>
+              <a:t>3/31/2022</a:t>
             </a:fld>
             <a:endParaRPr lang="en-US"/>
           </a:p>
@@ -9726,13 +9690,13 @@
     <p:sldLayoutId id="2147483664" r:id="rId16"/>
     <p:sldLayoutId id="2147483665" r:id="rId17"/>
   </p:sldLayoutIdLst>
-  <mc:AlternateContent xmlns:mc="http://schemas.openxmlformats.org/markup-compatibility/2006">
-    <mc:Choice xmlns:p14="http://schemas.microsoft.com/office/powerpoint/2010/main" xmlns="" Requires="p14">
+  <mc:AlternateContent xmlns:mc="http://schemas.openxmlformats.org/markup-compatibility/2006" xmlns:p14="http://schemas.microsoft.com/office/powerpoint/2010/main">
+    <mc:Choice Requires="p14">
       <p:transition spd="med" p14:dur="700">
         <p:fade/>
       </p:transition>
     </mc:Choice>
-    <mc:Fallback>
+    <mc:Fallback xmlns="">
       <p:transition spd="med">
         <p:fade/>
       </p:transition>
@@ -10272,25 +10236,8 @@
                 <a:latin typeface="Times New Roman" panose="02020603050405020304" pitchFamily="18" charset="0"/>
                 <a:cs typeface="Times New Roman" panose="02020603050405020304" pitchFamily="18" charset="0"/>
               </a:rPr>
-              <a:t>Indian </a:t>
-            </a:r>
-            <a:r>
-              <a:rPr lang="en-US" sz="2800" dirty="0" err="1">
-                <a:solidFill>
-                  <a:srgbClr val="96B86B"/>
-                </a:solidFill>
-                <a:latin typeface="Times New Roman" panose="02020603050405020304" pitchFamily="18" charset="0"/>
-                <a:cs typeface="Times New Roman" panose="02020603050405020304" pitchFamily="18" charset="0"/>
-              </a:rPr>
-              <a:t>Bittu</a:t>
-            </a:r>
-            <a:endParaRPr lang="en-US" sz="2800" dirty="0">
-              <a:solidFill>
-                <a:srgbClr val="96B86B"/>
-              </a:solidFill>
-              <a:latin typeface="Times New Roman" panose="02020603050405020304" pitchFamily="18" charset="0"/>
-              <a:cs typeface="Times New Roman" panose="02020603050405020304" pitchFamily="18" charset="0"/>
-            </a:endParaRPr>
+              <a:t>Indian Bittu</a:t>
+            </a:r>
           </a:p>
           <a:p>
             <a:pPr marL="457200" indent="-457200">
@@ -10305,41 +10252,14 @@
                 <a:latin typeface="Times New Roman" panose="02020603050405020304" pitchFamily="18" charset="0"/>
                 <a:cs typeface="Times New Roman" panose="02020603050405020304" pitchFamily="18" charset="0"/>
               </a:rPr>
-              <a:t>K R </a:t>
-            </a:r>
-            <a:r>
-              <a:rPr lang="en-US" sz="2800" dirty="0" err="1">
-                <a:solidFill>
-                  <a:srgbClr val="96B86B"/>
-                </a:solidFill>
-                <a:latin typeface="Times New Roman" panose="02020603050405020304" pitchFamily="18" charset="0"/>
-                <a:cs typeface="Times New Roman" panose="02020603050405020304" pitchFamily="18" charset="0"/>
-              </a:rPr>
-              <a:t>Adhithya</a:t>
-            </a:r>
-            <a:endParaRPr lang="en-US" sz="2800" dirty="0">
-              <a:solidFill>
-                <a:srgbClr val="96B86B"/>
-              </a:solidFill>
-              <a:latin typeface="Times New Roman" panose="02020603050405020304" pitchFamily="18" charset="0"/>
-              <a:cs typeface="Times New Roman" panose="02020603050405020304" pitchFamily="18" charset="0"/>
-            </a:endParaRPr>
+              <a:t>K R Adhithya</a:t>
+            </a:r>
           </a:p>
           <a:p>
             <a:pPr marL="457200" indent="-457200">
               <a:buFont typeface="Wingdings" panose="05000000000000000000" pitchFamily="2" charset="2"/>
               <a:buChar char="Ø"/>
             </a:pPr>
-            <a:r>
-              <a:rPr lang="en-US" sz="2800" dirty="0" err="1">
-                <a:solidFill>
-                  <a:srgbClr val="96B86B"/>
-                </a:solidFill>
-                <a:latin typeface="Times New Roman" panose="02020603050405020304" pitchFamily="18" charset="0"/>
-                <a:cs typeface="Times New Roman" panose="02020603050405020304" pitchFamily="18" charset="0"/>
-              </a:rPr>
-              <a:t>Sudarshan</a:t>
-            </a:r>
             <a:r>
               <a:rPr lang="en-US" sz="2800" dirty="0">
                 <a:solidFill>
@@ -10348,25 +10268,8 @@
                 <a:latin typeface="Times New Roman" panose="02020603050405020304" pitchFamily="18" charset="0"/>
                 <a:cs typeface="Times New Roman" panose="02020603050405020304" pitchFamily="18" charset="0"/>
               </a:rPr>
-              <a:t> </a:t>
-            </a:r>
-            <a:r>
-              <a:rPr lang="en-US" sz="2800" dirty="0" err="1">
-                <a:solidFill>
-                  <a:srgbClr val="96B86B"/>
-                </a:solidFill>
-                <a:latin typeface="Times New Roman" panose="02020603050405020304" pitchFamily="18" charset="0"/>
-                <a:cs typeface="Times New Roman" panose="02020603050405020304" pitchFamily="18" charset="0"/>
-              </a:rPr>
-              <a:t>reddy</a:t>
-            </a:r>
-            <a:endParaRPr lang="en-US" sz="2800" dirty="0">
-              <a:solidFill>
-                <a:srgbClr val="96B86B"/>
-              </a:solidFill>
-              <a:latin typeface="Times New Roman" panose="02020603050405020304" pitchFamily="18" charset="0"/>
-              <a:cs typeface="Times New Roman" panose="02020603050405020304" pitchFamily="18" charset="0"/>
-            </a:endParaRPr>
+              <a:t>Sudarshan reddy</a:t>
+            </a:r>
           </a:p>
           <a:p>
             <a:pPr marL="457200" indent="-457200">
@@ -10374,7 +10277,7 @@
               <a:buChar char="Ø"/>
             </a:pPr>
             <a:r>
-              <a:rPr lang="en-US" sz="2800" dirty="0" err="1">
+              <a:rPr lang="en-US" sz="2800" dirty="0">
                 <a:solidFill>
                   <a:srgbClr val="96B86B"/>
                 </a:solidFill>
@@ -10383,13 +10286,6 @@
               </a:rPr>
               <a:t>Silpa ER</a:t>
             </a:r>
-            <a:endParaRPr lang="en-US" sz="2800" dirty="0">
-              <a:solidFill>
-                <a:srgbClr val="96B86B"/>
-              </a:solidFill>
-              <a:latin typeface="Times New Roman" panose="02020603050405020304" pitchFamily="18" charset="0"/>
-              <a:cs typeface="Times New Roman" panose="02020603050405020304" pitchFamily="18" charset="0"/>
-            </a:endParaRPr>
           </a:p>
           <a:p>
             <a:pPr marL="457200" indent="-457200">
@@ -10404,25 +10300,8 @@
                 <a:latin typeface="Times New Roman" panose="02020603050405020304" pitchFamily="18" charset="0"/>
                 <a:cs typeface="Times New Roman" panose="02020603050405020304" pitchFamily="18" charset="0"/>
               </a:rPr>
-              <a:t>Harsha Vardhan </a:t>
-            </a:r>
-            <a:r>
-              <a:rPr lang="en-US" sz="2800" dirty="0" err="1">
-                <a:solidFill>
-                  <a:srgbClr val="96B86B"/>
-                </a:solidFill>
-                <a:latin typeface="Times New Roman" panose="02020603050405020304" pitchFamily="18" charset="0"/>
-                <a:cs typeface="Times New Roman" panose="02020603050405020304" pitchFamily="18" charset="0"/>
-              </a:rPr>
-              <a:t>reddy</a:t>
-            </a:r>
-            <a:endParaRPr lang="en-US" sz="2800" dirty="0">
-              <a:solidFill>
-                <a:srgbClr val="96B86B"/>
-              </a:solidFill>
-              <a:latin typeface="Times New Roman" panose="02020603050405020304" pitchFamily="18" charset="0"/>
-              <a:cs typeface="Times New Roman" panose="02020603050405020304" pitchFamily="18" charset="0"/>
-            </a:endParaRPr>
+              <a:t>Harsha Vardhan reddy</a:t>
+            </a:r>
           </a:p>
           <a:p>
             <a:endParaRPr lang="en-US" sz="3600" dirty="0">
@@ -10440,13 +10319,13 @@
   <p:clrMapOvr>
     <a:masterClrMapping/>
   </p:clrMapOvr>
-  <mc:AlternateContent xmlns:mc="http://schemas.openxmlformats.org/markup-compatibility/2006">
-    <mc:Choice xmlns:p14="http://schemas.microsoft.com/office/powerpoint/2010/main" xmlns="" Requires="p14">
+  <mc:AlternateContent xmlns:mc="http://schemas.openxmlformats.org/markup-compatibility/2006" xmlns:p14="http://schemas.microsoft.com/office/powerpoint/2010/main">
+    <mc:Choice Requires="p14">
       <p:transition spd="med" p14:dur="700">
         <p:fade/>
       </p:transition>
     </mc:Choice>
-    <mc:Fallback>
+    <mc:Fallback xmlns="">
       <p:transition spd="med">
         <p:fade/>
       </p:transition>
@@ -10621,13 +10500,13 @@
   <p:clrMapOvr>
     <a:masterClrMapping/>
   </p:clrMapOvr>
-  <mc:AlternateContent xmlns:mc="http://schemas.openxmlformats.org/markup-compatibility/2006">
-    <mc:Choice xmlns:p14="http://schemas.microsoft.com/office/powerpoint/2010/main" xmlns="" Requires="p14">
+  <mc:AlternateContent xmlns:mc="http://schemas.openxmlformats.org/markup-compatibility/2006" xmlns:p14="http://schemas.microsoft.com/office/powerpoint/2010/main">
+    <mc:Choice Requires="p14">
       <p:transition spd="med" p14:dur="700">
         <p:fade/>
       </p:transition>
     </mc:Choice>
-    <mc:Fallback>
+    <mc:Fallback xmlns="">
       <p:transition spd="med">
         <p:fade/>
       </p:transition>
@@ -10745,7 +10624,7 @@
                 <a:latin typeface="Times New Roman" panose="02020603050405020304" pitchFamily="18" charset="0"/>
                 <a:cs typeface="Times New Roman" panose="02020603050405020304" pitchFamily="18" charset="0"/>
               </a:rPr>
-              <a:t>HTML-5/CSS/Ts</a:t>
+              <a:t>HTML-5/CSS-3/Ts-4.5.2</a:t>
             </a:r>
           </a:p>
           <a:p>
@@ -10869,13 +10748,13 @@
   <p:clrMapOvr>
     <a:masterClrMapping/>
   </p:clrMapOvr>
-  <mc:AlternateContent xmlns:mc="http://schemas.openxmlformats.org/markup-compatibility/2006">
-    <mc:Choice xmlns:p14="http://schemas.microsoft.com/office/powerpoint/2010/main" xmlns="" Requires="p14">
+  <mc:AlternateContent xmlns:mc="http://schemas.openxmlformats.org/markup-compatibility/2006" xmlns:p14="http://schemas.microsoft.com/office/powerpoint/2010/main">
+    <mc:Choice Requires="p14">
       <p:transition spd="med" p14:dur="700">
         <p:fade/>
       </p:transition>
     </mc:Choice>
-    <mc:Fallback>
+    <mc:Fallback xmlns="">
       <p:transition spd="med">
         <p:fade/>
       </p:transition>
@@ -11379,7 +11258,7 @@
         </p:nvSpPr>
         <p:spPr>
           <a:xfrm>
-            <a:off x="6786917" y="1146212"/>
+            <a:off x="5346505" y="607586"/>
             <a:ext cx="1323720" cy="432898"/>
           </a:xfrm>
           <a:prstGeom prst="rect">
@@ -11415,7 +11294,7 @@
                 <a:latin typeface="Times New Roman" panose="02020603050405020304" pitchFamily="18" charset="0"/>
                 <a:cs typeface="Times New Roman" panose="02020603050405020304" pitchFamily="18" charset="0"/>
               </a:rPr>
-              <a:t>Category</a:t>
+              <a:t>Book Service</a:t>
             </a:r>
             <a:endParaRPr lang="en-IN" sz="1600" b="1" dirty="0">
               <a:solidFill>
@@ -11437,7 +11316,7 @@
         </p:nvSpPr>
         <p:spPr>
           <a:xfrm>
-            <a:off x="5331456" y="537412"/>
+            <a:off x="6986394" y="1187844"/>
             <a:ext cx="1237879" cy="353351"/>
           </a:xfrm>
           <a:prstGeom prst="rect">
@@ -11473,7 +11352,7 @@
                 <a:latin typeface="Times New Roman" panose="02020603050405020304" pitchFamily="18" charset="0"/>
                 <a:cs typeface="Times New Roman" panose="02020603050405020304" pitchFamily="18" charset="0"/>
               </a:rPr>
-              <a:t>Search By</a:t>
+              <a:t>Output</a:t>
             </a:r>
             <a:endParaRPr lang="en-IN" b="1" dirty="0">
               <a:solidFill>
@@ -11531,7 +11410,7 @@
                 <a:latin typeface="Times New Roman" panose="02020603050405020304" pitchFamily="18" charset="0"/>
                 <a:cs typeface="Times New Roman" panose="02020603050405020304" pitchFamily="18" charset="0"/>
               </a:rPr>
-              <a:t>Book Name</a:t>
+              <a:t>Login</a:t>
             </a:r>
           </a:p>
         </p:txBody>
@@ -12174,7 +12053,7 @@
         </p:nvSpPr>
         <p:spPr>
           <a:xfrm>
-            <a:off x="5274837" y="1155925"/>
+            <a:off x="5345244" y="1165321"/>
             <a:ext cx="1381895" cy="417190"/>
           </a:xfrm>
           <a:prstGeom prst="rect">
@@ -12210,7 +12089,7 @@
                 <a:latin typeface="Times New Roman" panose="02020603050405020304" pitchFamily="18" charset="0"/>
                 <a:cs typeface="Times New Roman" panose="02020603050405020304" pitchFamily="18" charset="0"/>
               </a:rPr>
-              <a:t>Author Name</a:t>
+              <a:t>Book Home</a:t>
             </a:r>
             <a:endParaRPr lang="en-IN" sz="1600" b="1" dirty="0">
               <a:solidFill>
@@ -12224,18 +12103,137 @@
           </a:p>
         </p:txBody>
       </p:sp>
+      <p:sp>
+        <p:nvSpPr>
+          <p:cNvPr id="26" name="Rectangle 25">
+            <a:extLst>
+              <a:ext uri="{FF2B5EF4-FFF2-40B4-BE49-F238E27FC236}">
+                <a16:creationId xmlns:a16="http://schemas.microsoft.com/office/drawing/2014/main" id="{80DBC146-9D25-4680-BE0C-8EE7AAF0AD5C}"/>
+              </a:ext>
+            </a:extLst>
+          </p:cNvPr>
+          <p:cNvSpPr/>
+          <p:nvPr/>
+        </p:nvSpPr>
+        <p:spPr>
+          <a:xfrm>
+            <a:off x="5345244" y="1639123"/>
+            <a:ext cx="1381895" cy="417190"/>
+          </a:xfrm>
+          <a:prstGeom prst="rect">
+            <a:avLst/>
+          </a:prstGeom>
+        </p:spPr>
+        <p:style>
+          <a:lnRef idx="2">
+            <a:schemeClr val="accent6"/>
+          </a:lnRef>
+          <a:fillRef idx="1">
+            <a:schemeClr val="lt1"/>
+          </a:fillRef>
+          <a:effectRef idx="0">
+            <a:schemeClr val="accent6"/>
+          </a:effectRef>
+          <a:fontRef idx="minor">
+            <a:schemeClr val="dk1"/>
+          </a:fontRef>
+        </p:style>
+        <p:txBody>
+          <a:bodyPr rtlCol="0" anchor="ctr"/>
+          <a:lstStyle/>
+          <a:p>
+            <a:pPr algn="ctr"/>
+            <a:r>
+              <a:rPr lang="en-US" sz="1600" b="1" dirty="0">
+                <a:solidFill>
+                  <a:schemeClr val="accent3">
+                    <a:lumMod val="75000"/>
+                  </a:schemeClr>
+                </a:solidFill>
+                <a:latin typeface="Times New Roman" panose="02020603050405020304" pitchFamily="18" charset="0"/>
+                <a:cs typeface="Times New Roman" panose="02020603050405020304" pitchFamily="18" charset="0"/>
+              </a:rPr>
+              <a:t>Model</a:t>
+            </a:r>
+            <a:endParaRPr lang="en-IN" sz="1600" b="1" dirty="0">
+              <a:solidFill>
+                <a:schemeClr val="accent3">
+                  <a:lumMod val="75000"/>
+                </a:schemeClr>
+              </a:solidFill>
+              <a:latin typeface="Times New Roman" panose="02020603050405020304" pitchFamily="18" charset="0"/>
+              <a:cs typeface="Times New Roman" panose="02020603050405020304" pitchFamily="18" charset="0"/>
+            </a:endParaRPr>
+          </a:p>
+        </p:txBody>
+      </p:sp>
+      <p:sp>
+        <p:nvSpPr>
+          <p:cNvPr id="27" name="Rectangle 26">
+            <a:extLst>
+              <a:ext uri="{FF2B5EF4-FFF2-40B4-BE49-F238E27FC236}">
+                <a16:creationId xmlns:a16="http://schemas.microsoft.com/office/drawing/2014/main" id="{BFFFCE61-2B48-48C9-8208-6E30E83AB42E}"/>
+              </a:ext>
+            </a:extLst>
+          </p:cNvPr>
+          <p:cNvSpPr/>
+          <p:nvPr/>
+        </p:nvSpPr>
+        <p:spPr>
+          <a:xfrm>
+            <a:off x="3941174" y="1625866"/>
+            <a:ext cx="1237879" cy="432898"/>
+          </a:xfrm>
+          <a:prstGeom prst="rect">
+            <a:avLst/>
+          </a:prstGeom>
+        </p:spPr>
+        <p:style>
+          <a:lnRef idx="2">
+            <a:schemeClr val="accent6"/>
+          </a:lnRef>
+          <a:fillRef idx="1">
+            <a:schemeClr val="lt1"/>
+          </a:fillRef>
+          <a:effectRef idx="0">
+            <a:schemeClr val="accent6"/>
+          </a:effectRef>
+          <a:fontRef idx="minor">
+            <a:schemeClr val="dk1"/>
+          </a:fontRef>
+        </p:style>
+        <p:txBody>
+          <a:bodyPr rtlCol="0" anchor="ctr"/>
+          <a:lstStyle/>
+          <a:p>
+            <a:pPr algn="ctr"/>
+            <a:r>
+              <a:rPr lang="en-US" sz="1500" b="1" dirty="0">
+                <a:solidFill>
+                  <a:schemeClr val="accent3">
+                    <a:lumMod val="75000"/>
+                  </a:schemeClr>
+                </a:solidFill>
+                <a:latin typeface="Times New Roman" panose="02020603050405020304" pitchFamily="18" charset="0"/>
+                <a:cs typeface="Times New Roman" panose="02020603050405020304" pitchFamily="18" charset="0"/>
+              </a:rPr>
+              <a:t>User Registration</a:t>
+            </a:r>
+          </a:p>
+        </p:txBody>
+      </p:sp>
     </p:spTree>
   </p:cSld>
   <p:clrMapOvr>
     <a:masterClrMapping/>
   </p:clrMapOvr>
-  <mc:AlternateContent xmlns:mc="http://schemas.openxmlformats.org/markup-compatibility/2006">
-    <mc:Choice xmlns:p14="http://schemas.microsoft.com/office/powerpoint/2010/main" xmlns="" Requires="p14">
+  <mc:AlternateContent xmlns:mc="http://schemas.openxmlformats.org/markup-compatibility/2006" xmlns:p14="http://schemas.microsoft.com/office/powerpoint/2010/main">
+    <mc:Choice Requires="p14">
       <p:transition spd="med" p14:dur="700">
         <p:fade/>
       </p:transition>
     </mc:Choice>
-    <mc:Fallback>
+    <mc:Fallback xmlns="">
       <p:transition spd="med">
         <p:fade/>
       </p:transition>
@@ -12725,14 +12723,7 @@
                 <a:latin typeface="Times New Roman" panose="02020603050405020304" pitchFamily="18" charset="0"/>
                 <a:cs typeface="Times New Roman" panose="02020603050405020304" pitchFamily="18" charset="0"/>
               </a:rPr>
-              <a:t>Search by </a:t>
-            </a:r>
-            <a:r>
-              <a:rPr lang="en-US" sz="1600" b="1" dirty="0" smtClean="0">
-                <a:latin typeface="Times New Roman" panose="02020603050405020304" pitchFamily="18" charset="0"/>
-                <a:cs typeface="Times New Roman" panose="02020603050405020304" pitchFamily="18" charset="0"/>
-              </a:rPr>
-              <a:t>Book Name</a:t>
+              <a:t>Search by Book Name</a:t>
             </a:r>
             <a:endParaRPr lang="en-IN" sz="1600" b="1" dirty="0">
               <a:latin typeface="Times New Roman" panose="02020603050405020304" pitchFamily="18" charset="0"/>
@@ -13513,7 +13504,7 @@
           <a:lstStyle/>
           <a:p>
             <a:r>
-              <a:rPr lang="en-US" sz="1600" b="1" dirty="0" smtClean="0">
+              <a:rPr lang="en-US" sz="1600" b="1" dirty="0">
                 <a:solidFill>
                   <a:schemeClr val="bg1"/>
                 </a:solidFill>
@@ -13522,13 +13513,6 @@
               </a:rPr>
               <a:t>Logout</a:t>
             </a:r>
-            <a:endParaRPr lang="en-US" sz="1600" b="1" dirty="0">
-              <a:solidFill>
-                <a:schemeClr val="bg1"/>
-              </a:solidFill>
-              <a:latin typeface="Times New Roman" pitchFamily="18" charset="0"/>
-              <a:cs typeface="Times New Roman" pitchFamily="18" charset="0"/>
-            </a:endParaRPr>
           </a:p>
         </p:txBody>
       </p:sp>
@@ -13537,13 +13521,13 @@
   <p:clrMapOvr>
     <a:masterClrMapping/>
   </p:clrMapOvr>
-  <mc:AlternateContent xmlns:mc="http://schemas.openxmlformats.org/markup-compatibility/2006">
-    <mc:Choice xmlns:p14="http://schemas.microsoft.com/office/powerpoint/2010/main" xmlns="" Requires="p14">
+  <mc:AlternateContent xmlns:mc="http://schemas.openxmlformats.org/markup-compatibility/2006" xmlns:p14="http://schemas.microsoft.com/office/powerpoint/2010/main">
+    <mc:Choice Requires="p14">
       <p:transition spd="med" p14:dur="700">
         <p:fade/>
       </p:transition>
     </mc:Choice>
-    <mc:Fallback>
+    <mc:Fallback xmlns="">
       <p:transition spd="med">
         <p:fade/>
       </p:transition>
@@ -13692,13 +13676,13 @@
   <p:clrMapOvr>
     <a:masterClrMapping/>
   </p:clrMapOvr>
-  <mc:AlternateContent xmlns:mc="http://schemas.openxmlformats.org/markup-compatibility/2006">
-    <mc:Choice xmlns:p14="http://schemas.microsoft.com/office/powerpoint/2010/main" xmlns="" Requires="p14">
+  <mc:AlternateContent xmlns:mc="http://schemas.openxmlformats.org/markup-compatibility/2006" xmlns:p14="http://schemas.microsoft.com/office/powerpoint/2010/main">
+    <mc:Choice Requires="p14">
       <p:transition spd="med" p14:dur="700">
         <p:fade/>
       </p:transition>
     </mc:Choice>
-    <mc:Fallback>
+    <mc:Fallback xmlns="">
       <p:transition spd="med">
         <p:fade/>
       </p:transition>
@@ -13969,7 +13953,7 @@
   <a:extraClrSchemeLst/>
   <a:extLst>
     <a:ext uri="{05A4C25C-085E-4340-85A3-A5531E510DB2}">
-      <thm15:themeFamily xmlns:thm15="http://schemas.microsoft.com/office/thememl/2012/main" xmlns="" name="Office Theme" id="{62F939B6-93AF-4DB8-9C6B-D6C7DFDC589F}" vid="{4A3C46E8-61CC-4603-A589-7422A47A8E4A}"/>
+      <thm15:themeFamily xmlns:thm15="http://schemas.microsoft.com/office/thememl/2012/main" name="Office Theme" id="{62F939B6-93AF-4DB8-9C6B-D6C7DFDC589F}" vid="{4A3C46E8-61CC-4603-A589-7422A47A8E4A}"/>
     </a:ext>
   </a:extLst>
 </a:theme>
@@ -14193,7 +14177,7 @@
   <a:extraClrSchemeLst/>
   <a:extLst>
     <a:ext uri="{05A4C25C-085E-4340-85A3-A5531E510DB2}">
-      <thm15:themeFamily xmlns:thm15="http://schemas.microsoft.com/office/thememl/2012/main" xmlns="" name="Office Theme" id="{62F939B6-93AF-4DB8-9C6B-D6C7DFDC589F}" vid="{4A3C46E8-61CC-4603-A589-7422A47A8E4A}"/>
+      <thm15:themeFamily xmlns:thm15="http://schemas.microsoft.com/office/thememl/2012/main" name="Office Theme" id="{62F939B6-93AF-4DB8-9C6B-D6C7DFDC589F}" vid="{4A3C46E8-61CC-4603-A589-7422A47A8E4A}"/>
     </a:ext>
   </a:extLst>
 </a:theme>
@@ -14417,7 +14401,7 @@
   <a:extraClrSchemeLst/>
   <a:extLst>
     <a:ext uri="{05A4C25C-085E-4340-85A3-A5531E510DB2}">
-      <thm15:themeFamily xmlns:thm15="http://schemas.microsoft.com/office/thememl/2012/main" xmlns="" name="Office Theme" id="{62F939B6-93AF-4DB8-9C6B-D6C7DFDC589F}" vid="{4A3C46E8-61CC-4603-A589-7422A47A8E4A}"/>
+      <thm15:themeFamily xmlns:thm15="http://schemas.microsoft.com/office/thememl/2012/main" name="Office Theme" id="{62F939B6-93AF-4DB8-9C6B-D6C7DFDC589F}" vid="{4A3C46E8-61CC-4603-A589-7422A47A8E4A}"/>
     </a:ext>
   </a:extLst>
 </a:theme>
